--- a/trunk/Presentaciones/Informe Preliminar.pptx
+++ b/trunk/Presentaciones/Informe Preliminar.pptx
@@ -1767,8 +1767,12 @@
         <a:lstStyle/>
         <a:p>
           <a:r>
-            <a:rPr lang="es-ES"/>
-            <a:t>Pagoa proveedores</a:t>
+            <a:rPr lang="es-ES" dirty="0" smtClean="0"/>
+            <a:t>Pago a </a:t>
+          </a:r>
+          <a:r>
+            <a:rPr lang="es-ES" dirty="0"/>
+            <a:t>proveedores</a:t>
           </a:r>
         </a:p>
       </dgm:t>
@@ -4010,106 +4014,106 @@
     </dgm:pt>
   </dgm:ptLst>
   <dgm:cxnLst>
+    <dgm:cxn modelId="{3A0AC895-7822-4399-886E-190D85FAD30C}" type="presOf" srcId="{41578097-3E86-4D68-8560-FD9CA8622A63}" destId="{6EB67E4F-7540-4F92-9E9D-7CCA16A065FF}" srcOrd="0" destOrd="0" presId="urn:microsoft.com/office/officeart/2005/8/layout/orgChart1"/>
+    <dgm:cxn modelId="{B742D38D-78D4-4EC2-AD00-C201B508D3E9}" type="presOf" srcId="{C48CCF1C-5953-4623-A843-6012848946D6}" destId="{6D04DF51-BA7D-4F3D-BEEB-D81776F069F0}" srcOrd="1" destOrd="0" presId="urn:microsoft.com/office/officeart/2005/8/layout/orgChart1"/>
+    <dgm:cxn modelId="{2BDA9CAA-C433-4474-8D2B-72342EB91ABA}" srcId="{A6EBF3B1-5FEF-4D55-AD24-723DC818DC94}" destId="{C48CCF1C-5953-4623-A843-6012848946D6}" srcOrd="2" destOrd="0" parTransId="{6237E611-32F5-4EA5-A1A1-7118C8C90C05}" sibTransId="{350FFDBA-CA2A-4775-A6BA-077DA30A74B3}"/>
+    <dgm:cxn modelId="{38DB111E-7985-45E1-8345-59CB526098BD}" type="presOf" srcId="{F01E610B-8817-49D9-A9E1-8923948CE640}" destId="{D8ABA919-18E1-41AC-B6C4-E506E69D672C}" srcOrd="1" destOrd="0" presId="urn:microsoft.com/office/officeart/2005/8/layout/orgChart1"/>
+    <dgm:cxn modelId="{057B942D-7F13-4379-BE76-049D266D82BC}" type="presOf" srcId="{40A64014-1284-4EEE-AF7A-959BE25DB7B9}" destId="{74386309-D9B9-42CC-9762-8B8BDDD80804}" srcOrd="1" destOrd="0" presId="urn:microsoft.com/office/officeart/2005/8/layout/orgChart1"/>
+    <dgm:cxn modelId="{A8286ADA-4E8C-4EB7-9A02-195A5A58E5AF}" type="presOf" srcId="{A6413E82-5C10-4DEF-97C9-62507E7B0529}" destId="{BE1C2CBB-B18C-432D-B52C-2D69B317CDE9}" srcOrd="0" destOrd="0" presId="urn:microsoft.com/office/officeart/2005/8/layout/orgChart1"/>
+    <dgm:cxn modelId="{2AF4619E-E10D-4BDB-B2A1-205AC47FEDC3}" type="presOf" srcId="{4BEB6D0B-B96F-4DB4-939C-4237821B4358}" destId="{B2554413-104E-406A-9CC5-349745215342}" srcOrd="0" destOrd="0" presId="urn:microsoft.com/office/officeart/2005/8/layout/orgChart1"/>
+    <dgm:cxn modelId="{A4588C94-0E7E-4376-9A99-4055BDE766D9}" type="presOf" srcId="{15E12B16-8D11-463B-92B8-5822BDF4C748}" destId="{3BB46B51-8531-4211-845C-53824F0021A9}" srcOrd="1" destOrd="0" presId="urn:microsoft.com/office/officeart/2005/8/layout/orgChart1"/>
+    <dgm:cxn modelId="{9D0FC0EB-F445-4785-8899-8B0C37E1382C}" type="presOf" srcId="{3D67422D-7F1E-479F-8ADA-437888D6617F}" destId="{475BA088-7396-4BA9-B792-69EE6759C03E}" srcOrd="0" destOrd="0" presId="urn:microsoft.com/office/officeart/2005/8/layout/orgChart1"/>
+    <dgm:cxn modelId="{CD08A677-EB5D-4899-BB03-3A8C0E7EBC6E}" srcId="{A96BCA3D-D7C2-4537-AB77-55058808C1A9}" destId="{504AF20F-1361-40D6-8DAE-FC215ABF0FD3}" srcOrd="0" destOrd="0" parTransId="{49427332-34CA-4B15-A0C2-223A59554952}" sibTransId="{BFB4BB23-0AEA-403B-8838-AB8003911B11}"/>
+    <dgm:cxn modelId="{DB6A82F4-B378-497E-A497-D915594AA80B}" type="presOf" srcId="{EBD4CD79-8225-4792-82A3-253A539375A6}" destId="{F1A1663F-0BFF-4E1E-90B9-D760441C1CDB}" srcOrd="0" destOrd="0" presId="urn:microsoft.com/office/officeart/2005/8/layout/orgChart1"/>
+    <dgm:cxn modelId="{EC5254D8-CB0C-46F0-93A2-8FCF2150E37B}" srcId="{734FDF17-C543-4CF5-AF6F-CCC9E665A0C9}" destId="{91C476B7-9FCB-4BBA-B7CC-98C951BABF08}" srcOrd="2" destOrd="0" parTransId="{87C4630D-F69A-47CF-9B5E-8DE03E829F25}" sibTransId="{2E4F4ACB-33FE-41CF-A20A-65E2EA8DBD17}"/>
+    <dgm:cxn modelId="{18B27369-EF0D-4EA2-A33D-EB268A86B0B8}" type="presOf" srcId="{AE7CBEBD-037D-494F-9847-16042D7F1D69}" destId="{A49D3927-7449-4735-AC87-5BDC01040BD5}" srcOrd="1" destOrd="0" presId="urn:microsoft.com/office/officeart/2005/8/layout/orgChart1"/>
+    <dgm:cxn modelId="{B931F1CC-E1A4-4268-BD33-3B0BD016669F}" srcId="{734FDF17-C543-4CF5-AF6F-CCC9E665A0C9}" destId="{40A64014-1284-4EEE-AF7A-959BE25DB7B9}" srcOrd="1" destOrd="0" parTransId="{78DBDE58-79EA-4552-815F-6AD32342798D}" sibTransId="{83524DB7-FD8D-48CF-BAC2-CAF53F88E204}"/>
+    <dgm:cxn modelId="{3EFFAC43-F8F2-4EB9-B8B4-EC223D85DCB3}" type="presOf" srcId="{87C4630D-F69A-47CF-9B5E-8DE03E829F25}" destId="{1066007D-6716-408F-ABCC-CC3F6E110693}" srcOrd="0" destOrd="0" presId="urn:microsoft.com/office/officeart/2005/8/layout/orgChart1"/>
+    <dgm:cxn modelId="{E0E32CF9-54DE-4AC6-8A87-9AE267207647}" srcId="{CB26703D-F1D5-4228-A24C-96993E87C319}" destId="{4D415793-AE8B-457D-B662-6837FBCA6EC5}" srcOrd="1" destOrd="0" parTransId="{64C04965-321B-4962-9DCD-36F6AFD0C6B4}" sibTransId="{0D330756-C139-4C9B-B5F7-CAB7EA60C315}"/>
+    <dgm:cxn modelId="{D78348A8-4F27-4EE2-AB3D-2CC32D4E7FD2}" type="presOf" srcId="{2E911E43-E8AF-4C0F-8447-43FF439EF7E6}" destId="{8457549B-7E43-4A86-AF6A-9960A58EE57A}" srcOrd="1" destOrd="0" presId="urn:microsoft.com/office/officeart/2005/8/layout/orgChart1"/>
+    <dgm:cxn modelId="{A177FC83-EAA4-482A-B19F-3361DA646329}" type="presOf" srcId="{2E911E43-E8AF-4C0F-8447-43FF439EF7E6}" destId="{6EE82750-6E2E-445B-9E64-F5601D1469BA}" srcOrd="0" destOrd="0" presId="urn:microsoft.com/office/officeart/2005/8/layout/orgChart1"/>
+    <dgm:cxn modelId="{B3E17599-B9BE-4288-AF10-68A20522D192}" srcId="{A6EBF3B1-5FEF-4D55-AD24-723DC818DC94}" destId="{15E12B16-8D11-463B-92B8-5822BDF4C748}" srcOrd="1" destOrd="0" parTransId="{823DEEB8-DAB1-4EC7-B092-5F8BBFDE5584}" sibTransId="{DDD9BD9F-455D-47C3-99A0-C116BFA6EC34}"/>
+    <dgm:cxn modelId="{3F59DDAA-603E-46A7-BC3B-17E1E5FED335}" type="presOf" srcId="{8F22EA0A-02BD-433F-A127-D5AE85F408D5}" destId="{E9B46B83-48DF-4EF2-B252-E3BF270EE3C0}" srcOrd="0" destOrd="0" presId="urn:microsoft.com/office/officeart/2005/8/layout/orgChart1"/>
     <dgm:cxn modelId="{948F8598-1BBE-4CE3-A628-2B1D82914D18}" srcId="{8024BF88-7976-4903-A5DC-0342CCC7DECB}" destId="{A6EBF3B1-5FEF-4D55-AD24-723DC818DC94}" srcOrd="1" destOrd="0" parTransId="{76C50CB5-FD07-4381-AC14-BBEBBC54CA89}" sibTransId="{CDCECAA8-5471-4F18-A8BB-DB49795854F2}"/>
-    <dgm:cxn modelId="{0B1EC608-1C5E-46AE-B40F-1D71A4F92EFA}" type="presOf" srcId="{1393496C-F495-4051-8A95-A71E8FCAC781}" destId="{C318070A-2C5F-41D4-A587-DE10A89FAD57}" srcOrd="1" destOrd="0" presId="urn:microsoft.com/office/officeart/2005/8/layout/orgChart1"/>
+    <dgm:cxn modelId="{AEBEF686-E5E9-4061-AD62-3AD0E2909E5B}" type="presOf" srcId="{A6EBF3B1-5FEF-4D55-AD24-723DC818DC94}" destId="{99CDBD7E-8A40-4983-8581-B2471E06C265}" srcOrd="0" destOrd="0" presId="urn:microsoft.com/office/officeart/2005/8/layout/orgChart1"/>
+    <dgm:cxn modelId="{1712E13C-3097-4078-9497-5EC35E71E401}" type="presOf" srcId="{B9F9EE96-CA86-4F24-8843-06229C08B163}" destId="{F1668CB1-CE3C-418F-83C0-03F55AF33091}" srcOrd="0" destOrd="0" presId="urn:microsoft.com/office/officeart/2005/8/layout/orgChart1"/>
+    <dgm:cxn modelId="{31B930B8-F808-4846-9EBA-18341CBAE04E}" type="presOf" srcId="{A6EBF3B1-5FEF-4D55-AD24-723DC818DC94}" destId="{761D0689-AD9D-4E5E-B7CF-4948BE9E5026}" srcOrd="1" destOrd="0" presId="urn:microsoft.com/office/officeart/2005/8/layout/orgChart1"/>
+    <dgm:cxn modelId="{B4B7FEB9-F210-4EA5-ACCB-4721A304F136}" type="presOf" srcId="{BFDA26B4-5710-43F5-BAFA-4708735D0C16}" destId="{19B34324-BD08-411B-B59F-6FCDEFFE7964}" srcOrd="0" destOrd="0" presId="urn:microsoft.com/office/officeart/2005/8/layout/orgChart1"/>
+    <dgm:cxn modelId="{42F710B3-6A40-4C2F-8C9D-14550AC1E6C9}" srcId="{734FDF17-C543-4CF5-AF6F-CCC9E665A0C9}" destId="{EBD4CD79-8225-4792-82A3-253A539375A6}" srcOrd="0" destOrd="0" parTransId="{BFDA26B4-5710-43F5-BAFA-4708735D0C16}" sibTransId="{E30F7369-588E-405E-8E91-19C576E32B25}"/>
+    <dgm:cxn modelId="{2DA626D8-7D9B-4A5E-8851-E5D4DC3A168F}" type="presOf" srcId="{76C50CB5-FD07-4381-AC14-BBEBBC54CA89}" destId="{A028FF3D-5E9A-4F7D-BBB7-53E1A02A079F}" srcOrd="0" destOrd="0" presId="urn:microsoft.com/office/officeart/2005/8/layout/orgChart1"/>
+    <dgm:cxn modelId="{72A294E0-8D90-4AF2-AD17-5832CBBEBEB8}" srcId="{EE83DED0-A804-4028-A1CE-E0B40ECA49CA}" destId="{F01E610B-8817-49D9-A9E1-8923948CE640}" srcOrd="1" destOrd="0" parTransId="{4D075455-CD9D-4B17-87AF-58F17264ED34}" sibTransId="{2815E082-3A01-4CA1-971B-36F562987C9F}"/>
+    <dgm:cxn modelId="{714C10B8-480F-4DE5-8C73-777A2798AF9B}" type="presOf" srcId="{734FDF17-C543-4CF5-AF6F-CCC9E665A0C9}" destId="{2E8154F3-541C-4622-AB55-9476F627E986}" srcOrd="1" destOrd="0" presId="urn:microsoft.com/office/officeart/2005/8/layout/orgChart1"/>
+    <dgm:cxn modelId="{B1E02B4B-9B63-4A0C-B10A-75EE1F3D72B1}" type="presOf" srcId="{823DEEB8-DAB1-4EC7-B092-5F8BBFDE5584}" destId="{78D3C7D4-8E65-4303-8713-FC4450F8DC15}" srcOrd="0" destOrd="0" presId="urn:microsoft.com/office/officeart/2005/8/layout/orgChart1"/>
+    <dgm:cxn modelId="{EA911C29-CA15-4306-A253-235434223A5C}" type="presOf" srcId="{15E12B16-8D11-463B-92B8-5822BDF4C748}" destId="{DD7A384B-9184-47FD-A760-3BEBECCA498C}" srcOrd="0" destOrd="0" presId="urn:microsoft.com/office/officeart/2005/8/layout/orgChart1"/>
+    <dgm:cxn modelId="{D937C1BA-E31C-4EAF-B5AB-5FDC65C6E252}" type="presOf" srcId="{4D415793-AE8B-457D-B662-6837FBCA6EC5}" destId="{156C0071-0F70-4B59-BB24-157F4AAFF7EB}" srcOrd="1" destOrd="0" presId="urn:microsoft.com/office/officeart/2005/8/layout/orgChart1"/>
+    <dgm:cxn modelId="{5713382F-0381-4C16-8D94-8ED3C1A29031}" type="presOf" srcId="{A96BCA3D-D7C2-4537-AB77-55058808C1A9}" destId="{126F570B-0098-4598-B6C8-DADB8E352B45}" srcOrd="1" destOrd="0" presId="urn:microsoft.com/office/officeart/2005/8/layout/orgChart1"/>
+    <dgm:cxn modelId="{25677AC9-9735-499E-8DC4-B25C4BF6B486}" type="presOf" srcId="{11AD334C-B720-44A7-8E83-D224BF3B1504}" destId="{53783F43-E906-4474-AC58-8AA8009B20F6}" srcOrd="0" destOrd="0" presId="urn:microsoft.com/office/officeart/2005/8/layout/orgChart1"/>
+    <dgm:cxn modelId="{DF310B73-F640-4689-AC95-888E27C5B57E}" type="presOf" srcId="{A6413E82-5C10-4DEF-97C9-62507E7B0529}" destId="{4D11EC99-D139-4156-BEFE-EFE8648A2850}" srcOrd="1" destOrd="0" presId="urn:microsoft.com/office/officeart/2005/8/layout/orgChart1"/>
+    <dgm:cxn modelId="{4A4578C7-5896-4106-BD28-9F59FB8FAA7B}" type="presOf" srcId="{1393496C-F495-4051-8A95-A71E8FCAC781}" destId="{C3640126-70E2-43AD-B0C8-14F4A145E69D}" srcOrd="0" destOrd="0" presId="urn:microsoft.com/office/officeart/2005/8/layout/orgChart1"/>
+    <dgm:cxn modelId="{E13343F3-418A-40B1-B2FB-37ED36A2552D}" type="presOf" srcId="{37498F51-034A-4B95-A943-8B0356B77951}" destId="{813BFB9B-D964-4C6C-95B6-FA36C9FC47D0}" srcOrd="0" destOrd="0" presId="urn:microsoft.com/office/officeart/2005/8/layout/orgChart1"/>
+    <dgm:cxn modelId="{2F9A87D9-D1AA-4D1F-9D48-2D90D2D42B72}" type="presOf" srcId="{78DBDE58-79EA-4552-815F-6AD32342798D}" destId="{F261332D-5055-43F2-B4F4-2A1CC9BE12AE}" srcOrd="0" destOrd="0" presId="urn:microsoft.com/office/officeart/2005/8/layout/orgChart1"/>
+    <dgm:cxn modelId="{7AABE861-235B-4414-8D92-47B3B58DDFFF}" srcId="{8024BF88-7976-4903-A5DC-0342CCC7DECB}" destId="{734FDF17-C543-4CF5-AF6F-CCC9E665A0C9}" srcOrd="5" destOrd="0" parTransId="{66B568B7-D00F-4F97-8E28-19A4BB6AC2A1}" sibTransId="{02FA22F9-944D-4794-B656-7682BD37125D}"/>
+    <dgm:cxn modelId="{485019E8-05DC-4728-8590-C6E07F592766}" type="presOf" srcId="{734FDF17-C543-4CF5-AF6F-CCC9E665A0C9}" destId="{867494B7-F801-4143-9203-DA20A78D047E}" srcOrd="0" destOrd="0" presId="urn:microsoft.com/office/officeart/2005/8/layout/orgChart1"/>
+    <dgm:cxn modelId="{6652865F-D8CA-4C2E-8D60-3EE45B201A7E}" type="presOf" srcId="{8024BF88-7976-4903-A5DC-0342CCC7DECB}" destId="{1EF2A7DE-B1DC-41BC-9A7F-B75495E75447}" srcOrd="1" destOrd="0" presId="urn:microsoft.com/office/officeart/2005/8/layout/orgChart1"/>
+    <dgm:cxn modelId="{2A4AC1BF-5C19-4083-8A71-4019E7AF2E6D}" type="presOf" srcId="{CB26703D-F1D5-4228-A24C-96993E87C319}" destId="{024E51B9-61DB-4665-8140-C6601A24D938}" srcOrd="0" destOrd="0" presId="urn:microsoft.com/office/officeart/2005/8/layout/orgChart1"/>
+    <dgm:cxn modelId="{77D0D2F7-5796-401A-B329-49360A2F6E9F}" type="presOf" srcId="{44E92EDF-7F87-40DA-8F2B-3104D039CCB9}" destId="{C4DC16DD-7454-4F73-998B-9F933495FF06}" srcOrd="0" destOrd="0" presId="urn:microsoft.com/office/officeart/2005/8/layout/orgChart1"/>
+    <dgm:cxn modelId="{50D7AC4F-25F1-4A1F-83E2-4BFA85229A85}" type="presOf" srcId="{5161626F-7BC6-4A0F-B593-252625A240EA}" destId="{434DD80A-EC24-4219-BE84-6398D5494104}" srcOrd="0" destOrd="0" presId="urn:microsoft.com/office/officeart/2005/8/layout/orgChart1"/>
+    <dgm:cxn modelId="{ED02FC7A-E7F1-46D9-9119-2BD2A70C1683}" srcId="{6580EE94-AD2F-4B81-AB15-61A22A5B074F}" destId="{CB26703D-F1D5-4228-A24C-96993E87C319}" srcOrd="1" destOrd="0" parTransId="{11AD334C-B720-44A7-8E83-D224BF3B1504}" sibTransId="{2FCE4A46-B4CD-47F9-9C8B-E6E43C37ADAD}"/>
+    <dgm:cxn modelId="{3079FA6A-EE77-4521-90B3-8848C3664705}" srcId="{EE83DED0-A804-4028-A1CE-E0B40ECA49CA}" destId="{2568090D-E94E-452D-82B4-C1654C9E2C48}" srcOrd="3" destOrd="0" parTransId="{37498F51-034A-4B95-A943-8B0356B77951}" sibTransId="{2408A574-58BB-4F95-AD71-92426DF6F0C5}"/>
+    <dgm:cxn modelId="{BDE84EC8-34D9-4281-AAB8-446DD087766C}" type="presOf" srcId="{A96BCA3D-D7C2-4537-AB77-55058808C1A9}" destId="{1B142EC8-3788-405F-B9BC-C6BACCEC906D}" srcOrd="0" destOrd="0" presId="urn:microsoft.com/office/officeart/2005/8/layout/orgChart1"/>
+    <dgm:cxn modelId="{FF6F3AF6-F460-4B59-B7A7-A2B52F96E08F}" srcId="{8024BF88-7976-4903-A5DC-0342CCC7DECB}" destId="{6580EE94-AD2F-4B81-AB15-61A22A5B074F}" srcOrd="4" destOrd="0" parTransId="{8727E3B7-CA63-4DBC-AC92-99B93DDC0CD3}" sibTransId="{9ED62CE5-08B9-421A-AD0D-F01EE93BC300}"/>
+    <dgm:cxn modelId="{A55B957A-DAA6-401A-952A-54B89B4FD415}" type="presOf" srcId="{2CB50806-C040-49E5-A570-BBC04E8F7295}" destId="{BE5E4EDF-0EA8-445D-BE2C-4C22E40AA606}" srcOrd="0" destOrd="0" presId="urn:microsoft.com/office/officeart/2005/8/layout/orgChart1"/>
+    <dgm:cxn modelId="{66A68F01-7100-42C0-8975-78658346A678}" type="presOf" srcId="{8024BF88-7976-4903-A5DC-0342CCC7DECB}" destId="{B94ED2C7-5C22-410F-A096-6BB923FB329C}" srcOrd="0" destOrd="0" presId="urn:microsoft.com/office/officeart/2005/8/layout/orgChart1"/>
+    <dgm:cxn modelId="{23CF2603-AF86-47EB-9A86-E3753D363FFB}" type="presOf" srcId="{2568090D-E94E-452D-82B4-C1654C9E2C48}" destId="{B3A6615A-A732-42FD-A03C-2BC94E7C6510}" srcOrd="0" destOrd="0" presId="urn:microsoft.com/office/officeart/2005/8/layout/orgChart1"/>
+    <dgm:cxn modelId="{D3F6DFEA-517F-4F6D-8618-41445075AB3E}" type="presOf" srcId="{66B568B7-D00F-4F97-8E28-19A4BB6AC2A1}" destId="{9900D6F0-7763-4FE9-A547-F63EB7123F15}" srcOrd="0" destOrd="0" presId="urn:microsoft.com/office/officeart/2005/8/layout/orgChart1"/>
+    <dgm:cxn modelId="{B75619D7-9FBC-4E51-80C3-AF3340BB580F}" type="presOf" srcId="{2568090D-E94E-452D-82B4-C1654C9E2C48}" destId="{0B07AC63-ACE8-4FBA-9E20-B2F2BB6F57E0}" srcOrd="1" destOrd="0" presId="urn:microsoft.com/office/officeart/2005/8/layout/orgChart1"/>
+    <dgm:cxn modelId="{E7687103-FFEA-4D0B-A147-1FCB2CE56046}" type="presOf" srcId="{4D415793-AE8B-457D-B662-6837FBCA6EC5}" destId="{A650D250-CE3A-4B89-84B1-01FF8A8E18E3}" srcOrd="0" destOrd="0" presId="urn:microsoft.com/office/officeart/2005/8/layout/orgChart1"/>
+    <dgm:cxn modelId="{A03B3C00-0E42-4843-AB08-8110099650B5}" type="presOf" srcId="{6733462E-A98A-4EB6-84EE-DDC6DCF5380A}" destId="{48A4826C-2E88-4007-9E32-525A4ECB1A1A}" srcOrd="1" destOrd="0" presId="urn:microsoft.com/office/officeart/2005/8/layout/orgChart1"/>
+    <dgm:cxn modelId="{C4627B6B-3945-4A2D-A00B-E0AF79933263}" srcId="{B09AA789-57A6-41A4-91D9-47AC4D6FB060}" destId="{AE7CBEBD-037D-494F-9847-16042D7F1D69}" srcOrd="0" destOrd="0" parTransId="{EB3B3D7C-C267-4266-9EC0-FDE490E01636}" sibTransId="{EBEC0C79-658C-468A-AA5D-2EC7E4855489}"/>
+    <dgm:cxn modelId="{4E71BFEA-B9CA-428A-80CB-4990B554BBB1}" type="presOf" srcId="{6237E611-32F5-4EA5-A1A1-7118C8C90C05}" destId="{6F505C00-AA3E-439A-88A4-32EF2D9DE85A}" srcOrd="0" destOrd="0" presId="urn:microsoft.com/office/officeart/2005/8/layout/orgChart1"/>
+    <dgm:cxn modelId="{2B1E80EB-9D85-4281-8310-2DE6A7FD5E21}" type="presOf" srcId="{850AA42E-DD7D-4202-A669-F46EC4B815AD}" destId="{88A1743F-966E-4561-8D68-FC11EF95B45A}" srcOrd="0" destOrd="0" presId="urn:microsoft.com/office/officeart/2005/8/layout/orgChart1"/>
+    <dgm:cxn modelId="{51956887-58DC-4407-B2D9-6135610E4BB5}" type="presOf" srcId="{B09AA789-57A6-41A4-91D9-47AC4D6FB060}" destId="{E2121889-EF6E-4CA4-908C-7572AFBC629A}" srcOrd="0" destOrd="0" presId="urn:microsoft.com/office/officeart/2005/8/layout/orgChart1"/>
+    <dgm:cxn modelId="{B260E1E6-012D-4B32-8DAA-F0D141FCABD1}" srcId="{6580EE94-AD2F-4B81-AB15-61A22A5B074F}" destId="{6733462E-A98A-4EB6-84EE-DDC6DCF5380A}" srcOrd="0" destOrd="0" parTransId="{2E9B1CC3-FC1B-4467-B847-CA2CDD42C940}" sibTransId="{B75D073E-5113-45B4-9DD7-0DAF7EF0AF8F}"/>
+    <dgm:cxn modelId="{6619DDAE-D90F-4E08-9DA4-D28F63B2CC84}" type="presOf" srcId="{776A5794-A7C6-4766-979A-11D01A59E5F0}" destId="{A9802631-280C-438F-AAF4-A750B891E630}" srcOrd="0" destOrd="0" presId="urn:microsoft.com/office/officeart/2005/8/layout/orgChart1"/>
+    <dgm:cxn modelId="{4A301153-3C1C-40E6-BEC9-63D262B1B52C}" type="presOf" srcId="{93A5526C-AEDA-4D48-813C-70B0CCF36F98}" destId="{BF85D353-D8B9-4DDB-B198-99FA1DB7E2E1}" srcOrd="0" destOrd="0" presId="urn:microsoft.com/office/officeart/2005/8/layout/orgChart1"/>
+    <dgm:cxn modelId="{20FCD0C2-5310-4F2E-A377-C17B6CC06BDD}" srcId="{734FDF17-C543-4CF5-AF6F-CCC9E665A0C9}" destId="{A6413E82-5C10-4DEF-97C9-62507E7B0529}" srcOrd="3" destOrd="0" parTransId="{5161626F-7BC6-4A0F-B593-252625A240EA}" sibTransId="{FC4E198B-712A-4D0A-A87E-FA5F5F239443}"/>
+    <dgm:cxn modelId="{1F884E42-0FC1-47DB-9395-42766A3E5135}" srcId="{8024BF88-7976-4903-A5DC-0342CCC7DECB}" destId="{A96BCA3D-D7C2-4537-AB77-55058808C1A9}" srcOrd="3" destOrd="0" parTransId="{9A1703C9-6B0C-4FE0-80BF-41F813E9F152}" sibTransId="{A1D38508-7207-423C-B9FC-8395CB4C27B2}"/>
+    <dgm:cxn modelId="{A497DA7E-09E6-4A94-895E-76E784AFAAEE}" type="presOf" srcId="{9A1703C9-6B0C-4FE0-80BF-41F813E9F152}" destId="{B49E9D26-E9F0-4FCF-90B2-1875BBB67B8F}" srcOrd="0" destOrd="0" presId="urn:microsoft.com/office/officeart/2005/8/layout/orgChart1"/>
+    <dgm:cxn modelId="{5D7C6534-EFBC-4164-9B4C-94490C4145BC}" type="presOf" srcId="{8F22EA0A-02BD-433F-A127-D5AE85F408D5}" destId="{1C9D1E51-0704-4095-82BC-7B9980C482E8}" srcOrd="1" destOrd="0" presId="urn:microsoft.com/office/officeart/2005/8/layout/orgChart1"/>
+    <dgm:cxn modelId="{3F240A9C-6B7C-4FAA-9315-051D462DBF30}" type="presOf" srcId="{4D1693CB-92A3-4832-B0BF-F1027A24413D}" destId="{FD72CC63-894C-4176-BFFA-6AEE829E4726}" srcOrd="1" destOrd="0" presId="urn:microsoft.com/office/officeart/2005/8/layout/orgChart1"/>
+    <dgm:cxn modelId="{78CCE662-6630-42D1-AF45-CB0DF3E72A1D}" type="presOf" srcId="{6580EE94-AD2F-4B81-AB15-61A22A5B074F}" destId="{64FB3C05-0898-42D4-B108-3FC54B94D9D0}" srcOrd="1" destOrd="0" presId="urn:microsoft.com/office/officeart/2005/8/layout/orgChart1"/>
+    <dgm:cxn modelId="{E3B86D6F-9854-41A3-94CC-B7D8BFAA90C4}" type="presOf" srcId="{41578097-3E86-4D68-8560-FD9CA8622A63}" destId="{CFE1E861-B00F-49EB-B4E1-9C6FABA58465}" srcOrd="1" destOrd="0" presId="urn:microsoft.com/office/officeart/2005/8/layout/orgChart1"/>
+    <dgm:cxn modelId="{3E415AFE-5C1A-4D3B-9AB7-6C12958AC465}" srcId="{A6EBF3B1-5FEF-4D55-AD24-723DC818DC94}" destId="{8F22EA0A-02BD-433F-A127-D5AE85F408D5}" srcOrd="0" destOrd="0" parTransId="{144010B2-9EA9-493A-AEA3-ED40D2262054}" sibTransId="{0102ECF4-02DF-485F-BEDE-60940098C0D3}"/>
+    <dgm:cxn modelId="{E8B18423-CF00-476E-B9C0-D3E2B098D721}" type="presOf" srcId="{2E9B1CC3-FC1B-4467-B847-CA2CDD42C940}" destId="{3D401C68-148E-419C-9D8B-F49F219EEA5B}" srcOrd="0" destOrd="0" presId="urn:microsoft.com/office/officeart/2005/8/layout/orgChart1"/>
+    <dgm:cxn modelId="{AE5D6D7C-0AD9-4C90-B533-9AA295290B40}" type="presOf" srcId="{144010B2-9EA9-493A-AEA3-ED40D2262054}" destId="{B9DC87FE-FBEB-4EE3-87D7-AF1A9DFBE829}" srcOrd="0" destOrd="0" presId="urn:microsoft.com/office/officeart/2005/8/layout/orgChart1"/>
+    <dgm:cxn modelId="{80A64BD3-6F86-4E5C-BD7F-89E22EA87BCD}" type="presOf" srcId="{93A5526C-AEDA-4D48-813C-70B0CCF36F98}" destId="{68AD4C60-2440-47D2-9F0B-3C06125AECF5}" srcOrd="1" destOrd="0" presId="urn:microsoft.com/office/officeart/2005/8/layout/orgChart1"/>
+    <dgm:cxn modelId="{53A4614A-4DD1-45C1-A408-2FB3EF1EA9F6}" type="presOf" srcId="{504AF20F-1361-40D6-8DAE-FC215ABF0FD3}" destId="{E059E483-6435-4565-B688-005939DE54AE}" srcOrd="0" destOrd="0" presId="urn:microsoft.com/office/officeart/2005/8/layout/orgChart1"/>
+    <dgm:cxn modelId="{E9540A5A-D71C-4FB6-A2CF-DE3DD1718858}" type="presOf" srcId="{6580EE94-AD2F-4B81-AB15-61A22A5B074F}" destId="{ADACAF30-8704-4367-867D-C8C919FC3E8F}" srcOrd="0" destOrd="0" presId="urn:microsoft.com/office/officeart/2005/8/layout/orgChart1"/>
     <dgm:cxn modelId="{375738A2-EEB2-4F7F-BF8F-5230FCC6E734}" type="presOf" srcId="{AE7CBEBD-037D-494F-9847-16042D7F1D69}" destId="{129F113F-8972-4A99-86DB-EBDD1A507309}" srcOrd="0" destOrd="0" presId="urn:microsoft.com/office/officeart/2005/8/layout/orgChart1"/>
     <dgm:cxn modelId="{30BE4486-0765-4FC4-944F-7FFE565E627B}" type="presOf" srcId="{40A64014-1284-4EEE-AF7A-959BE25DB7B9}" destId="{40A6BE2D-7403-40C7-B709-E29312A2ECB3}" srcOrd="0" destOrd="0" presId="urn:microsoft.com/office/officeart/2005/8/layout/orgChart1"/>
+    <dgm:cxn modelId="{DEEB133B-697A-4F12-9577-E5F7B4E6A65F}" type="presOf" srcId="{4D075455-CD9D-4B17-87AF-58F17264ED34}" destId="{AE8790C8-B116-4C07-B78F-15668B40C321}" srcOrd="0" destOrd="0" presId="urn:microsoft.com/office/officeart/2005/8/layout/orgChart1"/>
+    <dgm:cxn modelId="{02B4FB69-88AF-4B3E-9465-197E9BB5BDAA}" type="presOf" srcId="{F01E610B-8817-49D9-A9E1-8923948CE640}" destId="{5C724676-FD6B-408D-A6FA-362B84F1A498}" srcOrd="0" destOrd="0" presId="urn:microsoft.com/office/officeart/2005/8/layout/orgChart1"/>
+    <dgm:cxn modelId="{35826417-E8B0-430C-B431-1FCBA83F1E2A}" type="presOf" srcId="{EBD4CD79-8225-4792-82A3-253A539375A6}" destId="{AE8A4DD2-BFE6-48B9-A553-E83BFBA5477B}" srcOrd="1" destOrd="0" presId="urn:microsoft.com/office/officeart/2005/8/layout/orgChart1"/>
+    <dgm:cxn modelId="{9D044CCD-571E-4DCD-91F4-6C601BE38CBC}" type="presOf" srcId="{504AF20F-1361-40D6-8DAE-FC215ABF0FD3}" destId="{60C997D7-15D2-4B66-9BFE-236C33DA3DFA}" srcOrd="1" destOrd="0" presId="urn:microsoft.com/office/officeart/2005/8/layout/orgChart1"/>
+    <dgm:cxn modelId="{3D404236-19B9-43FD-B72D-F34DA90E9381}" type="presOf" srcId="{EE83DED0-A804-4028-A1CE-E0B40ECA49CA}" destId="{42CE7848-A09D-4868-97D1-9510E1071570}" srcOrd="1" destOrd="0" presId="urn:microsoft.com/office/officeart/2005/8/layout/orgChart1"/>
+    <dgm:cxn modelId="{B199B37D-488A-4366-BFDF-D8C030FFB747}" srcId="{8024BF88-7976-4903-A5DC-0342CCC7DECB}" destId="{2E911E43-E8AF-4C0F-8447-43FF439EF7E6}" srcOrd="0" destOrd="0" parTransId="{44E92EDF-7F87-40DA-8F2B-3104D039CCB9}" sibTransId="{657A18D3-8DCE-485F-AD7B-559FF9488283}"/>
+    <dgm:cxn modelId="{065CA288-717D-4571-9208-D220353820F7}" srcId="{AE7CBEBD-037D-494F-9847-16042D7F1D69}" destId="{8024BF88-7976-4903-A5DC-0342CCC7DECB}" srcOrd="0" destOrd="0" parTransId="{B9F9EE96-CA86-4F24-8843-06229C08B163}" sibTransId="{DE0398B2-36AF-49B9-A5B2-D0C4AA85706E}"/>
     <dgm:cxn modelId="{482E0790-43B4-494C-9C9B-FF2ABEB45893}" type="presOf" srcId="{8727E3B7-CA63-4DBC-AC92-99B93DDC0CD3}" destId="{3D6F9C8E-E905-4217-8570-75EFEB9EF529}" srcOrd="0" destOrd="0" presId="urn:microsoft.com/office/officeart/2005/8/layout/orgChart1"/>
-    <dgm:cxn modelId="{53A4614A-4DD1-45C1-A408-2FB3EF1EA9F6}" type="presOf" srcId="{504AF20F-1361-40D6-8DAE-FC215ABF0FD3}" destId="{E059E483-6435-4565-B688-005939DE54AE}" srcOrd="0" destOrd="0" presId="urn:microsoft.com/office/officeart/2005/8/layout/orgChart1"/>
-    <dgm:cxn modelId="{02B4FB69-88AF-4B3E-9465-197E9BB5BDAA}" type="presOf" srcId="{F01E610B-8817-49D9-A9E1-8923948CE640}" destId="{5C724676-FD6B-408D-A6FA-362B84F1A498}" srcOrd="0" destOrd="0" presId="urn:microsoft.com/office/officeart/2005/8/layout/orgChart1"/>
-    <dgm:cxn modelId="{A03B3C00-0E42-4843-AB08-8110099650B5}" type="presOf" srcId="{6733462E-A98A-4EB6-84EE-DDC6DCF5380A}" destId="{48A4826C-2E88-4007-9E32-525A4ECB1A1A}" srcOrd="1" destOrd="0" presId="urn:microsoft.com/office/officeart/2005/8/layout/orgChart1"/>
-    <dgm:cxn modelId="{A177FC83-EAA4-482A-B19F-3361DA646329}" type="presOf" srcId="{2E911E43-E8AF-4C0F-8447-43FF439EF7E6}" destId="{6EE82750-6E2E-445B-9E64-F5601D1469BA}" srcOrd="0" destOrd="0" presId="urn:microsoft.com/office/officeart/2005/8/layout/orgChart1"/>
-    <dgm:cxn modelId="{42F710B3-6A40-4C2F-8C9D-14550AC1E6C9}" srcId="{734FDF17-C543-4CF5-AF6F-CCC9E665A0C9}" destId="{EBD4CD79-8225-4792-82A3-253A539375A6}" srcOrd="0" destOrd="0" parTransId="{BFDA26B4-5710-43F5-BAFA-4708735D0C16}" sibTransId="{E30F7369-588E-405E-8E91-19C576E32B25}"/>
-    <dgm:cxn modelId="{065CA288-717D-4571-9208-D220353820F7}" srcId="{AE7CBEBD-037D-494F-9847-16042D7F1D69}" destId="{8024BF88-7976-4903-A5DC-0342CCC7DECB}" srcOrd="0" destOrd="0" parTransId="{B9F9EE96-CA86-4F24-8843-06229C08B163}" sibTransId="{DE0398B2-36AF-49B9-A5B2-D0C4AA85706E}"/>
+    <dgm:cxn modelId="{210EF8BB-EB8A-4AD7-A7C5-FAFE1B312C3D}" srcId="{8024BF88-7976-4903-A5DC-0342CCC7DECB}" destId="{EE83DED0-A804-4028-A1CE-E0B40ECA49CA}" srcOrd="2" destOrd="0" parTransId="{3D67422D-7F1E-479F-8ADA-437888D6617F}" sibTransId="{DF37017D-4F8E-45F0-84DB-719DC0CD495D}"/>
+    <dgm:cxn modelId="{2E7B516A-8DD9-4565-B422-C0BEF8730BE5}" type="presOf" srcId="{C48CCF1C-5953-4623-A843-6012848946D6}" destId="{741A17AF-83C9-4327-8F86-364DF107986B}" srcOrd="0" destOrd="0" presId="urn:microsoft.com/office/officeart/2005/8/layout/orgChart1"/>
+    <dgm:cxn modelId="{89B1A1D1-AA57-4150-8572-D7EE4C4DD970}" type="presOf" srcId="{64C04965-321B-4962-9DCD-36F6AFD0C6B4}" destId="{F89DEEF9-0D57-492B-B51D-DA04FA52D955}" srcOrd="0" destOrd="0" presId="urn:microsoft.com/office/officeart/2005/8/layout/orgChart1"/>
+    <dgm:cxn modelId="{0A00EE15-AECC-4572-95F1-C3247B6CC388}" type="presOf" srcId="{EE83DED0-A804-4028-A1CE-E0B40ECA49CA}" destId="{2B57D842-C132-4E06-BAEE-7A81848A92FD}" srcOrd="0" destOrd="0" presId="urn:microsoft.com/office/officeart/2005/8/layout/orgChart1"/>
+    <dgm:cxn modelId="{F661FBA9-ACC7-455E-8CA4-818251A3781F}" srcId="{EE83DED0-A804-4028-A1CE-E0B40ECA49CA}" destId="{1393496C-F495-4051-8A95-A71E8FCAC781}" srcOrd="2" destOrd="0" parTransId="{4BEB6D0B-B96F-4DB4-939C-4237821B4358}" sibTransId="{5FD7B819-4F4B-4AA7-9684-22FA54127B09}"/>
+    <dgm:cxn modelId="{64AFC96C-D7C4-4C2E-92D8-DB5C9E410D54}" srcId="{EE83DED0-A804-4028-A1CE-E0B40ECA49CA}" destId="{4D1693CB-92A3-4832-B0BF-F1027A24413D}" srcOrd="0" destOrd="0" parTransId="{2CB50806-C040-49E5-A570-BBC04E8F7295}" sibTransId="{E30CAA47-2B41-4862-9183-BBFE63A3B116}"/>
+    <dgm:cxn modelId="{72FC511E-BEB9-4EF4-ACDC-11FE73D45008}" type="presOf" srcId="{CB26703D-F1D5-4228-A24C-96993E87C319}" destId="{F2ADB9A6-C45A-47E3-B02F-B5381C7176A3}" srcOrd="1" destOrd="0" presId="urn:microsoft.com/office/officeart/2005/8/layout/orgChart1"/>
+    <dgm:cxn modelId="{D573D1A4-C44A-4975-B993-89C9C3B9E7D0}" type="presOf" srcId="{91C476B7-9FCB-4BBA-B7CC-98C951BABF08}" destId="{FD0EB6F2-D0BB-464A-9AC7-9BF10AC11114}" srcOrd="1" destOrd="0" presId="urn:microsoft.com/office/officeart/2005/8/layout/orgChart1"/>
+    <dgm:cxn modelId="{0B1EC608-1C5E-46AE-B40F-1D71A4F92EFA}" type="presOf" srcId="{1393496C-F495-4051-8A95-A71E8FCAC781}" destId="{C318070A-2C5F-41D4-A587-DE10A89FAD57}" srcOrd="1" destOrd="0" presId="urn:microsoft.com/office/officeart/2005/8/layout/orgChart1"/>
+    <dgm:cxn modelId="{91273FFB-010F-4070-8ED3-F02DD460BC3E}" type="presOf" srcId="{49427332-34CA-4B15-A0C2-223A59554952}" destId="{A2619CE9-DB44-4DDF-B9EA-160FA71259D4}" srcOrd="0" destOrd="0" presId="urn:microsoft.com/office/officeart/2005/8/layout/orgChart1"/>
+    <dgm:cxn modelId="{FF675BA0-22FE-41C0-87A5-AA7FF8A4F5DC}" srcId="{A96BCA3D-D7C2-4537-AB77-55058808C1A9}" destId="{93A5526C-AEDA-4D48-813C-70B0CCF36F98}" srcOrd="1" destOrd="0" parTransId="{776A5794-A7C6-4766-979A-11D01A59E5F0}" sibTransId="{460BF2A9-6FBC-43B1-A5E4-3B42E28FEAC1}"/>
     <dgm:cxn modelId="{3D8EA831-3C9E-4AAF-907A-ACD213C3EFA2}" srcId="{CB26703D-F1D5-4228-A24C-96993E87C319}" destId="{41578097-3E86-4D68-8560-FD9CA8622A63}" srcOrd="0" destOrd="0" parTransId="{850AA42E-DD7D-4202-A669-F46EC4B815AD}" sibTransId="{6D3508C5-626F-49BD-BCEE-2C70A77EBA49}"/>
-    <dgm:cxn modelId="{485019E8-05DC-4728-8590-C6E07F592766}" type="presOf" srcId="{734FDF17-C543-4CF5-AF6F-CCC9E665A0C9}" destId="{867494B7-F801-4143-9203-DA20A78D047E}" srcOrd="0" destOrd="0" presId="urn:microsoft.com/office/officeart/2005/8/layout/orgChart1"/>
+    <dgm:cxn modelId="{58D4C217-1156-4125-A18F-7221A7BA5F7B}" type="presOf" srcId="{4D1693CB-92A3-4832-B0BF-F1027A24413D}" destId="{EDDA187E-D807-4DC9-8F25-078016371689}" srcOrd="0" destOrd="0" presId="urn:microsoft.com/office/officeart/2005/8/layout/orgChart1"/>
     <dgm:cxn modelId="{3ADC19F5-5C7D-4AEA-87F5-DEF6BC372B5F}" type="presOf" srcId="{6733462E-A98A-4EB6-84EE-DDC6DCF5380A}" destId="{88C4B46C-DE35-4799-9B2E-789C79B4E4A9}" srcOrd="0" destOrd="0" presId="urn:microsoft.com/office/officeart/2005/8/layout/orgChart1"/>
-    <dgm:cxn modelId="{72A294E0-8D90-4AF2-AD17-5832CBBEBEB8}" srcId="{EE83DED0-A804-4028-A1CE-E0B40ECA49CA}" destId="{F01E610B-8817-49D9-A9E1-8923948CE640}" srcOrd="1" destOrd="0" parTransId="{4D075455-CD9D-4B17-87AF-58F17264ED34}" sibTransId="{2815E082-3A01-4CA1-971B-36F562987C9F}"/>
-    <dgm:cxn modelId="{2E7B516A-8DD9-4565-B422-C0BEF8730BE5}" type="presOf" srcId="{C48CCF1C-5953-4623-A843-6012848946D6}" destId="{741A17AF-83C9-4327-8F86-364DF107986B}" srcOrd="0" destOrd="0" presId="urn:microsoft.com/office/officeart/2005/8/layout/orgChart1"/>
-    <dgm:cxn modelId="{7AABE861-235B-4414-8D92-47B3B58DDFFF}" srcId="{8024BF88-7976-4903-A5DC-0342CCC7DECB}" destId="{734FDF17-C543-4CF5-AF6F-CCC9E665A0C9}" srcOrd="5" destOrd="0" parTransId="{66B568B7-D00F-4F97-8E28-19A4BB6AC2A1}" sibTransId="{02FA22F9-944D-4794-B656-7682BD37125D}"/>
-    <dgm:cxn modelId="{9D0FC0EB-F445-4785-8899-8B0C37E1382C}" type="presOf" srcId="{3D67422D-7F1E-479F-8ADA-437888D6617F}" destId="{475BA088-7396-4BA9-B792-69EE6759C03E}" srcOrd="0" destOrd="0" presId="urn:microsoft.com/office/officeart/2005/8/layout/orgChart1"/>
-    <dgm:cxn modelId="{3A0AC895-7822-4399-886E-190D85FAD30C}" type="presOf" srcId="{41578097-3E86-4D68-8560-FD9CA8622A63}" destId="{6EB67E4F-7540-4F92-9E9D-7CCA16A065FF}" srcOrd="0" destOrd="0" presId="urn:microsoft.com/office/officeart/2005/8/layout/orgChart1"/>
-    <dgm:cxn modelId="{C4627B6B-3945-4A2D-A00B-E0AF79933263}" srcId="{B09AA789-57A6-41A4-91D9-47AC4D6FB060}" destId="{AE7CBEBD-037D-494F-9847-16042D7F1D69}" srcOrd="0" destOrd="0" parTransId="{EB3B3D7C-C267-4266-9EC0-FDE490E01636}" sibTransId="{EBEC0C79-658C-468A-AA5D-2EC7E4855489}"/>
-    <dgm:cxn modelId="{D3F6DFEA-517F-4F6D-8618-41445075AB3E}" type="presOf" srcId="{66B568B7-D00F-4F97-8E28-19A4BB6AC2A1}" destId="{9900D6F0-7763-4FE9-A547-F63EB7123F15}" srcOrd="0" destOrd="0" presId="urn:microsoft.com/office/officeart/2005/8/layout/orgChart1"/>
-    <dgm:cxn modelId="{FF675BA0-22FE-41C0-87A5-AA7FF8A4F5DC}" srcId="{A96BCA3D-D7C2-4537-AB77-55058808C1A9}" destId="{93A5526C-AEDA-4D48-813C-70B0CCF36F98}" srcOrd="1" destOrd="0" parTransId="{776A5794-A7C6-4766-979A-11D01A59E5F0}" sibTransId="{460BF2A9-6FBC-43B1-A5E4-3B42E28FEAC1}"/>
-    <dgm:cxn modelId="{38DB111E-7985-45E1-8345-59CB526098BD}" type="presOf" srcId="{F01E610B-8817-49D9-A9E1-8923948CE640}" destId="{D8ABA919-18E1-41AC-B6C4-E506E69D672C}" srcOrd="1" destOrd="0" presId="urn:microsoft.com/office/officeart/2005/8/layout/orgChart1"/>
-    <dgm:cxn modelId="{2BDA9CAA-C433-4474-8D2B-72342EB91ABA}" srcId="{A6EBF3B1-5FEF-4D55-AD24-723DC818DC94}" destId="{C48CCF1C-5953-4623-A843-6012848946D6}" srcOrd="2" destOrd="0" parTransId="{6237E611-32F5-4EA5-A1A1-7118C8C90C05}" sibTransId="{350FFDBA-CA2A-4775-A6BA-077DA30A74B3}"/>
-    <dgm:cxn modelId="{66A68F01-7100-42C0-8975-78658346A678}" type="presOf" srcId="{8024BF88-7976-4903-A5DC-0342CCC7DECB}" destId="{B94ED2C7-5C22-410F-A096-6BB923FB329C}" srcOrd="0" destOrd="0" presId="urn:microsoft.com/office/officeart/2005/8/layout/orgChart1"/>
-    <dgm:cxn modelId="{3F59DDAA-603E-46A7-BC3B-17E1E5FED335}" type="presOf" srcId="{8F22EA0A-02BD-433F-A127-D5AE85F408D5}" destId="{E9B46B83-48DF-4EF2-B252-E3BF270EE3C0}" srcOrd="0" destOrd="0" presId="urn:microsoft.com/office/officeart/2005/8/layout/orgChart1"/>
-    <dgm:cxn modelId="{20FCD0C2-5310-4F2E-A377-C17B6CC06BDD}" srcId="{734FDF17-C543-4CF5-AF6F-CCC9E665A0C9}" destId="{A6413E82-5C10-4DEF-97C9-62507E7B0529}" srcOrd="3" destOrd="0" parTransId="{5161626F-7BC6-4A0F-B593-252625A240EA}" sibTransId="{FC4E198B-712A-4D0A-A87E-FA5F5F239443}"/>
-    <dgm:cxn modelId="{3079FA6A-EE77-4521-90B3-8848C3664705}" srcId="{EE83DED0-A804-4028-A1CE-E0B40ECA49CA}" destId="{2568090D-E94E-452D-82B4-C1654C9E2C48}" srcOrd="3" destOrd="0" parTransId="{37498F51-034A-4B95-A943-8B0356B77951}" sibTransId="{2408A574-58BB-4F95-AD71-92426DF6F0C5}"/>
-    <dgm:cxn modelId="{2B1E80EB-9D85-4281-8310-2DE6A7FD5E21}" type="presOf" srcId="{850AA42E-DD7D-4202-A669-F46EC4B815AD}" destId="{88A1743F-966E-4561-8D68-FC11EF95B45A}" srcOrd="0" destOrd="0" presId="urn:microsoft.com/office/officeart/2005/8/layout/orgChart1"/>
-    <dgm:cxn modelId="{A497DA7E-09E6-4A94-895E-76E784AFAAEE}" type="presOf" srcId="{9A1703C9-6B0C-4FE0-80BF-41F813E9F152}" destId="{B49E9D26-E9F0-4FCF-90B2-1875BBB67B8F}" srcOrd="0" destOrd="0" presId="urn:microsoft.com/office/officeart/2005/8/layout/orgChart1"/>
-    <dgm:cxn modelId="{BDE84EC8-34D9-4281-AAB8-446DD087766C}" type="presOf" srcId="{A96BCA3D-D7C2-4537-AB77-55058808C1A9}" destId="{1B142EC8-3788-405F-B9BC-C6BACCEC906D}" srcOrd="0" destOrd="0" presId="urn:microsoft.com/office/officeart/2005/8/layout/orgChart1"/>
-    <dgm:cxn modelId="{B742D38D-78D4-4EC2-AD00-C201B508D3E9}" type="presOf" srcId="{C48CCF1C-5953-4623-A843-6012848946D6}" destId="{6D04DF51-BA7D-4F3D-BEEB-D81776F069F0}" srcOrd="1" destOrd="0" presId="urn:microsoft.com/office/officeart/2005/8/layout/orgChart1"/>
-    <dgm:cxn modelId="{3EFFAC43-F8F2-4EB9-B8B4-EC223D85DCB3}" type="presOf" srcId="{87C4630D-F69A-47CF-9B5E-8DE03E829F25}" destId="{1066007D-6716-408F-ABCC-CC3F6E110693}" srcOrd="0" destOrd="0" presId="urn:microsoft.com/office/officeart/2005/8/layout/orgChart1"/>
-    <dgm:cxn modelId="{31B930B8-F808-4846-9EBA-18341CBAE04E}" type="presOf" srcId="{A6EBF3B1-5FEF-4D55-AD24-723DC818DC94}" destId="{761D0689-AD9D-4E5E-B7CF-4948BE9E5026}" srcOrd="1" destOrd="0" presId="urn:microsoft.com/office/officeart/2005/8/layout/orgChart1"/>
-    <dgm:cxn modelId="{B931F1CC-E1A4-4268-BD33-3B0BD016669F}" srcId="{734FDF17-C543-4CF5-AF6F-CCC9E665A0C9}" destId="{40A64014-1284-4EEE-AF7A-959BE25DB7B9}" srcOrd="1" destOrd="0" parTransId="{78DBDE58-79EA-4552-815F-6AD32342798D}" sibTransId="{83524DB7-FD8D-48CF-BAC2-CAF53F88E204}"/>
-    <dgm:cxn modelId="{9D044CCD-571E-4DCD-91F4-6C601BE38CBC}" type="presOf" srcId="{504AF20F-1361-40D6-8DAE-FC215ABF0FD3}" destId="{60C997D7-15D2-4B66-9BFE-236C33DA3DFA}" srcOrd="1" destOrd="0" presId="urn:microsoft.com/office/officeart/2005/8/layout/orgChart1"/>
-    <dgm:cxn modelId="{B3E17599-B9BE-4288-AF10-68A20522D192}" srcId="{A6EBF3B1-5FEF-4D55-AD24-723DC818DC94}" destId="{15E12B16-8D11-463B-92B8-5822BDF4C748}" srcOrd="1" destOrd="0" parTransId="{823DEEB8-DAB1-4EC7-B092-5F8BBFDE5584}" sibTransId="{DDD9BD9F-455D-47C3-99A0-C116BFA6EC34}"/>
-    <dgm:cxn modelId="{E9540A5A-D71C-4FB6-A2CF-DE3DD1718858}" type="presOf" srcId="{6580EE94-AD2F-4B81-AB15-61A22A5B074F}" destId="{ADACAF30-8704-4367-867D-C8C919FC3E8F}" srcOrd="0" destOrd="0" presId="urn:microsoft.com/office/officeart/2005/8/layout/orgChart1"/>
-    <dgm:cxn modelId="{2F9A87D9-D1AA-4D1F-9D48-2D90D2D42B72}" type="presOf" srcId="{78DBDE58-79EA-4552-815F-6AD32342798D}" destId="{F261332D-5055-43F2-B4F4-2A1CC9BE12AE}" srcOrd="0" destOrd="0" presId="urn:microsoft.com/office/officeart/2005/8/layout/orgChart1"/>
-    <dgm:cxn modelId="{4A301153-3C1C-40E6-BEC9-63D262B1B52C}" type="presOf" srcId="{93A5526C-AEDA-4D48-813C-70B0CCF36F98}" destId="{BF85D353-D8B9-4DDB-B198-99FA1DB7E2E1}" srcOrd="0" destOrd="0" presId="urn:microsoft.com/office/officeart/2005/8/layout/orgChart1"/>
     <dgm:cxn modelId="{7013C267-4503-4BA3-939B-C0D70C30C39B}" type="presOf" srcId="{91C476B7-9FCB-4BBA-B7CC-98C951BABF08}" destId="{C7C4BB7D-53D5-49F1-9208-09662961E2F7}" srcOrd="0" destOrd="0" presId="urn:microsoft.com/office/officeart/2005/8/layout/orgChart1"/>
-    <dgm:cxn modelId="{91273FFB-010F-4070-8ED3-F02DD460BC3E}" type="presOf" srcId="{49427332-34CA-4B15-A0C2-223A59554952}" destId="{A2619CE9-DB44-4DDF-B9EA-160FA71259D4}" srcOrd="0" destOrd="0" presId="urn:microsoft.com/office/officeart/2005/8/layout/orgChart1"/>
-    <dgm:cxn modelId="{E8B18423-CF00-476E-B9C0-D3E2B098D721}" type="presOf" srcId="{2E9B1CC3-FC1B-4467-B847-CA2CDD42C940}" destId="{3D401C68-148E-419C-9D8B-F49F219EEA5B}" srcOrd="0" destOrd="0" presId="urn:microsoft.com/office/officeart/2005/8/layout/orgChart1"/>
-    <dgm:cxn modelId="{4A4578C7-5896-4106-BD28-9F59FB8FAA7B}" type="presOf" srcId="{1393496C-F495-4051-8A95-A71E8FCAC781}" destId="{C3640126-70E2-43AD-B0C8-14F4A145E69D}" srcOrd="0" destOrd="0" presId="urn:microsoft.com/office/officeart/2005/8/layout/orgChart1"/>
-    <dgm:cxn modelId="{1F884E42-0FC1-47DB-9395-42766A3E5135}" srcId="{8024BF88-7976-4903-A5DC-0342CCC7DECB}" destId="{A96BCA3D-D7C2-4537-AB77-55058808C1A9}" srcOrd="3" destOrd="0" parTransId="{9A1703C9-6B0C-4FE0-80BF-41F813E9F152}" sibTransId="{A1D38508-7207-423C-B9FC-8395CB4C27B2}"/>
-    <dgm:cxn modelId="{25677AC9-9735-499E-8DC4-B25C4BF6B486}" type="presOf" srcId="{11AD334C-B720-44A7-8E83-D224BF3B1504}" destId="{53783F43-E906-4474-AC58-8AA8009B20F6}" srcOrd="0" destOrd="0" presId="urn:microsoft.com/office/officeart/2005/8/layout/orgChart1"/>
-    <dgm:cxn modelId="{64AFC96C-D7C4-4C2E-92D8-DB5C9E410D54}" srcId="{EE83DED0-A804-4028-A1CE-E0B40ECA49CA}" destId="{4D1693CB-92A3-4832-B0BF-F1027A24413D}" srcOrd="0" destOrd="0" parTransId="{2CB50806-C040-49E5-A570-BBC04E8F7295}" sibTransId="{E30CAA47-2B41-4862-9183-BBFE63A3B116}"/>
-    <dgm:cxn modelId="{F661FBA9-ACC7-455E-8CA4-818251A3781F}" srcId="{EE83DED0-A804-4028-A1CE-E0B40ECA49CA}" destId="{1393496C-F495-4051-8A95-A71E8FCAC781}" srcOrd="2" destOrd="0" parTransId="{4BEB6D0B-B96F-4DB4-939C-4237821B4358}" sibTransId="{5FD7B819-4F4B-4AA7-9684-22FA54127B09}"/>
-    <dgm:cxn modelId="{4E71BFEA-B9CA-428A-80CB-4990B554BBB1}" type="presOf" srcId="{6237E611-32F5-4EA5-A1A1-7118C8C90C05}" destId="{6F505C00-AA3E-439A-88A4-32EF2D9DE85A}" srcOrd="0" destOrd="0" presId="urn:microsoft.com/office/officeart/2005/8/layout/orgChart1"/>
-    <dgm:cxn modelId="{2AF4619E-E10D-4BDB-B2A1-205AC47FEDC3}" type="presOf" srcId="{4BEB6D0B-B96F-4DB4-939C-4237821B4358}" destId="{B2554413-104E-406A-9CC5-349745215342}" srcOrd="0" destOrd="0" presId="urn:microsoft.com/office/officeart/2005/8/layout/orgChart1"/>
-    <dgm:cxn modelId="{5713382F-0381-4C16-8D94-8ED3C1A29031}" type="presOf" srcId="{A96BCA3D-D7C2-4537-AB77-55058808C1A9}" destId="{126F570B-0098-4598-B6C8-DADB8E352B45}" srcOrd="1" destOrd="0" presId="urn:microsoft.com/office/officeart/2005/8/layout/orgChart1"/>
-    <dgm:cxn modelId="{6619DDAE-D90F-4E08-9DA4-D28F63B2CC84}" type="presOf" srcId="{776A5794-A7C6-4766-979A-11D01A59E5F0}" destId="{A9802631-280C-438F-AAF4-A750B891E630}" srcOrd="0" destOrd="0" presId="urn:microsoft.com/office/officeart/2005/8/layout/orgChart1"/>
-    <dgm:cxn modelId="{714C10B8-480F-4DE5-8C73-777A2798AF9B}" type="presOf" srcId="{734FDF17-C543-4CF5-AF6F-CCC9E665A0C9}" destId="{2E8154F3-541C-4622-AB55-9476F627E986}" srcOrd="1" destOrd="0" presId="urn:microsoft.com/office/officeart/2005/8/layout/orgChart1"/>
-    <dgm:cxn modelId="{B260E1E6-012D-4B32-8DAA-F0D141FCABD1}" srcId="{6580EE94-AD2F-4B81-AB15-61A22A5B074F}" destId="{6733462E-A98A-4EB6-84EE-DDC6DCF5380A}" srcOrd="0" destOrd="0" parTransId="{2E9B1CC3-FC1B-4467-B847-CA2CDD42C940}" sibTransId="{B75D073E-5113-45B4-9DD7-0DAF7EF0AF8F}"/>
-    <dgm:cxn modelId="{EA911C29-CA15-4306-A253-235434223A5C}" type="presOf" srcId="{15E12B16-8D11-463B-92B8-5822BDF4C748}" destId="{DD7A384B-9184-47FD-A760-3BEBECCA498C}" srcOrd="0" destOrd="0" presId="urn:microsoft.com/office/officeart/2005/8/layout/orgChart1"/>
-    <dgm:cxn modelId="{35826417-E8B0-430C-B431-1FCBA83F1E2A}" type="presOf" srcId="{EBD4CD79-8225-4792-82A3-253A539375A6}" destId="{AE8A4DD2-BFE6-48B9-A553-E83BFBA5477B}" srcOrd="1" destOrd="0" presId="urn:microsoft.com/office/officeart/2005/8/layout/orgChart1"/>
-    <dgm:cxn modelId="{E13343F3-418A-40B1-B2FB-37ED36A2552D}" type="presOf" srcId="{37498F51-034A-4B95-A943-8B0356B77951}" destId="{813BFB9B-D964-4C6C-95B6-FA36C9FC47D0}" srcOrd="0" destOrd="0" presId="urn:microsoft.com/office/officeart/2005/8/layout/orgChart1"/>
-    <dgm:cxn modelId="{B75619D7-9FBC-4E51-80C3-AF3340BB580F}" type="presOf" srcId="{2568090D-E94E-452D-82B4-C1654C9E2C48}" destId="{0B07AC63-ACE8-4FBA-9E20-B2F2BB6F57E0}" srcOrd="1" destOrd="0" presId="urn:microsoft.com/office/officeart/2005/8/layout/orgChart1"/>
-    <dgm:cxn modelId="{23CF2603-AF86-47EB-9A86-E3753D363FFB}" type="presOf" srcId="{2568090D-E94E-452D-82B4-C1654C9E2C48}" destId="{B3A6615A-A732-42FD-A03C-2BC94E7C6510}" srcOrd="0" destOrd="0" presId="urn:microsoft.com/office/officeart/2005/8/layout/orgChart1"/>
-    <dgm:cxn modelId="{A55B957A-DAA6-401A-952A-54B89B4FD415}" type="presOf" srcId="{2CB50806-C040-49E5-A570-BBC04E8F7295}" destId="{BE5E4EDF-0EA8-445D-BE2C-4C22E40AA606}" srcOrd="0" destOrd="0" presId="urn:microsoft.com/office/officeart/2005/8/layout/orgChart1"/>
-    <dgm:cxn modelId="{6652865F-D8CA-4C2E-8D60-3EE45B201A7E}" type="presOf" srcId="{8024BF88-7976-4903-A5DC-0342CCC7DECB}" destId="{1EF2A7DE-B1DC-41BC-9A7F-B75495E75447}" srcOrd="1" destOrd="0" presId="urn:microsoft.com/office/officeart/2005/8/layout/orgChart1"/>
-    <dgm:cxn modelId="{D573D1A4-C44A-4975-B993-89C9C3B9E7D0}" type="presOf" srcId="{91C476B7-9FCB-4BBA-B7CC-98C951BABF08}" destId="{FD0EB6F2-D0BB-464A-9AC7-9BF10AC11114}" srcOrd="1" destOrd="0" presId="urn:microsoft.com/office/officeart/2005/8/layout/orgChart1"/>
-    <dgm:cxn modelId="{77D0D2F7-5796-401A-B329-49360A2F6E9F}" type="presOf" srcId="{44E92EDF-7F87-40DA-8F2B-3104D039CCB9}" destId="{C4DC16DD-7454-4F73-998B-9F933495FF06}" srcOrd="0" destOrd="0" presId="urn:microsoft.com/office/officeart/2005/8/layout/orgChart1"/>
-    <dgm:cxn modelId="{D78348A8-4F27-4EE2-AB3D-2CC32D4E7FD2}" type="presOf" srcId="{2E911E43-E8AF-4C0F-8447-43FF439EF7E6}" destId="{8457549B-7E43-4A86-AF6A-9960A58EE57A}" srcOrd="1" destOrd="0" presId="urn:microsoft.com/office/officeart/2005/8/layout/orgChart1"/>
-    <dgm:cxn modelId="{D937C1BA-E31C-4EAF-B5AB-5FDC65C6E252}" type="presOf" srcId="{4D415793-AE8B-457D-B662-6837FBCA6EC5}" destId="{156C0071-0F70-4B59-BB24-157F4AAFF7EB}" srcOrd="1" destOrd="0" presId="urn:microsoft.com/office/officeart/2005/8/layout/orgChart1"/>
-    <dgm:cxn modelId="{057B942D-7F13-4379-BE76-049D266D82BC}" type="presOf" srcId="{40A64014-1284-4EEE-AF7A-959BE25DB7B9}" destId="{74386309-D9B9-42CC-9762-8B8BDDD80804}" srcOrd="1" destOrd="0" presId="urn:microsoft.com/office/officeart/2005/8/layout/orgChart1"/>
-    <dgm:cxn modelId="{18B27369-EF0D-4EA2-A33D-EB268A86B0B8}" type="presOf" srcId="{AE7CBEBD-037D-494F-9847-16042D7F1D69}" destId="{A49D3927-7449-4735-AC87-5BDC01040BD5}" srcOrd="1" destOrd="0" presId="urn:microsoft.com/office/officeart/2005/8/layout/orgChart1"/>
-    <dgm:cxn modelId="{A8286ADA-4E8C-4EB7-9A02-195A5A58E5AF}" type="presOf" srcId="{A6413E82-5C10-4DEF-97C9-62507E7B0529}" destId="{BE1C2CBB-B18C-432D-B52C-2D69B317CDE9}" srcOrd="0" destOrd="0" presId="urn:microsoft.com/office/officeart/2005/8/layout/orgChart1"/>
-    <dgm:cxn modelId="{3D404236-19B9-43FD-B72D-F34DA90E9381}" type="presOf" srcId="{EE83DED0-A804-4028-A1CE-E0B40ECA49CA}" destId="{42CE7848-A09D-4868-97D1-9510E1071570}" srcOrd="1" destOrd="0" presId="urn:microsoft.com/office/officeart/2005/8/layout/orgChart1"/>
-    <dgm:cxn modelId="{5D7C6534-EFBC-4164-9B4C-94490C4145BC}" type="presOf" srcId="{8F22EA0A-02BD-433F-A127-D5AE85F408D5}" destId="{1C9D1E51-0704-4095-82BC-7B9980C482E8}" srcOrd="1" destOrd="0" presId="urn:microsoft.com/office/officeart/2005/8/layout/orgChart1"/>
-    <dgm:cxn modelId="{2A4AC1BF-5C19-4083-8A71-4019E7AF2E6D}" type="presOf" srcId="{CB26703D-F1D5-4228-A24C-96993E87C319}" destId="{024E51B9-61DB-4665-8140-C6601A24D938}" srcOrd="0" destOrd="0" presId="urn:microsoft.com/office/officeart/2005/8/layout/orgChart1"/>
-    <dgm:cxn modelId="{2DA626D8-7D9B-4A5E-8851-E5D4DC3A168F}" type="presOf" srcId="{76C50CB5-FD07-4381-AC14-BBEBBC54CA89}" destId="{A028FF3D-5E9A-4F7D-BBB7-53E1A02A079F}" srcOrd="0" destOrd="0" presId="urn:microsoft.com/office/officeart/2005/8/layout/orgChart1"/>
-    <dgm:cxn modelId="{0A00EE15-AECC-4572-95F1-C3247B6CC388}" type="presOf" srcId="{EE83DED0-A804-4028-A1CE-E0B40ECA49CA}" destId="{2B57D842-C132-4E06-BAEE-7A81848A92FD}" srcOrd="0" destOrd="0" presId="urn:microsoft.com/office/officeart/2005/8/layout/orgChart1"/>
-    <dgm:cxn modelId="{78CCE662-6630-42D1-AF45-CB0DF3E72A1D}" type="presOf" srcId="{6580EE94-AD2F-4B81-AB15-61A22A5B074F}" destId="{64FB3C05-0898-42D4-B108-3FC54B94D9D0}" srcOrd="1" destOrd="0" presId="urn:microsoft.com/office/officeart/2005/8/layout/orgChart1"/>
-    <dgm:cxn modelId="{3E415AFE-5C1A-4D3B-9AB7-6C12958AC465}" srcId="{A6EBF3B1-5FEF-4D55-AD24-723DC818DC94}" destId="{8F22EA0A-02BD-433F-A127-D5AE85F408D5}" srcOrd="0" destOrd="0" parTransId="{144010B2-9EA9-493A-AEA3-ED40D2262054}" sibTransId="{0102ECF4-02DF-485F-BEDE-60940098C0D3}"/>
-    <dgm:cxn modelId="{EC5254D8-CB0C-46F0-93A2-8FCF2150E37B}" srcId="{734FDF17-C543-4CF5-AF6F-CCC9E665A0C9}" destId="{91C476B7-9FCB-4BBA-B7CC-98C951BABF08}" srcOrd="2" destOrd="0" parTransId="{87C4630D-F69A-47CF-9B5E-8DE03E829F25}" sibTransId="{2E4F4ACB-33FE-41CF-A20A-65E2EA8DBD17}"/>
-    <dgm:cxn modelId="{51956887-58DC-4407-B2D9-6135610E4BB5}" type="presOf" srcId="{B09AA789-57A6-41A4-91D9-47AC4D6FB060}" destId="{E2121889-EF6E-4CA4-908C-7572AFBC629A}" srcOrd="0" destOrd="0" presId="urn:microsoft.com/office/officeart/2005/8/layout/orgChart1"/>
-    <dgm:cxn modelId="{DEEB133B-697A-4F12-9577-E5F7B4E6A65F}" type="presOf" srcId="{4D075455-CD9D-4B17-87AF-58F17264ED34}" destId="{AE8790C8-B116-4C07-B78F-15668B40C321}" srcOrd="0" destOrd="0" presId="urn:microsoft.com/office/officeart/2005/8/layout/orgChart1"/>
-    <dgm:cxn modelId="{E3B86D6F-9854-41A3-94CC-B7D8BFAA90C4}" type="presOf" srcId="{41578097-3E86-4D68-8560-FD9CA8622A63}" destId="{CFE1E861-B00F-49EB-B4E1-9C6FABA58465}" srcOrd="1" destOrd="0" presId="urn:microsoft.com/office/officeart/2005/8/layout/orgChart1"/>
-    <dgm:cxn modelId="{FF6F3AF6-F460-4B59-B7A7-A2B52F96E08F}" srcId="{8024BF88-7976-4903-A5DC-0342CCC7DECB}" destId="{6580EE94-AD2F-4B81-AB15-61A22A5B074F}" srcOrd="4" destOrd="0" parTransId="{8727E3B7-CA63-4DBC-AC92-99B93DDC0CD3}" sibTransId="{9ED62CE5-08B9-421A-AD0D-F01EE93BC300}"/>
-    <dgm:cxn modelId="{58D4C217-1156-4125-A18F-7221A7BA5F7B}" type="presOf" srcId="{4D1693CB-92A3-4832-B0BF-F1027A24413D}" destId="{EDDA187E-D807-4DC9-8F25-078016371689}" srcOrd="0" destOrd="0" presId="urn:microsoft.com/office/officeart/2005/8/layout/orgChart1"/>
-    <dgm:cxn modelId="{CD08A677-EB5D-4899-BB03-3A8C0E7EBC6E}" srcId="{A96BCA3D-D7C2-4537-AB77-55058808C1A9}" destId="{504AF20F-1361-40D6-8DAE-FC215ABF0FD3}" srcOrd="0" destOrd="0" parTransId="{49427332-34CA-4B15-A0C2-223A59554952}" sibTransId="{BFB4BB23-0AEA-403B-8838-AB8003911B11}"/>
-    <dgm:cxn modelId="{72FC511E-BEB9-4EF4-ACDC-11FE73D45008}" type="presOf" srcId="{CB26703D-F1D5-4228-A24C-96993E87C319}" destId="{F2ADB9A6-C45A-47E3-B02F-B5381C7176A3}" srcOrd="1" destOrd="0" presId="urn:microsoft.com/office/officeart/2005/8/layout/orgChart1"/>
-    <dgm:cxn modelId="{B4B7FEB9-F210-4EA5-ACCB-4721A304F136}" type="presOf" srcId="{BFDA26B4-5710-43F5-BAFA-4708735D0C16}" destId="{19B34324-BD08-411B-B59F-6FCDEFFE7964}" srcOrd="0" destOrd="0" presId="urn:microsoft.com/office/officeart/2005/8/layout/orgChart1"/>
-    <dgm:cxn modelId="{B199B37D-488A-4366-BFDF-D8C030FFB747}" srcId="{8024BF88-7976-4903-A5DC-0342CCC7DECB}" destId="{2E911E43-E8AF-4C0F-8447-43FF439EF7E6}" srcOrd="0" destOrd="0" parTransId="{44E92EDF-7F87-40DA-8F2B-3104D039CCB9}" sibTransId="{657A18D3-8DCE-485F-AD7B-559FF9488283}"/>
-    <dgm:cxn modelId="{3F240A9C-6B7C-4FAA-9315-051D462DBF30}" type="presOf" srcId="{4D1693CB-92A3-4832-B0BF-F1027A24413D}" destId="{FD72CC63-894C-4176-BFFA-6AEE829E4726}" srcOrd="1" destOrd="0" presId="urn:microsoft.com/office/officeart/2005/8/layout/orgChart1"/>
-    <dgm:cxn modelId="{ED02FC7A-E7F1-46D9-9119-2BD2A70C1683}" srcId="{6580EE94-AD2F-4B81-AB15-61A22A5B074F}" destId="{CB26703D-F1D5-4228-A24C-96993E87C319}" srcOrd="1" destOrd="0" parTransId="{11AD334C-B720-44A7-8E83-D224BF3B1504}" sibTransId="{2FCE4A46-B4CD-47F9-9C8B-E6E43C37ADAD}"/>
-    <dgm:cxn modelId="{1712E13C-3097-4078-9497-5EC35E71E401}" type="presOf" srcId="{B9F9EE96-CA86-4F24-8843-06229C08B163}" destId="{F1668CB1-CE3C-418F-83C0-03F55AF33091}" srcOrd="0" destOrd="0" presId="urn:microsoft.com/office/officeart/2005/8/layout/orgChart1"/>
-    <dgm:cxn modelId="{AE5D6D7C-0AD9-4C90-B533-9AA295290B40}" type="presOf" srcId="{144010B2-9EA9-493A-AEA3-ED40D2262054}" destId="{B9DC87FE-FBEB-4EE3-87D7-AF1A9DFBE829}" srcOrd="0" destOrd="0" presId="urn:microsoft.com/office/officeart/2005/8/layout/orgChart1"/>
-    <dgm:cxn modelId="{210EF8BB-EB8A-4AD7-A7C5-FAFE1B312C3D}" srcId="{8024BF88-7976-4903-A5DC-0342CCC7DECB}" destId="{EE83DED0-A804-4028-A1CE-E0B40ECA49CA}" srcOrd="2" destOrd="0" parTransId="{3D67422D-7F1E-479F-8ADA-437888D6617F}" sibTransId="{DF37017D-4F8E-45F0-84DB-719DC0CD495D}"/>
-    <dgm:cxn modelId="{50D7AC4F-25F1-4A1F-83E2-4BFA85229A85}" type="presOf" srcId="{5161626F-7BC6-4A0F-B593-252625A240EA}" destId="{434DD80A-EC24-4219-BE84-6398D5494104}" srcOrd="0" destOrd="0" presId="urn:microsoft.com/office/officeart/2005/8/layout/orgChart1"/>
-    <dgm:cxn modelId="{80A64BD3-6F86-4E5C-BD7F-89E22EA87BCD}" type="presOf" srcId="{93A5526C-AEDA-4D48-813C-70B0CCF36F98}" destId="{68AD4C60-2440-47D2-9F0B-3C06125AECF5}" srcOrd="1" destOrd="0" presId="urn:microsoft.com/office/officeart/2005/8/layout/orgChart1"/>
-    <dgm:cxn modelId="{DB6A82F4-B378-497E-A497-D915594AA80B}" type="presOf" srcId="{EBD4CD79-8225-4792-82A3-253A539375A6}" destId="{F1A1663F-0BFF-4E1E-90B9-D760441C1CDB}" srcOrd="0" destOrd="0" presId="urn:microsoft.com/office/officeart/2005/8/layout/orgChart1"/>
-    <dgm:cxn modelId="{E0E32CF9-54DE-4AC6-8A87-9AE267207647}" srcId="{CB26703D-F1D5-4228-A24C-96993E87C319}" destId="{4D415793-AE8B-457D-B662-6837FBCA6EC5}" srcOrd="1" destOrd="0" parTransId="{64C04965-321B-4962-9DCD-36F6AFD0C6B4}" sibTransId="{0D330756-C139-4C9B-B5F7-CAB7EA60C315}"/>
-    <dgm:cxn modelId="{AEBEF686-E5E9-4061-AD62-3AD0E2909E5B}" type="presOf" srcId="{A6EBF3B1-5FEF-4D55-AD24-723DC818DC94}" destId="{99CDBD7E-8A40-4983-8581-B2471E06C265}" srcOrd="0" destOrd="0" presId="urn:microsoft.com/office/officeart/2005/8/layout/orgChart1"/>
-    <dgm:cxn modelId="{E7687103-FFEA-4D0B-A147-1FCB2CE56046}" type="presOf" srcId="{4D415793-AE8B-457D-B662-6837FBCA6EC5}" destId="{A650D250-CE3A-4B89-84B1-01FF8A8E18E3}" srcOrd="0" destOrd="0" presId="urn:microsoft.com/office/officeart/2005/8/layout/orgChart1"/>
-    <dgm:cxn modelId="{B1E02B4B-9B63-4A0C-B10A-75EE1F3D72B1}" type="presOf" srcId="{823DEEB8-DAB1-4EC7-B092-5F8BBFDE5584}" destId="{78D3C7D4-8E65-4303-8713-FC4450F8DC15}" srcOrd="0" destOrd="0" presId="urn:microsoft.com/office/officeart/2005/8/layout/orgChart1"/>
-    <dgm:cxn modelId="{A4588C94-0E7E-4376-9A99-4055BDE766D9}" type="presOf" srcId="{15E12B16-8D11-463B-92B8-5822BDF4C748}" destId="{3BB46B51-8531-4211-845C-53824F0021A9}" srcOrd="1" destOrd="0" presId="urn:microsoft.com/office/officeart/2005/8/layout/orgChart1"/>
-    <dgm:cxn modelId="{DF310B73-F640-4689-AC95-888E27C5B57E}" type="presOf" srcId="{A6413E82-5C10-4DEF-97C9-62507E7B0529}" destId="{4D11EC99-D139-4156-BEFE-EFE8648A2850}" srcOrd="1" destOrd="0" presId="urn:microsoft.com/office/officeart/2005/8/layout/orgChart1"/>
-    <dgm:cxn modelId="{89B1A1D1-AA57-4150-8572-D7EE4C4DD970}" type="presOf" srcId="{64C04965-321B-4962-9DCD-36F6AFD0C6B4}" destId="{F89DEEF9-0D57-492B-B51D-DA04FA52D955}" srcOrd="0" destOrd="0" presId="urn:microsoft.com/office/officeart/2005/8/layout/orgChart1"/>
     <dgm:cxn modelId="{6F5345B6-D3D8-4457-998C-E4D608C1EEF6}" type="presParOf" srcId="{E2121889-EF6E-4CA4-908C-7572AFBC629A}" destId="{07BEC272-0423-4E42-B899-F60FC75BD79A}" srcOrd="0" destOrd="0" presId="urn:microsoft.com/office/officeart/2005/8/layout/orgChart1"/>
     <dgm:cxn modelId="{61940B02-42EA-48DD-A9FD-2C5895A9CEAA}" type="presParOf" srcId="{07BEC272-0423-4E42-B899-F60FC75BD79A}" destId="{0B47B95E-C06E-4FEB-A708-23CA7D67581D}" srcOrd="0" destOrd="0" presId="urn:microsoft.com/office/officeart/2005/8/layout/orgChart1"/>
     <dgm:cxn modelId="{4F9F97BC-5E96-4B4D-B486-40D28E078C96}" type="presParOf" srcId="{0B47B95E-C06E-4FEB-A708-23CA7D67581D}" destId="{129F113F-8972-4A99-86DB-EBDD1A507309}" srcOrd="0" destOrd="0" presId="urn:microsoft.com/office/officeart/2005/8/layout/orgChart1"/>
@@ -4289,14 +4293,14 @@
   <dgm:whole/>
   <dgm:extLst>
     <a:ext uri="http://schemas.microsoft.com/office/drawing/2008/diagram">
-      <dsp:dataModelExt xmlns:dsp="http://schemas.microsoft.com/office/drawing/2008/diagram" xmlns="" relId="rId6" minVer="http://schemas.openxmlformats.org/drawingml/2006/diagram"/>
+      <dsp:dataModelExt xmlns:dsp="http://schemas.microsoft.com/office/drawing/2008/diagram" relId="rId6" minVer="http://schemas.openxmlformats.org/drawingml/2006/diagram"/>
     </a:ext>
   </dgm:extLst>
 </dgm:dataModel>
 </file>
 
 <file path=ppt/diagrams/drawing1.xml><?xml version="1.0" encoding="utf-8"?>
-<dsp:drawing xmlns:dgm="http://schemas.openxmlformats.org/drawingml/2006/diagram" xmlns:a="http://schemas.openxmlformats.org/drawingml/2006/main" xmlns:dsp="http://schemas.microsoft.com/office/drawing/2008/diagram">
+<dsp:drawing xmlns:dgm="http://schemas.openxmlformats.org/drawingml/2006/diagram" xmlns:dsp="http://schemas.microsoft.com/office/drawing/2008/diagram" xmlns:a="http://schemas.openxmlformats.org/drawingml/2006/main">
   <dsp:spTree>
     <dsp:nvGrpSpPr>
       <dsp:cNvPr id="0" name=""/>
@@ -5766,7 +5770,7 @@
         </a:ln>
         <a:effectLst>
           <a:outerShdw blurRad="40000" dist="20000" dir="5400000" rotWithShape="0">
-            <a:srgbClr val="000000">
+            <a:srgbClr xmlns:mc="http://schemas.openxmlformats.org/markup-compatibility/2006" xmlns:a14="http://schemas.microsoft.com/office/drawing/2010/main" val="000000" mc:Ignorable="">
               <a:alpha val="38000"/>
             </a:srgbClr>
           </a:outerShdw>
@@ -5874,7 +5878,7 @@
         </a:ln>
         <a:effectLst>
           <a:outerShdw blurRad="40000" dist="20000" dir="5400000" rotWithShape="0">
-            <a:srgbClr val="000000">
+            <a:srgbClr xmlns:mc="http://schemas.openxmlformats.org/markup-compatibility/2006" xmlns:a14="http://schemas.microsoft.com/office/drawing/2010/main" val="000000" mc:Ignorable="">
               <a:alpha val="38000"/>
             </a:srgbClr>
           </a:outerShdw>
@@ -5953,7 +5957,7 @@
         </a:ln>
         <a:effectLst>
           <a:outerShdw blurRad="40000" dist="20000" dir="5400000" rotWithShape="0">
-            <a:srgbClr val="000000">
+            <a:srgbClr xmlns:mc="http://schemas.openxmlformats.org/markup-compatibility/2006" xmlns:a14="http://schemas.microsoft.com/office/drawing/2010/main" val="000000" mc:Ignorable="">
               <a:alpha val="38000"/>
             </a:srgbClr>
           </a:outerShdw>
@@ -6061,7 +6065,7 @@
         </a:ln>
         <a:effectLst>
           <a:outerShdw blurRad="40000" dist="20000" dir="5400000" rotWithShape="0">
-            <a:srgbClr val="000000">
+            <a:srgbClr xmlns:mc="http://schemas.openxmlformats.org/markup-compatibility/2006" xmlns:a14="http://schemas.microsoft.com/office/drawing/2010/main" val="000000" mc:Ignorable="">
               <a:alpha val="38000"/>
             </a:srgbClr>
           </a:outerShdw>
@@ -6169,7 +6173,7 @@
         </a:ln>
         <a:effectLst>
           <a:outerShdw blurRad="40000" dist="20000" dir="5400000" rotWithShape="0">
-            <a:srgbClr val="000000">
+            <a:srgbClr xmlns:mc="http://schemas.openxmlformats.org/markup-compatibility/2006" xmlns:a14="http://schemas.microsoft.com/office/drawing/2010/main" val="000000" mc:Ignorable="">
               <a:alpha val="38000"/>
             </a:srgbClr>
           </a:outerShdw>
@@ -6277,7 +6281,7 @@
         </a:ln>
         <a:effectLst>
           <a:outerShdw blurRad="40000" dist="20000" dir="5400000" rotWithShape="0">
-            <a:srgbClr val="000000">
+            <a:srgbClr xmlns:mc="http://schemas.openxmlformats.org/markup-compatibility/2006" xmlns:a14="http://schemas.microsoft.com/office/drawing/2010/main" val="000000" mc:Ignorable="">
               <a:alpha val="38000"/>
             </a:srgbClr>
           </a:outerShdw>
@@ -6363,7 +6367,7 @@
         </a:ln>
         <a:effectLst>
           <a:outerShdw blurRad="40000" dist="20000" dir="5400000" rotWithShape="0">
-            <a:srgbClr val="000000">
+            <a:srgbClr xmlns:mc="http://schemas.openxmlformats.org/markup-compatibility/2006" xmlns:a14="http://schemas.microsoft.com/office/drawing/2010/main" val="000000" mc:Ignorable="">
               <a:alpha val="38000"/>
             </a:srgbClr>
           </a:outerShdw>
@@ -6471,7 +6475,7 @@
         </a:ln>
         <a:effectLst>
           <a:outerShdw blurRad="40000" dist="20000" dir="5400000" rotWithShape="0">
-            <a:srgbClr val="000000">
+            <a:srgbClr xmlns:mc="http://schemas.openxmlformats.org/markup-compatibility/2006" xmlns:a14="http://schemas.microsoft.com/office/drawing/2010/main" val="000000" mc:Ignorable="">
               <a:alpha val="38000"/>
             </a:srgbClr>
           </a:outerShdw>
@@ -6579,7 +6583,7 @@
         </a:ln>
         <a:effectLst>
           <a:outerShdw blurRad="40000" dist="20000" dir="5400000" rotWithShape="0">
-            <a:srgbClr val="000000">
+            <a:srgbClr xmlns:mc="http://schemas.openxmlformats.org/markup-compatibility/2006" xmlns:a14="http://schemas.microsoft.com/office/drawing/2010/main" val="000000" mc:Ignorable="">
               <a:alpha val="38000"/>
             </a:srgbClr>
           </a:outerShdw>
@@ -6687,7 +6691,7 @@
         </a:ln>
         <a:effectLst>
           <a:outerShdw blurRad="40000" dist="20000" dir="5400000" rotWithShape="0">
-            <a:srgbClr val="000000">
+            <a:srgbClr xmlns:mc="http://schemas.openxmlformats.org/markup-compatibility/2006" xmlns:a14="http://schemas.microsoft.com/office/drawing/2010/main" val="000000" mc:Ignorable="">
               <a:alpha val="38000"/>
             </a:srgbClr>
           </a:outerShdw>
@@ -6795,7 +6799,7 @@
         </a:ln>
         <a:effectLst>
           <a:outerShdw blurRad="40000" dist="20000" dir="5400000" rotWithShape="0">
-            <a:srgbClr val="000000">
+            <a:srgbClr xmlns:mc="http://schemas.openxmlformats.org/markup-compatibility/2006" xmlns:a14="http://schemas.microsoft.com/office/drawing/2010/main" val="000000" mc:Ignorable="">
               <a:alpha val="38000"/>
             </a:srgbClr>
           </a:outerShdw>
@@ -6874,7 +6878,7 @@
         </a:ln>
         <a:effectLst>
           <a:outerShdw blurRad="40000" dist="20000" dir="5400000" rotWithShape="0">
-            <a:srgbClr val="000000">
+            <a:srgbClr xmlns:mc="http://schemas.openxmlformats.org/markup-compatibility/2006" xmlns:a14="http://schemas.microsoft.com/office/drawing/2010/main" val="000000" mc:Ignorable="">
               <a:alpha val="38000"/>
             </a:srgbClr>
           </a:outerShdw>
@@ -6982,7 +6986,7 @@
         </a:ln>
         <a:effectLst>
           <a:outerShdw blurRad="40000" dist="20000" dir="5400000" rotWithShape="0">
-            <a:srgbClr val="000000">
+            <a:srgbClr xmlns:mc="http://schemas.openxmlformats.org/markup-compatibility/2006" xmlns:a14="http://schemas.microsoft.com/office/drawing/2010/main" val="000000" mc:Ignorable="">
               <a:alpha val="38000"/>
             </a:srgbClr>
           </a:outerShdw>
@@ -7090,7 +7094,7 @@
         </a:ln>
         <a:effectLst>
           <a:outerShdw blurRad="40000" dist="20000" dir="5400000" rotWithShape="0">
-            <a:srgbClr val="000000">
+            <a:srgbClr xmlns:mc="http://schemas.openxmlformats.org/markup-compatibility/2006" xmlns:a14="http://schemas.microsoft.com/office/drawing/2010/main" val="000000" mc:Ignorable="">
               <a:alpha val="38000"/>
             </a:srgbClr>
           </a:outerShdw>
@@ -7169,7 +7173,7 @@
         </a:ln>
         <a:effectLst>
           <a:outerShdw blurRad="40000" dist="20000" dir="5400000" rotWithShape="0">
-            <a:srgbClr val="000000">
+            <a:srgbClr xmlns:mc="http://schemas.openxmlformats.org/markup-compatibility/2006" xmlns:a14="http://schemas.microsoft.com/office/drawing/2010/main" val="000000" mc:Ignorable="">
               <a:alpha val="38000"/>
             </a:srgbClr>
           </a:outerShdw>
@@ -7277,7 +7281,7 @@
         </a:ln>
         <a:effectLst>
           <a:outerShdw blurRad="40000" dist="20000" dir="5400000" rotWithShape="0">
-            <a:srgbClr val="000000">
+            <a:srgbClr xmlns:mc="http://schemas.openxmlformats.org/markup-compatibility/2006" xmlns:a14="http://schemas.microsoft.com/office/drawing/2010/main" val="000000" mc:Ignorable="">
               <a:alpha val="38000"/>
             </a:srgbClr>
           </a:outerShdw>
@@ -7385,7 +7389,7 @@
         </a:ln>
         <a:effectLst>
           <a:outerShdw blurRad="40000" dist="20000" dir="5400000" rotWithShape="0">
-            <a:srgbClr val="000000">
+            <a:srgbClr xmlns:mc="http://schemas.openxmlformats.org/markup-compatibility/2006" xmlns:a14="http://schemas.microsoft.com/office/drawing/2010/main" val="000000" mc:Ignorable="">
               <a:alpha val="38000"/>
             </a:srgbClr>
           </a:outerShdw>
@@ -7493,7 +7497,7 @@
         </a:ln>
         <a:effectLst>
           <a:outerShdw blurRad="40000" dist="20000" dir="5400000" rotWithShape="0">
-            <a:srgbClr val="000000">
+            <a:srgbClr xmlns:mc="http://schemas.openxmlformats.org/markup-compatibility/2006" xmlns:a14="http://schemas.microsoft.com/office/drawing/2010/main" val="000000" mc:Ignorable="">
               <a:alpha val="38000"/>
             </a:srgbClr>
           </a:outerShdw>
@@ -7601,7 +7605,7 @@
         </a:ln>
         <a:effectLst>
           <a:outerShdw blurRad="40000" dist="20000" dir="5400000" rotWithShape="0">
-            <a:srgbClr val="000000">
+            <a:srgbClr xmlns:mc="http://schemas.openxmlformats.org/markup-compatibility/2006" xmlns:a14="http://schemas.microsoft.com/office/drawing/2010/main" val="000000" mc:Ignorable="">
               <a:alpha val="38000"/>
             </a:srgbClr>
           </a:outerShdw>
@@ -7680,7 +7684,7 @@
         </a:ln>
         <a:effectLst>
           <a:outerShdw blurRad="40000" dist="20000" dir="5400000" rotWithShape="0">
-            <a:srgbClr val="000000">
+            <a:srgbClr xmlns:mc="http://schemas.openxmlformats.org/markup-compatibility/2006" xmlns:a14="http://schemas.microsoft.com/office/drawing/2010/main" val="000000" mc:Ignorable="">
               <a:alpha val="38000"/>
             </a:srgbClr>
           </a:outerShdw>
@@ -7788,7 +7792,7 @@
         </a:ln>
         <a:effectLst>
           <a:outerShdw blurRad="40000" dist="20000" dir="5400000" rotWithShape="0">
-            <a:srgbClr val="000000">
+            <a:srgbClr xmlns:mc="http://schemas.openxmlformats.org/markup-compatibility/2006" xmlns:a14="http://schemas.microsoft.com/office/drawing/2010/main" val="000000" mc:Ignorable="">
               <a:alpha val="38000"/>
             </a:srgbClr>
           </a:outerShdw>
@@ -7896,7 +7900,7 @@
         </a:ln>
         <a:effectLst>
           <a:outerShdw blurRad="40000" dist="20000" dir="5400000" rotWithShape="0">
-            <a:srgbClr val="000000">
+            <a:srgbClr xmlns:mc="http://schemas.openxmlformats.org/markup-compatibility/2006" xmlns:a14="http://schemas.microsoft.com/office/drawing/2010/main" val="000000" mc:Ignorable="">
               <a:alpha val="38000"/>
             </a:srgbClr>
           </a:outerShdw>
@@ -7941,8 +7945,12 @@
             </a:spcAft>
           </a:pPr>
           <a:r>
-            <a:rPr lang="es-ES" sz="1100" kern="1200"/>
-            <a:t>Pagoa proveedores</a:t>
+            <a:rPr lang="es-ES" sz="1100" kern="1200" dirty="0" smtClean="0"/>
+            <a:t>Pago a </a:t>
+          </a:r>
+          <a:r>
+            <a:rPr lang="es-ES" sz="1100" kern="1200" dirty="0"/>
+            <a:t>proveedores</a:t>
           </a:r>
         </a:p>
       </dsp:txBody>
@@ -8004,7 +8012,7 @@
         </a:ln>
         <a:effectLst>
           <a:outerShdw blurRad="40000" dist="20000" dir="5400000" rotWithShape="0">
-            <a:srgbClr val="000000">
+            <a:srgbClr xmlns:mc="http://schemas.openxmlformats.org/markup-compatibility/2006" xmlns:a14="http://schemas.microsoft.com/office/drawing/2010/main" val="000000" mc:Ignorable="">
               <a:alpha val="38000"/>
             </a:srgbClr>
           </a:outerShdw>
@@ -8119,7 +8127,7 @@
         </a:ln>
         <a:effectLst>
           <a:outerShdw blurRad="40000" dist="20000" dir="5400000" rotWithShape="0">
-            <a:srgbClr val="000000">
+            <a:srgbClr xmlns:mc="http://schemas.openxmlformats.org/markup-compatibility/2006" xmlns:a14="http://schemas.microsoft.com/office/drawing/2010/main" val="000000" mc:Ignorable="">
               <a:alpha val="38000"/>
             </a:srgbClr>
           </a:outerShdw>
@@ -8227,7 +8235,7 @@
         </a:ln>
         <a:effectLst>
           <a:outerShdw blurRad="40000" dist="20000" dir="5400000" rotWithShape="0">
-            <a:srgbClr val="000000">
+            <a:srgbClr xmlns:mc="http://schemas.openxmlformats.org/markup-compatibility/2006" xmlns:a14="http://schemas.microsoft.com/office/drawing/2010/main" val="000000" mc:Ignorable="">
               <a:alpha val="38000"/>
             </a:srgbClr>
           </a:outerShdw>
@@ -10737,13 +10745,18 @@
             <a:fld id="{D00EA6A5-9760-42AE-BDF3-B364EBB216C8}" type="slidenum">
               <a:rPr lang="es-ES" smtClean="0"/>
               <a:pPr/>
-              <a:t>‹Nº›</a:t>
+              <a:t>‹#›</a:t>
             </a:fld>
             <a:endParaRPr lang="es-ES"/>
           </a:p>
         </p:txBody>
       </p:sp>
     </p:spTree>
+    <p:extLst>
+      <p:ext uri="{BB962C8B-B14F-4D97-AF65-F5344CB8AC3E}">
+        <p14:creationId xmlns:p14="http://schemas.microsoft.com/office/powerpoint/2010/main" val="2350310680"/>
+      </p:ext>
+    </p:extLst>
   </p:cSld>
   <p:clrMap bg1="lt1" tx1="dk1" bg2="lt2" tx2="dk2" accent1="accent1" accent2="accent2" accent3="accent3" accent4="accent4" accent5="accent5" accent6="accent6" hlink="hlink" folHlink="folHlink"/>
   <p:notesStyle>
@@ -12351,7 +12364,7 @@
               <a:pPr>
                 <a:defRPr/>
               </a:pPr>
-              <a:t>‹Nº›</a:t>
+              <a:t>‹#›</a:t>
             </a:fld>
             <a:endParaRPr lang="fr-CA"/>
           </a:p>
@@ -12365,7 +12378,7 @@
   <p:timing>
     <p:tnLst>
       <p:par>
-        <p:cTn id="1" dur="indefinite" restart="never" nodeType="tmRoot"/>
+        <p:cTn xmlns:p14="http://schemas.microsoft.com/office/powerpoint/2010/main" id="1" dur="indefinite" restart="never" nodeType="tmRoot"/>
       </p:par>
     </p:tnLst>
   </p:timing>
@@ -12550,7 +12563,7 @@
               <a:pPr>
                 <a:defRPr/>
               </a:pPr>
-              <a:t>‹Nº›</a:t>
+              <a:t>‹#›</a:t>
             </a:fld>
             <a:endParaRPr lang="fr-CA"/>
           </a:p>
@@ -12752,7 +12765,7 @@
               <a:pPr>
                 <a:defRPr/>
               </a:pPr>
-              <a:t>‹Nº›</a:t>
+              <a:t>‹#›</a:t>
             </a:fld>
             <a:endParaRPr lang="fr-CA"/>
           </a:p>
@@ -12944,7 +12957,7 @@
               <a:pPr>
                 <a:defRPr/>
               </a:pPr>
-              <a:t>‹Nº›</a:t>
+              <a:t>‹#›</a:t>
             </a:fld>
             <a:endParaRPr lang="fr-CA"/>
           </a:p>
@@ -12958,7 +12971,7 @@
   <p:timing>
     <p:tnLst>
       <p:par>
-        <p:cTn id="1" dur="indefinite" restart="never" nodeType="tmRoot"/>
+        <p:cTn xmlns:p14="http://schemas.microsoft.com/office/powerpoint/2010/main" id="1" dur="indefinite" restart="never" nodeType="tmRoot"/>
       </p:par>
     </p:tnLst>
   </p:timing>
@@ -13219,7 +13232,7 @@
               <a:pPr>
                 <a:defRPr/>
               </a:pPr>
-              <a:t>‹Nº›</a:t>
+              <a:t>‹#›</a:t>
             </a:fld>
             <a:endParaRPr lang="fr-CA"/>
           </a:p>
@@ -13529,7 +13542,7 @@
               <a:pPr>
                 <a:defRPr/>
               </a:pPr>
-              <a:t>‹Nº›</a:t>
+              <a:t>‹#›</a:t>
             </a:fld>
             <a:endParaRPr lang="fr-CA"/>
           </a:p>
@@ -13973,7 +13986,7 @@
               <a:pPr>
                 <a:defRPr/>
               </a:pPr>
-              <a:t>‹Nº›</a:t>
+              <a:t>‹#›</a:t>
             </a:fld>
             <a:endParaRPr lang="fr-CA"/>
           </a:p>
@@ -14113,7 +14126,7 @@
               <a:pPr>
                 <a:defRPr/>
               </a:pPr>
-              <a:t>‹Nº›</a:t>
+              <a:t>‹#›</a:t>
             </a:fld>
             <a:endParaRPr lang="fr-CA"/>
           </a:p>
@@ -14230,7 +14243,7 @@
               <a:pPr>
                 <a:defRPr/>
               </a:pPr>
-              <a:t>‹Nº›</a:t>
+              <a:t>‹#›</a:t>
             </a:fld>
             <a:endParaRPr lang="fr-CA"/>
           </a:p>
@@ -14529,7 +14542,7 @@
               <a:pPr>
                 <a:defRPr/>
               </a:pPr>
-              <a:t>‹Nº›</a:t>
+              <a:t>‹#›</a:t>
             </a:fld>
             <a:endParaRPr lang="fr-CA"/>
           </a:p>
@@ -14811,7 +14824,7 @@
               <a:pPr>
                 <a:defRPr/>
               </a:pPr>
-              <a:t>‹Nº›</a:t>
+              <a:t>‹#›</a:t>
             </a:fld>
             <a:endParaRPr lang="fr-CA"/>
           </a:p>
@@ -15117,7 +15130,7 @@
               <a:pPr>
                 <a:defRPr/>
               </a:pPr>
-              <a:t>‹Nº›</a:t>
+              <a:t>‹#›</a:t>
             </a:fld>
             <a:endParaRPr lang="fr-CA"/>
           </a:p>
@@ -15142,7 +15155,7 @@
   <p:timing>
     <p:tnLst>
       <p:par>
-        <p:cTn id="1" dur="indefinite" restart="never" nodeType="tmRoot"/>
+        <p:cTn xmlns:p14="http://schemas.microsoft.com/office/powerpoint/2010/main" id="1" dur="indefinite" restart="never" nodeType="tmRoot"/>
       </p:par>
     </p:tnLst>
   </p:timing>
@@ -15585,7 +15598,7 @@
                   </a:solidFill>
                 </a:ln>
                 <a:solidFill>
-                  <a:srgbClr val="FF0000"/>
+                  <a:srgbClr xmlns:mc="http://schemas.openxmlformats.org/markup-compatibility/2006" xmlns:a14="http://schemas.microsoft.com/office/drawing/2010/main" val="FF0000" mc:Ignorable=""/>
                 </a:solidFill>
               </a:rPr>
               <a:t>SEEE</a:t>
@@ -15598,7 +15611,7 @@
                   </a:solidFill>
                 </a:ln>
                 <a:solidFill>
-                  <a:srgbClr val="FF0000"/>
+                  <a:srgbClr xmlns:mc="http://schemas.openxmlformats.org/markup-compatibility/2006" xmlns:a14="http://schemas.microsoft.com/office/drawing/2010/main" val="FF0000" mc:Ignorable=""/>
                 </a:solidFill>
               </a:rPr>
               <a:t> </a:t>
@@ -15611,21 +15624,11 @@
                   </a:solidFill>
                 </a:ln>
                 <a:solidFill>
-                  <a:srgbClr val="FF0000"/>
+                  <a:srgbClr xmlns:mc="http://schemas.openxmlformats.org/markup-compatibility/2006" xmlns:a14="http://schemas.microsoft.com/office/drawing/2010/main" val="FF0000" mc:Ignorable=""/>
                 </a:solidFill>
               </a:rPr>
               <a:t> </a:t>
             </a:r>
-            <a:endParaRPr lang="fr-CA" sz="10000" b="1" dirty="0" smtClean="0">
-              <a:ln>
-                <a:solidFill>
-                  <a:schemeClr val="tx1"/>
-                </a:solidFill>
-              </a:ln>
-              <a:solidFill>
-                <a:srgbClr val="FF0000"/>
-              </a:solidFill>
-            </a:endParaRPr>
           </a:p>
         </p:txBody>
       </p:sp>
@@ -15659,7 +15662,7 @@
                   </a:solidFill>
                 </a:ln>
                 <a:solidFill>
-                  <a:srgbClr val="FF0000"/>
+                  <a:srgbClr xmlns:mc="http://schemas.openxmlformats.org/markup-compatibility/2006" xmlns:a14="http://schemas.microsoft.com/office/drawing/2010/main" val="FF0000" mc:Ignorable=""/>
                 </a:solidFill>
                 <a:latin typeface="+mj-lt"/>
                 <a:ea typeface="+mj-ea"/>
@@ -15674,7 +15677,7 @@
                 </a:solidFill>
               </a:ln>
               <a:solidFill>
-                <a:srgbClr val="FF0000"/>
+                <a:srgbClr xmlns:mc="http://schemas.openxmlformats.org/markup-compatibility/2006" xmlns:a14="http://schemas.microsoft.com/office/drawing/2010/main" val="FF0000" mc:Ignorable=""/>
               </a:solidFill>
               <a:latin typeface="+mj-lt"/>
               <a:ea typeface="+mj-ea"/>
@@ -15713,7 +15716,7 @@
                   </a:solidFill>
                 </a:ln>
                 <a:solidFill>
-                  <a:srgbClr val="FF0000"/>
+                  <a:srgbClr xmlns:mc="http://schemas.openxmlformats.org/markup-compatibility/2006" xmlns:a14="http://schemas.microsoft.com/office/drawing/2010/main" val="FF0000" mc:Ignorable=""/>
                 </a:solidFill>
                 <a:latin typeface="+mj-lt"/>
                 <a:ea typeface="+mj-ea"/>
@@ -15728,7 +15731,7 @@
                 </a:solidFill>
               </a:ln>
               <a:solidFill>
-                <a:srgbClr val="FF0000"/>
+                <a:srgbClr xmlns:mc="http://schemas.openxmlformats.org/markup-compatibility/2006" xmlns:a14="http://schemas.microsoft.com/office/drawing/2010/main" val="FF0000" mc:Ignorable=""/>
               </a:solidFill>
               <a:latin typeface="+mj-lt"/>
               <a:ea typeface="+mj-ea"/>
@@ -15745,7 +15748,7 @@
   <p:timing>
     <p:tnLst>
       <p:par>
-        <p:cTn id="1" dur="indefinite" restart="never" nodeType="tmRoot"/>
+        <p:cTn xmlns:p14="http://schemas.microsoft.com/office/powerpoint/2010/main" id="1" dur="indefinite" restart="never" nodeType="tmRoot"/>
       </p:par>
     </p:tnLst>
   </p:timing>
@@ -15944,7 +15947,7 @@
   <p:timing>
     <p:tnLst>
       <p:par>
-        <p:cTn id="1" dur="indefinite" restart="never" nodeType="tmRoot"/>
+        <p:cTn xmlns:p14="http://schemas.microsoft.com/office/powerpoint/2010/main" id="1" dur="indefinite" restart="never" nodeType="tmRoot"/>
       </p:par>
     </p:tnLst>
   </p:timing>
@@ -16145,7 +16148,7 @@
   <p:timing>
     <p:tnLst>
       <p:par>
-        <p:cTn id="1" dur="indefinite" restart="never" nodeType="tmRoot"/>
+        <p:cTn xmlns:p14="http://schemas.microsoft.com/office/powerpoint/2010/main" id="1" dur="indefinite" restart="never" nodeType="tmRoot"/>
       </p:par>
     </p:tnLst>
   </p:timing>
@@ -16277,7 +16280,7 @@
   <p:timing>
     <p:tnLst>
       <p:par>
-        <p:cTn id="1" dur="indefinite" restart="never" nodeType="tmRoot"/>
+        <p:cTn xmlns:p14="http://schemas.microsoft.com/office/powerpoint/2010/main" id="1" dur="indefinite" restart="never" nodeType="tmRoot"/>
       </p:par>
     </p:tnLst>
   </p:timing>
@@ -16301,56 +16304,66 @@
           <a:chExt cx="0" cy="0"/>
         </a:xfrm>
       </p:grpSpPr>
-      <p:sp>
-        <p:nvSpPr>
-          <p:cNvPr id="2" name="1 Título"/>
-          <p:cNvSpPr>
-            <a:spLocks noGrp="1"/>
-          </p:cNvSpPr>
-          <p:nvPr>
-            <p:ph type="title"/>
-          </p:nvPr>
-        </p:nvSpPr>
-        <p:spPr/>
-        <p:txBody>
-          <a:bodyPr/>
-          <a:lstStyle/>
-          <a:p>
-            <a:endParaRPr lang="es-ES"/>
-          </a:p>
-        </p:txBody>
-      </p:sp>
       <p:pic>
         <p:nvPicPr>
-          <p:cNvPr id="4" name="3 Imagen" descr="D:\facu\2010\Proy\Kiwi-Team\Layout rec_Model_2.png"/>
+          <p:cNvPr id="5" name="Imagen 1" descr="D:\facu\2010\Proy\Kiwi-Team\Layout rec_Model_2.png"/>
           <p:cNvPicPr/>
           <p:nvPr/>
         </p:nvPicPr>
-        <p:blipFill>
-          <a:blip r:embed="rId2" cstate="print">
-            <a:lum bright="-50000" contrast="58000"/>
+        <p:blipFill rotWithShape="1">
+          <a:blip r:embed="rId2">
+            <a:clrChange>
+              <a:clrFrom>
+                <a:srgbClr xmlns:mc="http://schemas.openxmlformats.org/markup-compatibility/2006" xmlns:a14="http://schemas.microsoft.com/office/drawing/2010/main" val="FFFFFF" mc:Ignorable=""/>
+              </a:clrFrom>
+              <a:clrTo>
+                <a:srgbClr xmlns:mc="http://schemas.openxmlformats.org/markup-compatibility/2006" xmlns:a14="http://schemas.microsoft.com/office/drawing/2010/main" val="FFFFFF" mc:Ignorable="">
+                  <a:alpha val="0"/>
+                </a:srgbClr>
+              </a:clrTo>
+            </a:clrChange>
+            <a:extLst>
+              <a:ext uri="{BEBA8EAE-BF5A-486C-A8C5-ECC9F3942E4B}">
+                <a14:imgProps xmlns:a14="http://schemas.microsoft.com/office/drawing/2010/main">
+                  <a14:imgLayer r:embed="rId3">
+                    <a14:imgEffect>
+                      <a14:brightnessContrast bright="-20000"/>
+                    </a14:imgEffect>
+                  </a14:imgLayer>
+                </a14:imgProps>
+              </a:ext>
+            </a:extLst>
           </a:blip>
-          <a:srcRect/>
-          <a:stretch>
-            <a:fillRect/>
-          </a:stretch>
+          <a:srcRect t="12067" b="11794"/>
+          <a:stretch/>
         </p:blipFill>
         <p:spPr bwMode="auto">
           <a:xfrm>
-            <a:off x="-357222" y="-500090"/>
-            <a:ext cx="9501222" cy="8006316"/>
+            <a:off x="3419872" y="332656"/>
+            <a:ext cx="5401339" cy="6096000"/>
           </a:xfrm>
           <a:prstGeom prst="rect">
             <a:avLst/>
           </a:prstGeom>
-          <a:noFill/>
-          <a:ln w="9525">
-            <a:noFill/>
-            <a:miter lim="800000"/>
+          <a:ln>
             <a:headEnd/>
             <a:tailEnd/>
           </a:ln>
         </p:spPr>
+        <p:style>
+          <a:lnRef idx="2">
+            <a:schemeClr val="accent1"/>
+          </a:lnRef>
+          <a:fillRef idx="1">
+            <a:schemeClr val="lt1"/>
+          </a:fillRef>
+          <a:effectRef idx="0">
+            <a:schemeClr val="accent1"/>
+          </a:effectRef>
+          <a:fontRef idx="minor">
+            <a:schemeClr val="dk1"/>
+          </a:fontRef>
+        </p:style>
       </p:pic>
       <p:sp>
         <p:nvSpPr>
@@ -16362,24 +16375,31 @@
         </p:nvSpPr>
         <p:spPr bwMode="auto">
           <a:xfrm>
-            <a:off x="214282" y="928670"/>
+            <a:off x="539552" y="1340768"/>
             <a:ext cx="2214578" cy="3631763"/>
           </a:xfrm>
           <a:prstGeom prst="rect">
             <a:avLst/>
           </a:prstGeom>
-          <a:solidFill>
-            <a:srgbClr val="FFFFFF"/>
-          </a:solidFill>
-          <a:ln w="9525">
-            <a:solidFill>
-              <a:srgbClr val="FFFFFF"/>
-            </a:solidFill>
-            <a:miter lim="800000"/>
+          <a:ln>
             <a:headEnd/>
             <a:tailEnd/>
           </a:ln>
         </p:spPr>
+        <p:style>
+          <a:lnRef idx="1">
+            <a:schemeClr val="dk1"/>
+          </a:lnRef>
+          <a:fillRef idx="2">
+            <a:schemeClr val="dk1"/>
+          </a:fillRef>
+          <a:effectRef idx="1">
+            <a:schemeClr val="dk1"/>
+          </a:effectRef>
+          <a:fontRef idx="minor">
+            <a:schemeClr val="dk1"/>
+          </a:fontRef>
+        </p:style>
         <p:txBody>
           <a:bodyPr vert="horz" wrap="square" lIns="91440" tIns="45720" rIns="91440" bIns="45720" numCol="1" anchor="t" anchorCtr="0" compatLnSpc="1">
             <a:prstTxWarp prst="textNoShape">
@@ -16402,7 +16422,7 @@
                   <a:noFill/>
                 </a:ln>
                 <a:solidFill>
-                  <a:srgbClr val="FF0000"/>
+                  <a:srgbClr xmlns:mc="http://schemas.openxmlformats.org/markup-compatibility/2006" xmlns:a14="http://schemas.microsoft.com/office/drawing/2010/main" val="FF0000" mc:Ignorable=""/>
                 </a:solidFill>
                 <a:effectLst/>
                 <a:latin typeface="Calibri" pitchFamily="34" charset="0"/>
@@ -16415,7 +16435,7 @@
                 <a:noFill/>
               </a:ln>
               <a:solidFill>
-                <a:srgbClr val="FF0000"/>
+                <a:srgbClr xmlns:mc="http://schemas.openxmlformats.org/markup-compatibility/2006" xmlns:a14="http://schemas.microsoft.com/office/drawing/2010/main" val="FF0000" mc:Ignorable=""/>
               </a:solidFill>
               <a:effectLst/>
               <a:latin typeface="Times New Roman" pitchFamily="18" charset="0"/>
@@ -16445,7 +16465,7 @@
                   <a:noFill/>
                 </a:ln>
                 <a:solidFill>
-                  <a:srgbClr val="00B050"/>
+                  <a:srgbClr xmlns:mc="http://schemas.openxmlformats.org/markup-compatibility/2006" xmlns:a14="http://schemas.microsoft.com/office/drawing/2010/main" val="00B050" mc:Ignorable=""/>
                 </a:solidFill>
                 <a:effectLst/>
                 <a:latin typeface="Calibri" pitchFamily="34" charset="0"/>
@@ -16459,7 +16479,7 @@
                   <a:noFill/>
                 </a:ln>
                 <a:solidFill>
-                  <a:srgbClr val="00B050"/>
+                  <a:srgbClr xmlns:mc="http://schemas.openxmlformats.org/markup-compatibility/2006" xmlns:a14="http://schemas.microsoft.com/office/drawing/2010/main" val="00B050" mc:Ignorable=""/>
                 </a:solidFill>
                 <a:effectLst/>
                 <a:latin typeface="Calibri" pitchFamily="34" charset="0"/>
@@ -16472,7 +16492,7 @@
                 <a:noFill/>
               </a:ln>
               <a:solidFill>
-                <a:srgbClr val="FF0000"/>
+                <a:srgbClr xmlns:mc="http://schemas.openxmlformats.org/markup-compatibility/2006" xmlns:a14="http://schemas.microsoft.com/office/drawing/2010/main" val="FF0000" mc:Ignorable=""/>
               </a:solidFill>
               <a:effectLst/>
               <a:latin typeface="Times New Roman" pitchFamily="18" charset="0"/>
@@ -16502,7 +16522,7 @@
                   <a:noFill/>
                 </a:ln>
                 <a:solidFill>
-                  <a:srgbClr val="4F81BD"/>
+                  <a:srgbClr xmlns:mc="http://schemas.openxmlformats.org/markup-compatibility/2006" xmlns:a14="http://schemas.microsoft.com/office/drawing/2010/main" val="4F81BD" mc:Ignorable=""/>
                 </a:solidFill>
                 <a:effectLst/>
                 <a:latin typeface="Calibri" pitchFamily="34" charset="0"/>
@@ -16534,7 +16554,7 @@
                   <a:noFill/>
                 </a:ln>
                 <a:solidFill>
-                  <a:srgbClr val="4C0026"/>
+                  <a:srgbClr xmlns:mc="http://schemas.openxmlformats.org/markup-compatibility/2006" xmlns:a14="http://schemas.microsoft.com/office/drawing/2010/main" val="4C0026" mc:Ignorable=""/>
                 </a:solidFill>
                 <a:effectLst/>
                 <a:latin typeface="Calibri" pitchFamily="34" charset="0"/>
@@ -16566,7 +16586,7 @@
                   <a:noFill/>
                 </a:ln>
                 <a:solidFill>
-                  <a:srgbClr val="FFBF00"/>
+                  <a:srgbClr xmlns:mc="http://schemas.openxmlformats.org/markup-compatibility/2006" xmlns:a14="http://schemas.microsoft.com/office/drawing/2010/main" val="FFBF00" mc:Ignorable=""/>
                 </a:solidFill>
                 <a:effectLst/>
                 <a:latin typeface="Calibri" pitchFamily="34" charset="0"/>
@@ -16598,7 +16618,7 @@
                   <a:noFill/>
                 </a:ln>
                 <a:solidFill>
-                  <a:srgbClr val="00FFBF"/>
+                  <a:srgbClr xmlns:mc="http://schemas.openxmlformats.org/markup-compatibility/2006" xmlns:a14="http://schemas.microsoft.com/office/drawing/2010/main" val="00FFBF" mc:Ignorable=""/>
                 </a:solidFill>
                 <a:effectLst/>
                 <a:latin typeface="Calibri" pitchFamily="34" charset="0"/>
@@ -16611,7 +16631,7 @@
                 <a:noFill/>
               </a:ln>
               <a:solidFill>
-                <a:srgbClr val="00FFBF"/>
+                <a:srgbClr xmlns:mc="http://schemas.openxmlformats.org/markup-compatibility/2006" xmlns:a14="http://schemas.microsoft.com/office/drawing/2010/main" val="00FFBF" mc:Ignorable=""/>
               </a:solidFill>
               <a:effectLst/>
               <a:latin typeface="Times New Roman" pitchFamily="18" charset="0"/>
@@ -16641,7 +16661,7 @@
                   <a:noFill/>
                 </a:ln>
                 <a:solidFill>
-                  <a:srgbClr val="CCCC00"/>
+                  <a:srgbClr xmlns:mc="http://schemas.openxmlformats.org/markup-compatibility/2006" xmlns:a14="http://schemas.microsoft.com/office/drawing/2010/main" val="CCCC00" mc:Ignorable=""/>
                 </a:solidFill>
                 <a:effectLst/>
                 <a:latin typeface="Calibri" pitchFamily="34" charset="0"/>
@@ -16654,7 +16674,7 @@
                 <a:noFill/>
               </a:ln>
               <a:solidFill>
-                <a:srgbClr val="00FFBF"/>
+                <a:srgbClr xmlns:mc="http://schemas.openxmlformats.org/markup-compatibility/2006" xmlns:a14="http://schemas.microsoft.com/office/drawing/2010/main" val="00FFBF" mc:Ignorable=""/>
               </a:solidFill>
               <a:effectLst/>
               <a:latin typeface="Times New Roman" pitchFamily="18" charset="0"/>
@@ -16684,7 +16704,7 @@
                   <a:noFill/>
                 </a:ln>
                 <a:solidFill>
-                  <a:srgbClr val="FF00FF"/>
+                  <a:srgbClr xmlns:mc="http://schemas.openxmlformats.org/markup-compatibility/2006" xmlns:a14="http://schemas.microsoft.com/office/drawing/2010/main" val="FF00FF" mc:Ignorable=""/>
                 </a:solidFill>
                 <a:effectLst/>
                 <a:latin typeface="Calibri" pitchFamily="34" charset="0"/>
@@ -16697,7 +16717,7 @@
                 <a:noFill/>
               </a:ln>
               <a:solidFill>
-                <a:srgbClr val="00FFBF"/>
+                <a:srgbClr xmlns:mc="http://schemas.openxmlformats.org/markup-compatibility/2006" xmlns:a14="http://schemas.microsoft.com/office/drawing/2010/main" val="00FFBF" mc:Ignorable=""/>
               </a:solidFill>
               <a:effectLst/>
               <a:latin typeface="Times New Roman" pitchFamily="18" charset="0"/>
@@ -16727,7 +16747,7 @@
                   <a:noFill/>
                 </a:ln>
                 <a:solidFill>
-                  <a:srgbClr val="004C00"/>
+                  <a:srgbClr xmlns:mc="http://schemas.openxmlformats.org/markup-compatibility/2006" xmlns:a14="http://schemas.microsoft.com/office/drawing/2010/main" val="004C00" mc:Ignorable=""/>
                 </a:solidFill>
                 <a:effectLst/>
                 <a:latin typeface="Calibri" pitchFamily="34" charset="0"/>
@@ -16740,7 +16760,7 @@
                 <a:noFill/>
               </a:ln>
               <a:solidFill>
-                <a:srgbClr val="00FFBF"/>
+                <a:srgbClr xmlns:mc="http://schemas.openxmlformats.org/markup-compatibility/2006" xmlns:a14="http://schemas.microsoft.com/office/drawing/2010/main" val="00FFBF" mc:Ignorable=""/>
               </a:solidFill>
               <a:effectLst/>
               <a:latin typeface="Times New Roman" pitchFamily="18" charset="0"/>
@@ -16770,7 +16790,7 @@
                   <a:noFill/>
                 </a:ln>
                 <a:solidFill>
-                  <a:srgbClr val="943634"/>
+                  <a:srgbClr xmlns:mc="http://schemas.openxmlformats.org/markup-compatibility/2006" xmlns:a14="http://schemas.microsoft.com/office/drawing/2010/main" val="943634" mc:Ignorable=""/>
                 </a:solidFill>
                 <a:effectLst/>
                 <a:latin typeface="Calibri" pitchFamily="34" charset="0"/>
@@ -16783,7 +16803,7 @@
                 <a:noFill/>
               </a:ln>
               <a:solidFill>
-                <a:srgbClr val="00FFBF"/>
+                <a:srgbClr xmlns:mc="http://schemas.openxmlformats.org/markup-compatibility/2006" xmlns:a14="http://schemas.microsoft.com/office/drawing/2010/main" val="00FFBF" mc:Ignorable=""/>
               </a:solidFill>
               <a:effectLst/>
               <a:latin typeface="Times New Roman" pitchFamily="18" charset="0"/>
@@ -16813,7 +16833,7 @@
                   <a:noFill/>
                 </a:ln>
                 <a:solidFill>
-                  <a:srgbClr val="E36C0A"/>
+                  <a:srgbClr xmlns:mc="http://schemas.openxmlformats.org/markup-compatibility/2006" xmlns:a14="http://schemas.microsoft.com/office/drawing/2010/main" val="E36C0A" mc:Ignorable=""/>
                 </a:solidFill>
                 <a:effectLst/>
                 <a:latin typeface="Calibri" pitchFamily="34" charset="0"/>
@@ -16845,7 +16865,7 @@
                   <a:noFill/>
                 </a:ln>
                 <a:solidFill>
-                  <a:srgbClr val="996633"/>
+                  <a:srgbClr xmlns:mc="http://schemas.openxmlformats.org/markup-compatibility/2006" xmlns:a14="http://schemas.microsoft.com/office/drawing/2010/main" val="996633" mc:Ignorable=""/>
                 </a:solidFill>
                 <a:effectLst/>
                 <a:latin typeface="Calibri" pitchFamily="34" charset="0"/>
@@ -16858,7 +16878,7 @@
                 <a:noFill/>
               </a:ln>
               <a:solidFill>
-                <a:srgbClr val="E36C0A"/>
+                <a:srgbClr xmlns:mc="http://schemas.openxmlformats.org/markup-compatibility/2006" xmlns:a14="http://schemas.microsoft.com/office/drawing/2010/main" val="E36C0A" mc:Ignorable=""/>
               </a:solidFill>
               <a:effectLst/>
               <a:latin typeface="Times New Roman" pitchFamily="18" charset="0"/>
@@ -16888,7 +16908,7 @@
                   <a:noFill/>
                 </a:ln>
                 <a:solidFill>
-                  <a:srgbClr val="848484"/>
+                  <a:srgbClr xmlns:mc="http://schemas.openxmlformats.org/markup-compatibility/2006" xmlns:a14="http://schemas.microsoft.com/office/drawing/2010/main" val="848484" mc:Ignorable=""/>
                 </a:solidFill>
                 <a:effectLst/>
                 <a:latin typeface="Calibri" pitchFamily="34" charset="0"/>
@@ -16901,7 +16921,7 @@
                 <a:noFill/>
               </a:ln>
               <a:solidFill>
-                <a:srgbClr val="848484"/>
+                <a:srgbClr xmlns:mc="http://schemas.openxmlformats.org/markup-compatibility/2006" xmlns:a14="http://schemas.microsoft.com/office/drawing/2010/main" val="848484" mc:Ignorable=""/>
               </a:solidFill>
               <a:effectLst/>
               <a:latin typeface="Times New Roman" pitchFamily="18" charset="0"/>
@@ -16931,7 +16951,7 @@
                   <a:noFill/>
                 </a:ln>
                 <a:solidFill>
-                  <a:srgbClr val="FF0000"/>
+                  <a:srgbClr xmlns:mc="http://schemas.openxmlformats.org/markup-compatibility/2006" xmlns:a14="http://schemas.microsoft.com/office/drawing/2010/main" val="FF0000" mc:Ignorable=""/>
                 </a:solidFill>
                 <a:effectLst/>
                 <a:latin typeface="Calibri" pitchFamily="34" charset="0"/>
@@ -16961,7 +16981,7 @@
   <p:timing>
     <p:tnLst>
       <p:par>
-        <p:cTn id="1" dur="indefinite" restart="never" nodeType="tmRoot"/>
+        <p:cTn xmlns:p14="http://schemas.microsoft.com/office/powerpoint/2010/main" id="1" dur="indefinite" restart="never" nodeType="tmRoot"/>
       </p:par>
     </p:tnLst>
   </p:timing>
@@ -17219,7 +17239,7 @@
             </a:prstGeom>
             <a:ln w="19050">
               <a:solidFill>
-                <a:srgbClr val="C00000"/>
+                <a:srgbClr xmlns:mc="http://schemas.openxmlformats.org/markup-compatibility/2006" xmlns:a14="http://schemas.microsoft.com/office/drawing/2010/main" val="C00000" mc:Ignorable=""/>
               </a:solidFill>
             </a:ln>
           </p:spPr>
@@ -17254,7 +17274,7 @@
             </a:prstGeom>
             <a:ln w="12700">
               <a:solidFill>
-                <a:srgbClr val="C00000"/>
+                <a:srgbClr xmlns:mc="http://schemas.openxmlformats.org/markup-compatibility/2006" xmlns:a14="http://schemas.microsoft.com/office/drawing/2010/main" val="C00000" mc:Ignorable=""/>
               </a:solidFill>
             </a:ln>
           </p:spPr>
@@ -17299,15 +17319,7 @@
             <a:pPr algn="ctr"/>
             <a:r>
               <a:rPr lang="es-ES" sz="3000" dirty="0" smtClean="0"/>
-              <a:t>¿S.I</a:t>
-            </a:r>
-            <a:r>
-              <a:rPr lang="es-ES" sz="3000" dirty="0" smtClean="0"/>
-              <a:t>.</a:t>
-            </a:r>
-            <a:r>
-              <a:rPr lang="es-ES" sz="3000" dirty="0" smtClean="0"/>
-              <a:t>?</a:t>
+              <a:t>¿S.I.?</a:t>
             </a:r>
             <a:endParaRPr lang="es-ES" sz="3000" dirty="0"/>
           </a:p>
@@ -17321,7 +17333,7 @@
   <p:timing>
     <p:tnLst>
       <p:par>
-        <p:cTn id="1" dur="indefinite" restart="never" nodeType="tmRoot"/>
+        <p:cTn xmlns:p14="http://schemas.microsoft.com/office/powerpoint/2010/main" id="1" dur="indefinite" restart="never" nodeType="tmRoot"/>
       </p:par>
     </p:tnLst>
   </p:timing>
@@ -17401,23 +17413,7 @@
             </a:pPr>
             <a:r>
               <a:rPr lang="es-ES" sz="2700" dirty="0" smtClean="0"/>
-              <a:t> No </a:t>
-            </a:r>
-            <a:r>
-              <a:rPr lang="es-ES" sz="2700" dirty="0" smtClean="0"/>
-              <a:t>se tiene un registro consistente de la cantidad de </a:t>
-            </a:r>
-            <a:r>
-              <a:rPr lang="es-ES" sz="2700" dirty="0" smtClean="0"/>
-              <a:t>productos </a:t>
-            </a:r>
-            <a:r>
-              <a:rPr lang="es-ES" sz="2700" dirty="0" smtClean="0"/>
-              <a:t>terminados en el </a:t>
-            </a:r>
-            <a:r>
-              <a:rPr lang="es-ES" sz="2700" dirty="0" smtClean="0"/>
-              <a:t>depósito </a:t>
+              <a:t> No se tiene un registro consistente de la cantidad de productos terminados en el depósito </a:t>
             </a:r>
           </a:p>
           <a:p>
@@ -17430,19 +17426,7 @@
             </a:pPr>
             <a:r>
               <a:rPr lang="es-ES" sz="2700" dirty="0" smtClean="0"/>
-              <a:t> </a:t>
-            </a:r>
-            <a:r>
-              <a:rPr lang="es-ES" sz="2700" dirty="0" smtClean="0"/>
-              <a:t>Hay </a:t>
-            </a:r>
-            <a:r>
-              <a:rPr lang="es-ES" sz="2700" dirty="0" smtClean="0"/>
-              <a:t>escaza comunicación entre los vendedores y el área de </a:t>
-            </a:r>
-            <a:r>
-              <a:rPr lang="es-ES" sz="2700" dirty="0" smtClean="0"/>
-              <a:t>producción</a:t>
+              <a:t> Hay escaza comunicación entre los vendedores y el área de producción</a:t>
             </a:r>
           </a:p>
           <a:p>
@@ -17459,15 +17443,7 @@
             </a:pPr>
             <a:r>
               <a:rPr lang="es-ES" sz="2700" dirty="0" smtClean="0"/>
-              <a:t> No </a:t>
-            </a:r>
-            <a:r>
-              <a:rPr lang="es-ES" sz="2700" dirty="0" smtClean="0"/>
-              <a:t>existen registros sobre los pedidos </a:t>
-            </a:r>
-            <a:r>
-              <a:rPr lang="es-ES" sz="2700" dirty="0" smtClean="0"/>
-              <a:t>realizados</a:t>
+              <a:t> No existen registros sobre los pedidos realizados</a:t>
             </a:r>
           </a:p>
           <a:p>
@@ -17484,15 +17460,7 @@
             </a:pPr>
             <a:r>
               <a:rPr lang="es-ES" sz="2700" dirty="0" smtClean="0"/>
-              <a:t> No </a:t>
-            </a:r>
-            <a:r>
-              <a:rPr lang="es-ES" sz="2700" dirty="0" smtClean="0"/>
-              <a:t>se cuenta con un registro de las ventas y compras realizadas por la </a:t>
-            </a:r>
-            <a:r>
-              <a:rPr lang="es-ES" sz="2700" dirty="0" smtClean="0"/>
-              <a:t>empresa</a:t>
+              <a:t> No se cuenta con un registro de las ventas y compras realizadas por la empresa</a:t>
             </a:r>
           </a:p>
           <a:p>
@@ -17509,15 +17477,7 @@
             </a:pPr>
             <a:r>
               <a:rPr lang="es-ES" sz="2700" dirty="0" smtClean="0"/>
-              <a:t> Resulta </a:t>
-            </a:r>
-            <a:r>
-              <a:rPr lang="es-ES" sz="2700" dirty="0" smtClean="0"/>
-              <a:t>imposible generar </a:t>
-            </a:r>
-            <a:r>
-              <a:rPr lang="es-ES" sz="2700" dirty="0" smtClean="0"/>
-              <a:t>proyecciones</a:t>
+              <a:t> Resulta imposible generar proyecciones</a:t>
             </a:r>
           </a:p>
         </p:txBody>
@@ -17530,7 +17490,7 @@
   <p:timing>
     <p:tnLst>
       <p:par>
-        <p:cTn id="1" dur="indefinite" restart="never" nodeType="tmRoot"/>
+        <p:cTn xmlns:p14="http://schemas.microsoft.com/office/powerpoint/2010/main" id="1" dur="indefinite" restart="never" nodeType="tmRoot"/>
       </p:par>
     </p:tnLst>
   </p:timing>
@@ -17688,11 +17648,7 @@
             </a:pPr>
             <a:r>
               <a:rPr lang="es-ES" sz="2700" dirty="0" smtClean="0"/>
-              <a:t> </a:t>
-            </a:r>
-            <a:r>
-              <a:rPr lang="es-ES" sz="2700" dirty="0" smtClean="0"/>
-              <a:t>Viajantes</a:t>
+              <a:t> Viajantes</a:t>
             </a:r>
           </a:p>
           <a:p>
@@ -17740,7 +17696,7 @@
   <p:timing>
     <p:tnLst>
       <p:par>
-        <p:cTn id="1" dur="indefinite" restart="never" nodeType="tmRoot"/>
+        <p:cTn xmlns:p14="http://schemas.microsoft.com/office/powerpoint/2010/main" id="1" dur="indefinite" restart="never" nodeType="tmRoot"/>
       </p:par>
     </p:tnLst>
   </p:timing>
@@ -17909,11 +17865,7 @@
             </a:pPr>
             <a:r>
               <a:rPr lang="es-ES" sz="2700" dirty="0" smtClean="0"/>
-              <a:t> </a:t>
-            </a:r>
-            <a:r>
-              <a:rPr lang="es-ES" sz="2700" dirty="0" smtClean="0"/>
-              <a:t>Protocolo de Seguridad</a:t>
+              <a:t> Protocolo de Seguridad</a:t>
             </a:r>
           </a:p>
           <a:p>
@@ -17961,7 +17913,7 @@
   <p:timing>
     <p:tnLst>
       <p:par>
-        <p:cTn id="1" dur="indefinite" restart="never" nodeType="tmRoot"/>
+        <p:cTn xmlns:p14="http://schemas.microsoft.com/office/powerpoint/2010/main" id="1" dur="indefinite" restart="never" nodeType="tmRoot"/>
       </p:par>
     </p:tnLst>
   </p:timing>
@@ -18076,7 +18028,7 @@
   <p:timing>
     <p:tnLst>
       <p:par>
-        <p:cTn id="1" dur="indefinite" restart="never" nodeType="tmRoot"/>
+        <p:cTn xmlns:p14="http://schemas.microsoft.com/office/powerpoint/2010/main" id="1" dur="indefinite" restart="never" nodeType="tmRoot"/>
       </p:par>
     </p:tnLst>
   </p:timing>
@@ -18153,7 +18105,7 @@
               <a:rPr kumimoji="0" lang="es-ES" sz="7000" b="0" i="0" u="none" strike="noStrike" kern="1200" cap="none" spc="0" normalizeH="0" baseline="0" noProof="0" dirty="0" smtClean="0">
                 <a:ln>
                   <a:solidFill>
-                    <a:srgbClr val="FF0000"/>
+                    <a:srgbClr xmlns:mc="http://schemas.openxmlformats.org/markup-compatibility/2006" xmlns:a14="http://schemas.microsoft.com/office/drawing/2010/main" val="FF0000" mc:Ignorable=""/>
                   </a:solidFill>
                 </a:ln>
                 <a:solidFill>
@@ -18191,7 +18143,7 @@
               <a:rPr lang="es-ES" sz="3000" dirty="0" smtClean="0">
                 <a:ln>
                   <a:solidFill>
-                    <a:srgbClr val="FF0000"/>
+                    <a:srgbClr xmlns:mc="http://schemas.openxmlformats.org/markup-compatibility/2006" xmlns:a14="http://schemas.microsoft.com/office/drawing/2010/main" val="FF0000" mc:Ignorable=""/>
                   </a:solidFill>
                 </a:ln>
                 <a:latin typeface="+mj-lt"/>
@@ -18204,7 +18156,7 @@
               <a:rPr lang="es-ES" sz="3000" dirty="0" err="1" smtClean="0">
                 <a:ln>
                   <a:solidFill>
-                    <a:srgbClr val="FF0000"/>
+                    <a:srgbClr xmlns:mc="http://schemas.openxmlformats.org/markup-compatibility/2006" xmlns:a14="http://schemas.microsoft.com/office/drawing/2010/main" val="FF0000" mc:Ignorable=""/>
                   </a:solidFill>
                 </a:ln>
                 <a:latin typeface="+mj-lt"/>
@@ -18217,7 +18169,7 @@
               <a:rPr lang="es-ES" sz="3000" dirty="0" smtClean="0">
                 <a:ln>
                   <a:solidFill>
-                    <a:srgbClr val="FF0000"/>
+                    <a:srgbClr xmlns:mc="http://schemas.openxmlformats.org/markup-compatibility/2006" xmlns:a14="http://schemas.microsoft.com/office/drawing/2010/main" val="FF0000" mc:Ignorable=""/>
                   </a:solidFill>
                 </a:ln>
                 <a:latin typeface="+mj-lt"/>
@@ -18229,7 +18181,7 @@
             <a:endParaRPr kumimoji="0" lang="es-ES" sz="3000" b="0" i="0" u="none" strike="noStrike" kern="1200" cap="none" spc="0" normalizeH="0" baseline="0" noProof="0" dirty="0">
               <a:ln>
                 <a:solidFill>
-                  <a:srgbClr val="FF0000"/>
+                  <a:srgbClr xmlns:mc="http://schemas.openxmlformats.org/markup-compatibility/2006" xmlns:a14="http://schemas.microsoft.com/office/drawing/2010/main" val="FF0000" mc:Ignorable=""/>
                 </a:solidFill>
               </a:ln>
               <a:solidFill>
@@ -18283,7 +18235,7 @@
   <p:timing>
     <p:tnLst>
       <p:par>
-        <p:cTn id="1" dur="indefinite" restart="never" nodeType="tmRoot"/>
+        <p:cTn xmlns:p14="http://schemas.microsoft.com/office/powerpoint/2010/main" id="1" dur="indefinite" restart="never" nodeType="tmRoot"/>
       </p:par>
     </p:tnLst>
   </p:timing>
@@ -18775,7 +18727,7 @@
   <p:timing>
     <p:tnLst>
       <p:par>
-        <p:cTn id="1" dur="indefinite" restart="never" nodeType="tmRoot">
+        <p:cTn xmlns:p14="http://schemas.microsoft.com/office/powerpoint/2010/main" id="1" dur="indefinite" restart="never" nodeType="tmRoot">
           <p:childTnLst>
             <p:seq concurrent="1" nextAc="seek">
               <p:cTn id="2" dur="indefinite" nodeType="mainSeq">
@@ -19528,11 +19480,7 @@
           <a:p>
             <a:r>
               <a:rPr lang="es-ES" sz="3000" b="1" i="1" dirty="0" smtClean="0"/>
-              <a:t>“Procesar </a:t>
-            </a:r>
-            <a:r>
-              <a:rPr lang="es-ES" sz="3000" b="1" i="1" dirty="0" smtClean="0"/>
-              <a:t>y brindar </a:t>
+              <a:t>“Procesar y brindar </a:t>
             </a:r>
             <a:r>
               <a:rPr lang="es-ES" sz="2500" i="1" dirty="0" smtClean="0"/>
@@ -19541,7 +19489,7 @@
             <a:r>
               <a:rPr lang="es-ES" sz="2500" b="1" i="1" dirty="0" smtClean="0">
                 <a:solidFill>
-                  <a:srgbClr val="FF0000"/>
+                  <a:srgbClr xmlns:mc="http://schemas.openxmlformats.org/markup-compatibility/2006" xmlns:a14="http://schemas.microsoft.com/office/drawing/2010/main" val="FF0000" mc:Ignorable=""/>
                 </a:solidFill>
               </a:rPr>
               <a:t>gestión de pedidos</a:t>
@@ -19553,7 +19501,7 @@
             <a:r>
               <a:rPr lang="es-ES" sz="2500" b="1" i="1" dirty="0" smtClean="0">
                 <a:solidFill>
-                  <a:srgbClr val="FF0000"/>
+                  <a:srgbClr xmlns:mc="http://schemas.openxmlformats.org/markup-compatibility/2006" xmlns:a14="http://schemas.microsoft.com/office/drawing/2010/main" val="FF0000" mc:Ignorable=""/>
                 </a:solidFill>
               </a:rPr>
               <a:t>distribución</a:t>
@@ -19565,24 +19513,19 @@
             <a:r>
               <a:rPr lang="es-ES" sz="2500" b="1" i="1" dirty="0" smtClean="0">
                 <a:solidFill>
-                  <a:srgbClr val="FF0000"/>
+                  <a:srgbClr xmlns:mc="http://schemas.openxmlformats.org/markup-compatibility/2006" xmlns:a14="http://schemas.microsoft.com/office/drawing/2010/main" val="FF0000" mc:Ignorable=""/>
                 </a:solidFill>
               </a:rPr>
               <a:t>cobro</a:t>
             </a:r>
             <a:r>
               <a:rPr lang="es-ES" sz="2500" i="1" dirty="0" smtClean="0"/>
-              <a:t> de los mismos</a:t>
-            </a:r>
-            <a:r>
-              <a:rPr lang="es-ES" sz="2500" i="1" dirty="0" smtClean="0"/>
-              <a:t>.</a:t>
+              <a:t> de los mismos.</a:t>
             </a:r>
             <a:r>
               <a:rPr lang="es-ES" sz="3000" b="1" i="1" dirty="0" smtClean="0"/>
               <a:t>”</a:t>
             </a:r>
-            <a:endParaRPr lang="es-ES" sz="3000" b="1" i="1" dirty="0" smtClean="0"/>
           </a:p>
           <a:p>
             <a:endParaRPr lang="es-ES" sz="2500" dirty="0"/>
@@ -19597,7 +19540,7 @@
   <p:timing>
     <p:tnLst>
       <p:par>
-        <p:cTn id="1" dur="indefinite" restart="never" nodeType="tmRoot"/>
+        <p:cTn xmlns:p14="http://schemas.microsoft.com/office/powerpoint/2010/main" id="1" dur="indefinite" restart="never" nodeType="tmRoot"/>
       </p:par>
     </p:tnLst>
   </p:timing>
@@ -19668,11 +19611,7 @@
           <a:p>
             <a:r>
               <a:rPr lang="es-ES" sz="3000" b="1" i="1" dirty="0" smtClean="0"/>
-              <a:t>“</a:t>
-            </a:r>
-            <a:r>
-              <a:rPr lang="es-ES" sz="3000" b="1" i="1" dirty="0" smtClean="0"/>
-              <a:t>Desde </a:t>
+              <a:t>“Desde </a:t>
             </a:r>
             <a:r>
               <a:rPr lang="es-ES" sz="2500" i="1" dirty="0" smtClean="0"/>
@@ -19681,7 +19620,7 @@
             <a:r>
               <a:rPr lang="es-ES" sz="2500" b="1" i="1" dirty="0" smtClean="0">
                 <a:solidFill>
-                  <a:srgbClr val="FF0000"/>
+                  <a:srgbClr xmlns:mc="http://schemas.openxmlformats.org/markup-compatibility/2006" xmlns:a14="http://schemas.microsoft.com/office/drawing/2010/main" val="FF0000" mc:Ignorable=""/>
                 </a:solidFill>
               </a:rPr>
               <a:t>pedido de insumos</a:t>
@@ -19701,24 +19640,19 @@
             <a:r>
               <a:rPr lang="es-ES" sz="2500" b="1" i="1" dirty="0" smtClean="0">
                 <a:solidFill>
-                  <a:srgbClr val="FF0000"/>
+                  <a:srgbClr xmlns:mc="http://schemas.openxmlformats.org/markup-compatibility/2006" xmlns:a14="http://schemas.microsoft.com/office/drawing/2010/main" val="FF0000" mc:Ignorable=""/>
                 </a:solidFill>
               </a:rPr>
               <a:t>cobro</a:t>
             </a:r>
             <a:r>
               <a:rPr lang="es-ES" sz="2500" i="1" dirty="0" smtClean="0"/>
-              <a:t> de los pedido del </a:t>
-            </a:r>
-            <a:r>
-              <a:rPr lang="es-ES" sz="2500" i="1" dirty="0" smtClean="0"/>
-              <a:t>cliente.</a:t>
+              <a:t> de los pedido del cliente.</a:t>
             </a:r>
             <a:r>
               <a:rPr lang="es-ES" sz="3000" b="1" i="1" dirty="0" smtClean="0"/>
               <a:t>”</a:t>
             </a:r>
-            <a:endParaRPr lang="es-ES" sz="3000" b="1" i="1" dirty="0" smtClean="0"/>
           </a:p>
           <a:p>
             <a:endParaRPr lang="es-ES" sz="2500" dirty="0"/>
@@ -19733,7 +19667,7 @@
   <p:timing>
     <p:tnLst>
       <p:par>
-        <p:cTn id="1" dur="indefinite" restart="never" nodeType="tmRoot"/>
+        <p:cTn xmlns:p14="http://schemas.microsoft.com/office/powerpoint/2010/main" id="1" dur="indefinite" restart="never" nodeType="tmRoot"/>
       </p:par>
     </p:tnLst>
   </p:timing>
@@ -19882,11 +19816,7 @@
             </a:pPr>
             <a:r>
               <a:rPr lang="es-ES" sz="2700" dirty="0" smtClean="0"/>
-              <a:t> </a:t>
-            </a:r>
-            <a:r>
-              <a:rPr lang="es-ES" sz="2700" dirty="0" smtClean="0"/>
-              <a:t>Productos</a:t>
+              <a:t> Productos</a:t>
             </a:r>
           </a:p>
           <a:p>
@@ -19950,11 +19880,7 @@
             </a:pPr>
             <a:r>
               <a:rPr lang="es-ES" sz="2700" dirty="0" smtClean="0"/>
-              <a:t> </a:t>
-            </a:r>
-            <a:r>
-              <a:rPr lang="es-ES" sz="2700" dirty="0" smtClean="0"/>
-              <a:t>Informes Operativos</a:t>
+              <a:t> Informes Operativos</a:t>
             </a:r>
             <a:endParaRPr lang="es-ES" sz="2700" dirty="0"/>
           </a:p>
@@ -19968,7 +19894,7 @@
   <p:timing>
     <p:tnLst>
       <p:par>
-        <p:cTn id="1" dur="indefinite" restart="never" nodeType="tmRoot"/>
+        <p:cTn xmlns:p14="http://schemas.microsoft.com/office/powerpoint/2010/main" id="1" dur="indefinite" restart="never" nodeType="tmRoot"/>
       </p:par>
     </p:tnLst>
   </p:timing>
@@ -20051,32 +19977,12 @@
             </a:r>
             <a:r>
               <a:rPr lang="es-AR" sz="2500" dirty="0" smtClean="0"/>
-              <a:t>características </a:t>
-            </a:r>
-            <a:r>
-              <a:rPr lang="es-AR" sz="2500" dirty="0" smtClean="0"/>
-              <a:t>técnicas del hardware y software necesario para la implementación del </a:t>
-            </a:r>
-            <a:r>
-              <a:rPr lang="es-AR" sz="2500" dirty="0" smtClean="0"/>
-              <a:t>SI </a:t>
-            </a:r>
-            <a:r>
-              <a:rPr lang="es-AR" sz="2500" dirty="0" smtClean="0"/>
-              <a:t>propuesto </a:t>
-            </a:r>
-            <a:r>
-              <a:rPr lang="es-AR" sz="2500" dirty="0" smtClean="0"/>
-              <a:t>están cubiertas </a:t>
-            </a:r>
-            <a:r>
-              <a:rPr lang="es-AR" sz="2500" dirty="0" smtClean="0"/>
-              <a:t>por los </a:t>
+              <a:t>características técnicas del hardware y software necesario para la implementación del SI propuesto están cubiertas por los </a:t>
             </a:r>
             <a:r>
               <a:rPr lang="es-AR" sz="2500" b="1" dirty="0" smtClean="0">
                 <a:solidFill>
-                  <a:srgbClr val="FF0000"/>
+                  <a:srgbClr xmlns:mc="http://schemas.openxmlformats.org/markup-compatibility/2006" xmlns:a14="http://schemas.microsoft.com/office/drawing/2010/main" val="FF0000" mc:Ignorable=""/>
                 </a:solidFill>
               </a:rPr>
               <a:t>recursos tecnológicos </a:t>
@@ -20088,7 +19994,7 @@
             <a:r>
               <a:rPr lang="es-AR" sz="2500" b="1" dirty="0" smtClean="0">
                 <a:solidFill>
-                  <a:srgbClr val="FF0000"/>
+                  <a:srgbClr xmlns:mc="http://schemas.openxmlformats.org/markup-compatibility/2006" xmlns:a14="http://schemas.microsoft.com/office/drawing/2010/main" val="FF0000" mc:Ignorable=""/>
                 </a:solidFill>
               </a:rPr>
               <a:t>mercado actual</a:t>
@@ -20136,29 +20042,20 @@
             </a:r>
             <a:r>
               <a:rPr lang="es-ES" sz="2500" dirty="0" smtClean="0"/>
-              <a:t>ya que la </a:t>
-            </a:r>
-            <a:r>
-              <a:rPr lang="es-ES" sz="2500" dirty="0" smtClean="0"/>
-              <a:t>inversión es justificada por las </a:t>
+              <a:t>ya que la inversión es justificada por las </a:t>
             </a:r>
             <a:r>
               <a:rPr lang="es-ES" sz="2500" b="1" dirty="0" smtClean="0">
                 <a:solidFill>
-                  <a:srgbClr val="FF0000"/>
+                  <a:srgbClr xmlns:mc="http://schemas.openxmlformats.org/markup-compatibility/2006" xmlns:a14="http://schemas.microsoft.com/office/drawing/2010/main" val="FF0000" mc:Ignorable=""/>
                 </a:solidFill>
               </a:rPr>
               <a:t>ganancias</a:t>
             </a:r>
             <a:r>
               <a:rPr lang="es-ES" sz="2500" dirty="0" smtClean="0"/>
-              <a:t> que genera</a:t>
-            </a:r>
-            <a:r>
-              <a:rPr lang="es-ES" sz="2500" dirty="0" smtClean="0"/>
-              <a:t>.</a:t>
-            </a:r>
-            <a:endParaRPr lang="es-ES" sz="2500" dirty="0" smtClean="0"/>
+              <a:t> que genera.</a:t>
+            </a:r>
           </a:p>
           <a:p>
             <a:endParaRPr lang="es-ES" sz="2500" dirty="0"/>
@@ -20197,16 +20094,12 @@
             </a:r>
             <a:r>
               <a:rPr lang="es-ES" sz="2500" dirty="0" smtClean="0"/>
-              <a:t>ya que </a:t>
-            </a:r>
-            <a:r>
-              <a:rPr lang="es-ES" sz="2500" dirty="0" smtClean="0"/>
-              <a:t>la implementación de este proyecto podrá realizarse en  </a:t>
+              <a:t>ya que la implementación de este proyecto podrá realizarse en  </a:t>
             </a:r>
             <a:r>
               <a:rPr lang="es-ES" sz="2500" b="1" dirty="0" smtClean="0">
                 <a:solidFill>
-                  <a:srgbClr val="FF0000"/>
+                  <a:srgbClr xmlns:mc="http://schemas.openxmlformats.org/markup-compatibility/2006" xmlns:a14="http://schemas.microsoft.com/office/drawing/2010/main" val="FF0000" mc:Ignorable=""/>
                 </a:solidFill>
               </a:rPr>
               <a:t>cualquier momento</a:t>
@@ -20218,18 +20111,14 @@
             <a:r>
               <a:rPr lang="es-ES" sz="2500" b="1" dirty="0" smtClean="0">
                 <a:solidFill>
-                  <a:srgbClr val="FF0000"/>
+                  <a:srgbClr xmlns:mc="http://schemas.openxmlformats.org/markup-compatibility/2006" xmlns:a14="http://schemas.microsoft.com/office/drawing/2010/main" val="FF0000" mc:Ignorable=""/>
                 </a:solidFill>
               </a:rPr>
               <a:t>bajo impacto</a:t>
             </a:r>
             <a:r>
               <a:rPr lang="es-ES" sz="2500" dirty="0" smtClean="0"/>
-              <a:t> en las tareas normales del sistema de trabajo actual</a:t>
-            </a:r>
-            <a:r>
-              <a:rPr lang="es-ES" sz="2500" dirty="0" smtClean="0"/>
-              <a:t>.</a:t>
+              <a:t> en las tareas normales del sistema de trabajo actual.</a:t>
             </a:r>
             <a:endParaRPr lang="es-ES" sz="2500" dirty="0"/>
           </a:p>
@@ -20243,7 +20132,7 @@
   <p:timing>
     <p:tnLst>
       <p:par>
-        <p:cTn id="1" dur="indefinite" restart="never" nodeType="tmRoot">
+        <p:cTn xmlns:p14="http://schemas.microsoft.com/office/powerpoint/2010/main" id="1" dur="indefinite" restart="never" nodeType="tmRoot">
           <p:childTnLst>
             <p:seq concurrent="1" nextAc="seek">
               <p:cTn id="2" dur="indefinite" nodeType="mainSeq">
@@ -20520,7 +20409,7 @@
             </a:avLst>
           </a:prstGeom>
           <a:solidFill>
-            <a:srgbClr val="FFFFFF">
+            <a:srgbClr xmlns:mc="http://schemas.openxmlformats.org/markup-compatibility/2006" xmlns:a14="http://schemas.microsoft.com/office/drawing/2010/main" val="FFFFFF" mc:Ignorable="">
               <a:shade val="85000"/>
             </a:srgbClr>
           </a:solidFill>
@@ -20600,7 +20489,7 @@
             <a:r>
               <a:rPr lang="es-ES" sz="2500" b="1" i="1" dirty="0" smtClean="0">
                 <a:solidFill>
-                  <a:srgbClr val="FF0000"/>
+                  <a:srgbClr xmlns:mc="http://schemas.openxmlformats.org/markup-compatibility/2006" xmlns:a14="http://schemas.microsoft.com/office/drawing/2010/main" val="FF0000" mc:Ignorable=""/>
                 </a:solidFill>
               </a:rPr>
               <a:t>viable</a:t>
@@ -20612,7 +20501,7 @@
             <a:r>
               <a:rPr lang="es-ES" sz="2500" b="1" i="1" dirty="0" smtClean="0">
                 <a:solidFill>
-                  <a:srgbClr val="FF0000"/>
+                  <a:srgbClr xmlns:mc="http://schemas.openxmlformats.org/markup-compatibility/2006" xmlns:a14="http://schemas.microsoft.com/office/drawing/2010/main" val="FF0000" mc:Ignorable=""/>
                 </a:solidFill>
               </a:rPr>
               <a:t>desarrollo planificado</a:t>
@@ -20624,18 +20513,14 @@
             <a:r>
               <a:rPr lang="es-ES" sz="2500" b="1" i="1" dirty="0" smtClean="0">
                 <a:solidFill>
-                  <a:srgbClr val="FF0000"/>
+                  <a:srgbClr xmlns:mc="http://schemas.openxmlformats.org/markup-compatibility/2006" xmlns:a14="http://schemas.microsoft.com/office/drawing/2010/main" val="FF0000" mc:Ignorable=""/>
                 </a:solidFill>
               </a:rPr>
               <a:t>trabajar en equipo </a:t>
             </a:r>
             <a:r>
               <a:rPr lang="es-ES" sz="2500" i="1" dirty="0" smtClean="0"/>
-              <a:t>dentro de un proyecto real</a:t>
-            </a:r>
-            <a:r>
-              <a:rPr lang="es-ES" sz="2500" i="1" dirty="0" smtClean="0"/>
-              <a:t>.</a:t>
+              <a:t>dentro de un proyecto real.</a:t>
             </a:r>
             <a:r>
               <a:rPr lang="es-ES" sz="3000" b="1" i="1" dirty="0" smtClean="0"/>
@@ -20653,7 +20538,7 @@
   <p:timing>
     <p:tnLst>
       <p:par>
-        <p:cTn id="1" dur="indefinite" restart="never" nodeType="tmRoot"/>
+        <p:cTn xmlns:p14="http://schemas.microsoft.com/office/powerpoint/2010/main" id="1" dur="indefinite" restart="never" nodeType="tmRoot"/>
       </p:par>
     </p:tnLst>
   </p:timing>
@@ -21647,7 +21532,7 @@
   <p:timing>
     <p:tnLst>
       <p:par>
-        <p:cTn id="1" dur="indefinite" restart="never" nodeType="tmRoot"/>
+        <p:cTn xmlns:p14="http://schemas.microsoft.com/office/powerpoint/2010/main" id="1" dur="indefinite" restart="never" nodeType="tmRoot"/>
       </p:par>
     </p:tnLst>
   </p:timing>
@@ -21758,7 +21643,7 @@
             <a:r>
               <a:rPr lang="es-ES" sz="2700" b="1" i="1" dirty="0" smtClean="0">
                 <a:solidFill>
-                  <a:srgbClr val="FF0000"/>
+                  <a:srgbClr xmlns:mc="http://schemas.openxmlformats.org/markup-compatibility/2006" xmlns:a14="http://schemas.microsoft.com/office/drawing/2010/main" val="FF0000" mc:Ignorable=""/>
                 </a:solidFill>
                 <a:latin typeface="+mj-lt"/>
               </a:rPr>
@@ -21781,7 +21666,7 @@
             <a:r>
               <a:rPr lang="es-ES" sz="2700" b="1" i="1" dirty="0" smtClean="0">
                 <a:solidFill>
-                  <a:srgbClr val="FF0000"/>
+                  <a:srgbClr xmlns:mc="http://schemas.openxmlformats.org/markup-compatibility/2006" xmlns:a14="http://schemas.microsoft.com/office/drawing/2010/main" val="FF0000" mc:Ignorable=""/>
                 </a:solidFill>
                 <a:latin typeface="+mj-lt"/>
               </a:rPr>
@@ -21790,7 +21675,7 @@
             <a:r>
               <a:rPr lang="es-ES" sz="2700" b="1" i="1" dirty="0">
                 <a:solidFill>
-                  <a:srgbClr val="FF0000"/>
+                  <a:srgbClr xmlns:mc="http://schemas.openxmlformats.org/markup-compatibility/2006" xmlns:a14="http://schemas.microsoft.com/office/drawing/2010/main" val="FF0000" mc:Ignorable=""/>
                 </a:solidFill>
                 <a:latin typeface="+mj-lt"/>
               </a:rPr>
@@ -21799,7 +21684,7 @@
             <a:r>
               <a:rPr lang="es-ES" sz="2700" b="1" i="1" dirty="0" smtClean="0">
                 <a:solidFill>
-                  <a:srgbClr val="FF0000"/>
+                  <a:srgbClr xmlns:mc="http://schemas.openxmlformats.org/markup-compatibility/2006" xmlns:a14="http://schemas.microsoft.com/office/drawing/2010/main" val="FF0000" mc:Ignorable=""/>
                 </a:solidFill>
                 <a:latin typeface="+mj-lt"/>
               </a:rPr>
@@ -21825,7 +21710,7 @@
   <p:timing>
     <p:tnLst>
       <p:par>
-        <p:cTn id="1" dur="indefinite" restart="never" nodeType="tmRoot"/>
+        <p:cTn xmlns:p14="http://schemas.microsoft.com/office/powerpoint/2010/main" id="1" dur="indefinite" restart="never" nodeType="tmRoot"/>
       </p:par>
     </p:tnLst>
   </p:timing>
@@ -21915,10 +21800,10 @@
             <a:gradFill rotWithShape="1">
               <a:gsLst>
                 <a:gs pos="0">
-                  <a:srgbClr val="808080"/>
+                  <a:srgbClr xmlns:mc="http://schemas.openxmlformats.org/markup-compatibility/2006" xmlns:a14="http://schemas.microsoft.com/office/drawing/2010/main" val="808080" mc:Ignorable=""/>
                 </a:gs>
                 <a:gs pos="100000">
-                  <a:srgbClr val="808080">
+                  <a:srgbClr xmlns:mc="http://schemas.openxmlformats.org/markup-compatibility/2006" xmlns:a14="http://schemas.microsoft.com/office/drawing/2010/main" val="808080" mc:Ignorable="">
                     <a:gamma/>
                     <a:tint val="15294"/>
                     <a:invGamma/>
@@ -21962,14 +21847,14 @@
             <a:gradFill rotWithShape="1">
               <a:gsLst>
                 <a:gs pos="0">
-                  <a:srgbClr val="5F5F5F">
+                  <a:srgbClr xmlns:mc="http://schemas.openxmlformats.org/markup-compatibility/2006" xmlns:a14="http://schemas.microsoft.com/office/drawing/2010/main" val="5F5F5F" mc:Ignorable="">
                     <a:gamma/>
                     <a:tint val="30196"/>
                     <a:invGamma/>
                   </a:srgbClr>
                 </a:gs>
                 <a:gs pos="100000">
-                  <a:srgbClr val="5F5F5F"/>
+                  <a:srgbClr xmlns:mc="http://schemas.openxmlformats.org/markup-compatibility/2006" xmlns:a14="http://schemas.microsoft.com/office/drawing/2010/main" val="5F5F5F" mc:Ignorable=""/>
                 </a:gs>
               </a:gsLst>
               <a:lin ang="5400000" scaled="1"/>
@@ -22158,7 +22043,7 @@
                   </a:pathLst>
                 </a:custGeom>
                 <a:solidFill>
-                  <a:srgbClr val="608788"/>
+                  <a:srgbClr xmlns:mc="http://schemas.openxmlformats.org/markup-compatibility/2006" xmlns:a14="http://schemas.microsoft.com/office/drawing/2010/main" val="608788" mc:Ignorable=""/>
                 </a:solidFill>
                 <a:ln w="0">
                   <a:noFill/>
@@ -22377,7 +22262,7 @@
                   </a:pathLst>
                 </a:custGeom>
                 <a:solidFill>
-                  <a:srgbClr val="FFFFFF">
+                  <a:srgbClr xmlns:mc="http://schemas.openxmlformats.org/markup-compatibility/2006" xmlns:a14="http://schemas.microsoft.com/office/drawing/2010/main" val="FFFFFF" mc:Ignorable="">
                     <a:alpha val="49001"/>
                   </a:srgbClr>
                 </a:solidFill>
@@ -22433,17 +22318,17 @@
                 <a:gradFill rotWithShape="1">
                   <a:gsLst>
                     <a:gs pos="0">
-                      <a:srgbClr val="83A6A7">
+                      <a:srgbClr xmlns:mc="http://schemas.openxmlformats.org/markup-compatibility/2006" xmlns:a14="http://schemas.microsoft.com/office/drawing/2010/main" val="83A6A7" mc:Ignorable="">
                         <a:gamma/>
                         <a:tint val="0"/>
                         <a:invGamma/>
                       </a:srgbClr>
                     </a:gs>
                     <a:gs pos="50000">
-                      <a:srgbClr val="83A6A7"/>
+                      <a:srgbClr xmlns:mc="http://schemas.openxmlformats.org/markup-compatibility/2006" xmlns:a14="http://schemas.microsoft.com/office/drawing/2010/main" val="83A6A7" mc:Ignorable=""/>
                     </a:gs>
                     <a:gs pos="100000">
-                      <a:srgbClr val="83A6A7">
+                      <a:srgbClr xmlns:mc="http://schemas.openxmlformats.org/markup-compatibility/2006" xmlns:a14="http://schemas.microsoft.com/office/drawing/2010/main" val="83A6A7" mc:Ignorable="">
                         <a:gamma/>
                         <a:tint val="0"/>
                         <a:invGamma/>
@@ -22489,12 +22374,12 @@
                 <a:gradFill rotWithShape="1">
                   <a:gsLst>
                     <a:gs pos="0">
-                      <a:srgbClr val="83A6A7">
+                      <a:srgbClr xmlns:mc="http://schemas.openxmlformats.org/markup-compatibility/2006" xmlns:a14="http://schemas.microsoft.com/office/drawing/2010/main" val="83A6A7" mc:Ignorable="">
                         <a:alpha val="32001"/>
                       </a:srgbClr>
                     </a:gs>
                     <a:gs pos="100000">
-                      <a:srgbClr val="83A6A7">
+                      <a:srgbClr xmlns:mc="http://schemas.openxmlformats.org/markup-compatibility/2006" xmlns:a14="http://schemas.microsoft.com/office/drawing/2010/main" val="83A6A7" mc:Ignorable="">
                         <a:gamma/>
                         <a:shade val="0"/>
                         <a:invGamma/>
@@ -22541,17 +22426,17 @@
                 <a:gradFill rotWithShape="1">
                   <a:gsLst>
                     <a:gs pos="0">
-                      <a:srgbClr val="83A6A7">
+                      <a:srgbClr xmlns:mc="http://schemas.openxmlformats.org/markup-compatibility/2006" xmlns:a14="http://schemas.microsoft.com/office/drawing/2010/main" val="83A6A7" mc:Ignorable="">
                         <a:gamma/>
                         <a:shade val="54118"/>
                         <a:invGamma/>
                       </a:srgbClr>
                     </a:gs>
                     <a:gs pos="50000">
-                      <a:srgbClr val="83A6A7"/>
+                      <a:srgbClr xmlns:mc="http://schemas.openxmlformats.org/markup-compatibility/2006" xmlns:a14="http://schemas.microsoft.com/office/drawing/2010/main" val="83A6A7" mc:Ignorable=""/>
                     </a:gs>
                     <a:gs pos="100000">
-                      <a:srgbClr val="83A6A7">
+                      <a:srgbClr xmlns:mc="http://schemas.openxmlformats.org/markup-compatibility/2006" xmlns:a14="http://schemas.microsoft.com/office/drawing/2010/main" val="83A6A7" mc:Ignorable="">
                         <a:gamma/>
                         <a:shade val="54118"/>
                         <a:invGamma/>
@@ -22597,14 +22482,14 @@
                 <a:gradFill rotWithShape="1">
                   <a:gsLst>
                     <a:gs pos="0">
-                      <a:srgbClr val="83A6A7">
+                      <a:srgbClr xmlns:mc="http://schemas.openxmlformats.org/markup-compatibility/2006" xmlns:a14="http://schemas.microsoft.com/office/drawing/2010/main" val="83A6A7" mc:Ignorable="">
                         <a:gamma/>
                         <a:shade val="63529"/>
                         <a:invGamma/>
                       </a:srgbClr>
                     </a:gs>
                     <a:gs pos="100000">
-                      <a:srgbClr val="83A6A7">
+                      <a:srgbClr xmlns:mc="http://schemas.openxmlformats.org/markup-compatibility/2006" xmlns:a14="http://schemas.microsoft.com/office/drawing/2010/main" val="83A6A7" mc:Ignorable="">
                         <a:alpha val="0"/>
                       </a:srgbClr>
                     </a:gs>
@@ -22646,7 +22531,7 @@
                   <a:avLst/>
                 </a:prstGeom>
                 <a:solidFill>
-                  <a:srgbClr val="000000"/>
+                  <a:srgbClr xmlns:mc="http://schemas.openxmlformats.org/markup-compatibility/2006" xmlns:a14="http://schemas.microsoft.com/office/drawing/2010/main" val="000000" mc:Ignorable=""/>
                 </a:solidFill>
                 <a:ln w="38100" algn="ctr">
                   <a:noFill/>
@@ -22701,14 +22586,14 @@
                   <a:gradFill rotWithShape="1">
                     <a:gsLst>
                       <a:gs pos="0">
-                        <a:srgbClr val="D6E1E2">
+                        <a:srgbClr xmlns:mc="http://schemas.openxmlformats.org/markup-compatibility/2006" xmlns:a14="http://schemas.microsoft.com/office/drawing/2010/main" val="D6E1E2" mc:Ignorable="">
                           <a:gamma/>
                           <a:shade val="46275"/>
                           <a:invGamma/>
                         </a:srgbClr>
                       </a:gs>
                       <a:gs pos="100000">
-                        <a:srgbClr val="D6E1E2"/>
+                        <a:srgbClr xmlns:mc="http://schemas.openxmlformats.org/markup-compatibility/2006" xmlns:a14="http://schemas.microsoft.com/office/drawing/2010/main" val="D6E1E2" mc:Ignorable=""/>
                       </a:gs>
                     </a:gsLst>
                     <a:lin ang="5400000" scaled="1"/>
@@ -22748,12 +22633,12 @@
                   <a:gradFill rotWithShape="1">
                     <a:gsLst>
                       <a:gs pos="0">
-                        <a:srgbClr val="D6E1E2">
+                        <a:srgbClr xmlns:mc="http://schemas.openxmlformats.org/markup-compatibility/2006" xmlns:a14="http://schemas.microsoft.com/office/drawing/2010/main" val="D6E1E2" mc:Ignorable="">
                           <a:alpha val="0"/>
                         </a:srgbClr>
                       </a:gs>
                       <a:gs pos="100000">
-                        <a:srgbClr val="D6E1E2">
+                        <a:srgbClr xmlns:mc="http://schemas.openxmlformats.org/markup-compatibility/2006" xmlns:a14="http://schemas.microsoft.com/office/drawing/2010/main" val="D6E1E2" mc:Ignorable="">
                           <a:gamma/>
                           <a:tint val="34902"/>
                           <a:invGamma/>
@@ -22797,14 +22682,14 @@
                   <a:gradFill rotWithShape="1">
                     <a:gsLst>
                       <a:gs pos="0">
-                        <a:srgbClr val="D6E1E2">
+                        <a:srgbClr xmlns:mc="http://schemas.openxmlformats.org/markup-compatibility/2006" xmlns:a14="http://schemas.microsoft.com/office/drawing/2010/main" val="D6E1E2" mc:Ignorable="">
                           <a:gamma/>
                           <a:shade val="79216"/>
                           <a:invGamma/>
                         </a:srgbClr>
                       </a:gs>
                       <a:gs pos="100000">
-                        <a:srgbClr val="D6E1E2">
+                        <a:srgbClr xmlns:mc="http://schemas.openxmlformats.org/markup-compatibility/2006" xmlns:a14="http://schemas.microsoft.com/office/drawing/2010/main" val="D6E1E2" mc:Ignorable="">
                           <a:alpha val="48000"/>
                         </a:srgbClr>
                       </a:gs>
@@ -22846,14 +22731,14 @@
                   <a:gradFill rotWithShape="1">
                     <a:gsLst>
                       <a:gs pos="0">
-                        <a:srgbClr val="D6E1E2">
+                        <a:srgbClr xmlns:mc="http://schemas.openxmlformats.org/markup-compatibility/2006" xmlns:a14="http://schemas.microsoft.com/office/drawing/2010/main" val="D6E1E2" mc:Ignorable="">
                           <a:gamma/>
                           <a:tint val="0"/>
                           <a:invGamma/>
                         </a:srgbClr>
                       </a:gs>
                       <a:gs pos="100000">
-                        <a:srgbClr val="D6E1E2">
+                        <a:srgbClr xmlns:mc="http://schemas.openxmlformats.org/markup-compatibility/2006" xmlns:a14="http://schemas.microsoft.com/office/drawing/2010/main" val="D6E1E2" mc:Ignorable="">
                           <a:alpha val="38000"/>
                         </a:srgbClr>
                       </a:gs>
@@ -23101,7 +22986,7 @@
                 </a:pathLst>
               </a:custGeom>
               <a:solidFill>
-                <a:srgbClr val="608788"/>
+                <a:srgbClr xmlns:mc="http://schemas.openxmlformats.org/markup-compatibility/2006" xmlns:a14="http://schemas.microsoft.com/office/drawing/2010/main" val="608788" mc:Ignorable=""/>
               </a:solidFill>
               <a:ln w="0">
                 <a:noFill/>
@@ -23320,7 +23205,7 @@
                 </a:pathLst>
               </a:custGeom>
               <a:solidFill>
-                <a:srgbClr val="FFFFFF">
+                <a:srgbClr xmlns:mc="http://schemas.openxmlformats.org/markup-compatibility/2006" xmlns:a14="http://schemas.microsoft.com/office/drawing/2010/main" val="FFFFFF" mc:Ignorable="">
                   <a:alpha val="49001"/>
                 </a:srgbClr>
               </a:solidFill>
@@ -23376,17 +23261,17 @@
               <a:gradFill rotWithShape="1">
                 <a:gsLst>
                   <a:gs pos="0">
-                    <a:srgbClr val="83A6A7">
+                    <a:srgbClr xmlns:mc="http://schemas.openxmlformats.org/markup-compatibility/2006" xmlns:a14="http://schemas.microsoft.com/office/drawing/2010/main" val="83A6A7" mc:Ignorable="">
                       <a:gamma/>
                       <a:tint val="0"/>
                       <a:invGamma/>
                     </a:srgbClr>
                   </a:gs>
                   <a:gs pos="50000">
-                    <a:srgbClr val="83A6A7"/>
+                    <a:srgbClr xmlns:mc="http://schemas.openxmlformats.org/markup-compatibility/2006" xmlns:a14="http://schemas.microsoft.com/office/drawing/2010/main" val="83A6A7" mc:Ignorable=""/>
                   </a:gs>
                   <a:gs pos="100000">
-                    <a:srgbClr val="83A6A7">
+                    <a:srgbClr xmlns:mc="http://schemas.openxmlformats.org/markup-compatibility/2006" xmlns:a14="http://schemas.microsoft.com/office/drawing/2010/main" val="83A6A7" mc:Ignorable="">
                       <a:gamma/>
                       <a:tint val="0"/>
                       <a:invGamma/>
@@ -23432,12 +23317,12 @@
               <a:gradFill rotWithShape="1">
                 <a:gsLst>
                   <a:gs pos="0">
-                    <a:srgbClr val="83A6A7">
+                    <a:srgbClr xmlns:mc="http://schemas.openxmlformats.org/markup-compatibility/2006" xmlns:a14="http://schemas.microsoft.com/office/drawing/2010/main" val="83A6A7" mc:Ignorable="">
                       <a:alpha val="32001"/>
                     </a:srgbClr>
                   </a:gs>
                   <a:gs pos="100000">
-                    <a:srgbClr val="83A6A7">
+                    <a:srgbClr xmlns:mc="http://schemas.openxmlformats.org/markup-compatibility/2006" xmlns:a14="http://schemas.microsoft.com/office/drawing/2010/main" val="83A6A7" mc:Ignorable="">
                       <a:gamma/>
                       <a:shade val="0"/>
                       <a:invGamma/>
@@ -23484,17 +23369,17 @@
               <a:gradFill rotWithShape="1">
                 <a:gsLst>
                   <a:gs pos="0">
-                    <a:srgbClr val="83A6A7">
+                    <a:srgbClr xmlns:mc="http://schemas.openxmlformats.org/markup-compatibility/2006" xmlns:a14="http://schemas.microsoft.com/office/drawing/2010/main" val="83A6A7" mc:Ignorable="">
                       <a:gamma/>
                       <a:shade val="54118"/>
                       <a:invGamma/>
                     </a:srgbClr>
                   </a:gs>
                   <a:gs pos="50000">
-                    <a:srgbClr val="83A6A7"/>
+                    <a:srgbClr xmlns:mc="http://schemas.openxmlformats.org/markup-compatibility/2006" xmlns:a14="http://schemas.microsoft.com/office/drawing/2010/main" val="83A6A7" mc:Ignorable=""/>
                   </a:gs>
                   <a:gs pos="100000">
-                    <a:srgbClr val="83A6A7">
+                    <a:srgbClr xmlns:mc="http://schemas.openxmlformats.org/markup-compatibility/2006" xmlns:a14="http://schemas.microsoft.com/office/drawing/2010/main" val="83A6A7" mc:Ignorable="">
                       <a:gamma/>
                       <a:shade val="54118"/>
                       <a:invGamma/>
@@ -23540,14 +23425,14 @@
               <a:gradFill rotWithShape="1">
                 <a:gsLst>
                   <a:gs pos="0">
-                    <a:srgbClr val="83A6A7">
+                    <a:srgbClr xmlns:mc="http://schemas.openxmlformats.org/markup-compatibility/2006" xmlns:a14="http://schemas.microsoft.com/office/drawing/2010/main" val="83A6A7" mc:Ignorable="">
                       <a:gamma/>
                       <a:shade val="63529"/>
                       <a:invGamma/>
                     </a:srgbClr>
                   </a:gs>
                   <a:gs pos="100000">
-                    <a:srgbClr val="83A6A7">
+                    <a:srgbClr xmlns:mc="http://schemas.openxmlformats.org/markup-compatibility/2006" xmlns:a14="http://schemas.microsoft.com/office/drawing/2010/main" val="83A6A7" mc:Ignorable="">
                       <a:alpha val="0"/>
                     </a:srgbClr>
                   </a:gs>
@@ -23589,7 +23474,7 @@
                 <a:avLst/>
               </a:prstGeom>
               <a:solidFill>
-                <a:srgbClr val="000000"/>
+                <a:srgbClr xmlns:mc="http://schemas.openxmlformats.org/markup-compatibility/2006" xmlns:a14="http://schemas.microsoft.com/office/drawing/2010/main" val="000000" mc:Ignorable=""/>
               </a:solidFill>
               <a:ln w="38100" algn="ctr">
                 <a:noFill/>
@@ -23644,14 +23529,14 @@
                 <a:gradFill rotWithShape="1">
                   <a:gsLst>
                     <a:gs pos="0">
-                      <a:srgbClr val="D6E1E2">
+                      <a:srgbClr xmlns:mc="http://schemas.openxmlformats.org/markup-compatibility/2006" xmlns:a14="http://schemas.microsoft.com/office/drawing/2010/main" val="D6E1E2" mc:Ignorable="">
                         <a:gamma/>
                         <a:shade val="46275"/>
                         <a:invGamma/>
                       </a:srgbClr>
                     </a:gs>
                     <a:gs pos="100000">
-                      <a:srgbClr val="D6E1E2"/>
+                      <a:srgbClr xmlns:mc="http://schemas.openxmlformats.org/markup-compatibility/2006" xmlns:a14="http://schemas.microsoft.com/office/drawing/2010/main" val="D6E1E2" mc:Ignorable=""/>
                     </a:gs>
                   </a:gsLst>
                   <a:lin ang="5400000" scaled="1"/>
@@ -23691,12 +23576,12 @@
                 <a:gradFill rotWithShape="1">
                   <a:gsLst>
                     <a:gs pos="0">
-                      <a:srgbClr val="D6E1E2">
+                      <a:srgbClr xmlns:mc="http://schemas.openxmlformats.org/markup-compatibility/2006" xmlns:a14="http://schemas.microsoft.com/office/drawing/2010/main" val="D6E1E2" mc:Ignorable="">
                         <a:alpha val="0"/>
                       </a:srgbClr>
                     </a:gs>
                     <a:gs pos="100000">
-                      <a:srgbClr val="D6E1E2">
+                      <a:srgbClr xmlns:mc="http://schemas.openxmlformats.org/markup-compatibility/2006" xmlns:a14="http://schemas.microsoft.com/office/drawing/2010/main" val="D6E1E2" mc:Ignorable="">
                         <a:gamma/>
                         <a:tint val="34902"/>
                         <a:invGamma/>
@@ -23740,14 +23625,14 @@
                 <a:gradFill rotWithShape="1">
                   <a:gsLst>
                     <a:gs pos="0">
-                      <a:srgbClr val="D6E1E2">
+                      <a:srgbClr xmlns:mc="http://schemas.openxmlformats.org/markup-compatibility/2006" xmlns:a14="http://schemas.microsoft.com/office/drawing/2010/main" val="D6E1E2" mc:Ignorable="">
                         <a:gamma/>
                         <a:shade val="79216"/>
                         <a:invGamma/>
                       </a:srgbClr>
                     </a:gs>
                     <a:gs pos="100000">
-                      <a:srgbClr val="D6E1E2">
+                      <a:srgbClr xmlns:mc="http://schemas.openxmlformats.org/markup-compatibility/2006" xmlns:a14="http://schemas.microsoft.com/office/drawing/2010/main" val="D6E1E2" mc:Ignorable="">
                         <a:alpha val="48000"/>
                       </a:srgbClr>
                     </a:gs>
@@ -23789,14 +23674,14 @@
                 <a:gradFill rotWithShape="1">
                   <a:gsLst>
                     <a:gs pos="0">
-                      <a:srgbClr val="D6E1E2">
+                      <a:srgbClr xmlns:mc="http://schemas.openxmlformats.org/markup-compatibility/2006" xmlns:a14="http://schemas.microsoft.com/office/drawing/2010/main" val="D6E1E2" mc:Ignorable="">
                         <a:gamma/>
                         <a:tint val="0"/>
                         <a:invGamma/>
                       </a:srgbClr>
                     </a:gs>
                     <a:gs pos="100000">
-                      <a:srgbClr val="D6E1E2">
+                      <a:srgbClr xmlns:mc="http://schemas.openxmlformats.org/markup-compatibility/2006" xmlns:a14="http://schemas.microsoft.com/office/drawing/2010/main" val="D6E1E2" mc:Ignorable="">
                         <a:alpha val="38000"/>
                       </a:srgbClr>
                     </a:gs>
@@ -24043,7 +23928,7 @@
                 </a:pathLst>
               </a:custGeom>
               <a:solidFill>
-                <a:srgbClr val="608788"/>
+                <a:srgbClr xmlns:mc="http://schemas.openxmlformats.org/markup-compatibility/2006" xmlns:a14="http://schemas.microsoft.com/office/drawing/2010/main" val="608788" mc:Ignorable=""/>
               </a:solidFill>
               <a:ln w="0">
                 <a:noFill/>
@@ -24262,7 +24147,7 @@
                 </a:pathLst>
               </a:custGeom>
               <a:solidFill>
-                <a:srgbClr val="FFFFFF">
+                <a:srgbClr xmlns:mc="http://schemas.openxmlformats.org/markup-compatibility/2006" xmlns:a14="http://schemas.microsoft.com/office/drawing/2010/main" val="FFFFFF" mc:Ignorable="">
                   <a:alpha val="49001"/>
                 </a:srgbClr>
               </a:solidFill>
@@ -24318,17 +24203,17 @@
               <a:gradFill rotWithShape="1">
                 <a:gsLst>
                   <a:gs pos="0">
-                    <a:srgbClr val="83A6A7">
+                    <a:srgbClr xmlns:mc="http://schemas.openxmlformats.org/markup-compatibility/2006" xmlns:a14="http://schemas.microsoft.com/office/drawing/2010/main" val="83A6A7" mc:Ignorable="">
                       <a:gamma/>
                       <a:tint val="0"/>
                       <a:invGamma/>
                     </a:srgbClr>
                   </a:gs>
                   <a:gs pos="50000">
-                    <a:srgbClr val="83A6A7"/>
+                    <a:srgbClr xmlns:mc="http://schemas.openxmlformats.org/markup-compatibility/2006" xmlns:a14="http://schemas.microsoft.com/office/drawing/2010/main" val="83A6A7" mc:Ignorable=""/>
                   </a:gs>
                   <a:gs pos="100000">
-                    <a:srgbClr val="83A6A7">
+                    <a:srgbClr xmlns:mc="http://schemas.openxmlformats.org/markup-compatibility/2006" xmlns:a14="http://schemas.microsoft.com/office/drawing/2010/main" val="83A6A7" mc:Ignorable="">
                       <a:gamma/>
                       <a:tint val="0"/>
                       <a:invGamma/>
@@ -24374,12 +24259,12 @@
               <a:gradFill rotWithShape="1">
                 <a:gsLst>
                   <a:gs pos="0">
-                    <a:srgbClr val="83A6A7">
+                    <a:srgbClr xmlns:mc="http://schemas.openxmlformats.org/markup-compatibility/2006" xmlns:a14="http://schemas.microsoft.com/office/drawing/2010/main" val="83A6A7" mc:Ignorable="">
                       <a:alpha val="32001"/>
                     </a:srgbClr>
                   </a:gs>
                   <a:gs pos="100000">
-                    <a:srgbClr val="83A6A7">
+                    <a:srgbClr xmlns:mc="http://schemas.openxmlformats.org/markup-compatibility/2006" xmlns:a14="http://schemas.microsoft.com/office/drawing/2010/main" val="83A6A7" mc:Ignorable="">
                       <a:gamma/>
                       <a:shade val="0"/>
                       <a:invGamma/>
@@ -24426,17 +24311,17 @@
               <a:gradFill rotWithShape="1">
                 <a:gsLst>
                   <a:gs pos="0">
-                    <a:srgbClr val="83A6A7">
+                    <a:srgbClr xmlns:mc="http://schemas.openxmlformats.org/markup-compatibility/2006" xmlns:a14="http://schemas.microsoft.com/office/drawing/2010/main" val="83A6A7" mc:Ignorable="">
                       <a:gamma/>
                       <a:shade val="54118"/>
                       <a:invGamma/>
                     </a:srgbClr>
                   </a:gs>
                   <a:gs pos="50000">
-                    <a:srgbClr val="83A6A7"/>
+                    <a:srgbClr xmlns:mc="http://schemas.openxmlformats.org/markup-compatibility/2006" xmlns:a14="http://schemas.microsoft.com/office/drawing/2010/main" val="83A6A7" mc:Ignorable=""/>
                   </a:gs>
                   <a:gs pos="100000">
-                    <a:srgbClr val="83A6A7">
+                    <a:srgbClr xmlns:mc="http://schemas.openxmlformats.org/markup-compatibility/2006" xmlns:a14="http://schemas.microsoft.com/office/drawing/2010/main" val="83A6A7" mc:Ignorable="">
                       <a:gamma/>
                       <a:shade val="54118"/>
                       <a:invGamma/>
@@ -24482,14 +24367,14 @@
               <a:gradFill rotWithShape="1">
                 <a:gsLst>
                   <a:gs pos="0">
-                    <a:srgbClr val="83A6A7">
+                    <a:srgbClr xmlns:mc="http://schemas.openxmlformats.org/markup-compatibility/2006" xmlns:a14="http://schemas.microsoft.com/office/drawing/2010/main" val="83A6A7" mc:Ignorable="">
                       <a:gamma/>
                       <a:shade val="63529"/>
                       <a:invGamma/>
                     </a:srgbClr>
                   </a:gs>
                   <a:gs pos="100000">
-                    <a:srgbClr val="83A6A7">
+                    <a:srgbClr xmlns:mc="http://schemas.openxmlformats.org/markup-compatibility/2006" xmlns:a14="http://schemas.microsoft.com/office/drawing/2010/main" val="83A6A7" mc:Ignorable="">
                       <a:alpha val="0"/>
                     </a:srgbClr>
                   </a:gs>
@@ -24531,7 +24416,7 @@
                 <a:avLst/>
               </a:prstGeom>
               <a:solidFill>
-                <a:srgbClr val="000000"/>
+                <a:srgbClr xmlns:mc="http://schemas.openxmlformats.org/markup-compatibility/2006" xmlns:a14="http://schemas.microsoft.com/office/drawing/2010/main" val="000000" mc:Ignorable=""/>
               </a:solidFill>
               <a:ln w="38100" algn="ctr">
                 <a:noFill/>
@@ -24586,14 +24471,14 @@
                 <a:gradFill rotWithShape="1">
                   <a:gsLst>
                     <a:gs pos="0">
-                      <a:srgbClr val="D6E1E2">
+                      <a:srgbClr xmlns:mc="http://schemas.openxmlformats.org/markup-compatibility/2006" xmlns:a14="http://schemas.microsoft.com/office/drawing/2010/main" val="D6E1E2" mc:Ignorable="">
                         <a:gamma/>
                         <a:shade val="46275"/>
                         <a:invGamma/>
                       </a:srgbClr>
                     </a:gs>
                     <a:gs pos="100000">
-                      <a:srgbClr val="D6E1E2"/>
+                      <a:srgbClr xmlns:mc="http://schemas.openxmlformats.org/markup-compatibility/2006" xmlns:a14="http://schemas.microsoft.com/office/drawing/2010/main" val="D6E1E2" mc:Ignorable=""/>
                     </a:gs>
                   </a:gsLst>
                   <a:lin ang="5400000" scaled="1"/>
@@ -24633,12 +24518,12 @@
                 <a:gradFill rotWithShape="1">
                   <a:gsLst>
                     <a:gs pos="0">
-                      <a:srgbClr val="D6E1E2">
+                      <a:srgbClr xmlns:mc="http://schemas.openxmlformats.org/markup-compatibility/2006" xmlns:a14="http://schemas.microsoft.com/office/drawing/2010/main" val="D6E1E2" mc:Ignorable="">
                         <a:alpha val="0"/>
                       </a:srgbClr>
                     </a:gs>
                     <a:gs pos="100000">
-                      <a:srgbClr val="D6E1E2">
+                      <a:srgbClr xmlns:mc="http://schemas.openxmlformats.org/markup-compatibility/2006" xmlns:a14="http://schemas.microsoft.com/office/drawing/2010/main" val="D6E1E2" mc:Ignorable="">
                         <a:gamma/>
                         <a:tint val="34902"/>
                         <a:invGamma/>
@@ -24682,14 +24567,14 @@
                 <a:gradFill rotWithShape="1">
                   <a:gsLst>
                     <a:gs pos="0">
-                      <a:srgbClr val="D6E1E2">
+                      <a:srgbClr xmlns:mc="http://schemas.openxmlformats.org/markup-compatibility/2006" xmlns:a14="http://schemas.microsoft.com/office/drawing/2010/main" val="D6E1E2" mc:Ignorable="">
                         <a:gamma/>
                         <a:shade val="79216"/>
                         <a:invGamma/>
                       </a:srgbClr>
                     </a:gs>
                     <a:gs pos="100000">
-                      <a:srgbClr val="D6E1E2">
+                      <a:srgbClr xmlns:mc="http://schemas.openxmlformats.org/markup-compatibility/2006" xmlns:a14="http://schemas.microsoft.com/office/drawing/2010/main" val="D6E1E2" mc:Ignorable="">
                         <a:alpha val="48000"/>
                       </a:srgbClr>
                     </a:gs>
@@ -24731,14 +24616,14 @@
                 <a:gradFill rotWithShape="1">
                   <a:gsLst>
                     <a:gs pos="0">
-                      <a:srgbClr val="D6E1E2">
+                      <a:srgbClr xmlns:mc="http://schemas.openxmlformats.org/markup-compatibility/2006" xmlns:a14="http://schemas.microsoft.com/office/drawing/2010/main" val="D6E1E2" mc:Ignorable="">
                         <a:gamma/>
                         <a:tint val="0"/>
                         <a:invGamma/>
                       </a:srgbClr>
                     </a:gs>
                     <a:gs pos="100000">
-                      <a:srgbClr val="D6E1E2">
+                      <a:srgbClr xmlns:mc="http://schemas.openxmlformats.org/markup-compatibility/2006" xmlns:a14="http://schemas.microsoft.com/office/drawing/2010/main" val="D6E1E2" mc:Ignorable="">
                         <a:alpha val="38000"/>
                       </a:srgbClr>
                     </a:gs>
@@ -24865,17 +24750,17 @@
             <a:gradFill rotWithShape="1">
               <a:gsLst>
                 <a:gs pos="0">
-                  <a:srgbClr val="3399FF">
+                  <a:srgbClr xmlns:mc="http://schemas.openxmlformats.org/markup-compatibility/2006" xmlns:a14="http://schemas.microsoft.com/office/drawing/2010/main" val="3399FF" mc:Ignorable="">
                     <a:gamma/>
                     <a:tint val="0"/>
                     <a:invGamma/>
                   </a:srgbClr>
                 </a:gs>
                 <a:gs pos="50000">
-                  <a:srgbClr val="3399FF"/>
+                  <a:srgbClr xmlns:mc="http://schemas.openxmlformats.org/markup-compatibility/2006" xmlns:a14="http://schemas.microsoft.com/office/drawing/2010/main" val="3399FF" mc:Ignorable=""/>
                 </a:gs>
                 <a:gs pos="100000">
-                  <a:srgbClr val="3399FF">
+                  <a:srgbClr xmlns:mc="http://schemas.openxmlformats.org/markup-compatibility/2006" xmlns:a14="http://schemas.microsoft.com/office/drawing/2010/main" val="3399FF" mc:Ignorable="">
                     <a:gamma/>
                     <a:tint val="0"/>
                     <a:invGamma/>
@@ -24921,12 +24806,12 @@
             <a:gradFill rotWithShape="1">
               <a:gsLst>
                 <a:gs pos="0">
-                  <a:srgbClr val="3399FF">
+                  <a:srgbClr xmlns:mc="http://schemas.openxmlformats.org/markup-compatibility/2006" xmlns:a14="http://schemas.microsoft.com/office/drawing/2010/main" val="3399FF" mc:Ignorable="">
                     <a:alpha val="32001"/>
                   </a:srgbClr>
                 </a:gs>
                 <a:gs pos="100000">
-                  <a:srgbClr val="3399FF">
+                  <a:srgbClr xmlns:mc="http://schemas.openxmlformats.org/markup-compatibility/2006" xmlns:a14="http://schemas.microsoft.com/office/drawing/2010/main" val="3399FF" mc:Ignorable="">
                     <a:gamma/>
                     <a:shade val="0"/>
                     <a:invGamma/>
@@ -24973,17 +24858,17 @@
             <a:gradFill rotWithShape="1">
               <a:gsLst>
                 <a:gs pos="0">
-                  <a:srgbClr val="3399FF">
+                  <a:srgbClr xmlns:mc="http://schemas.openxmlformats.org/markup-compatibility/2006" xmlns:a14="http://schemas.microsoft.com/office/drawing/2010/main" val="3399FF" mc:Ignorable="">
                     <a:gamma/>
                     <a:shade val="54118"/>
                     <a:invGamma/>
                   </a:srgbClr>
                 </a:gs>
                 <a:gs pos="50000">
-                  <a:srgbClr val="3399FF"/>
+                  <a:srgbClr xmlns:mc="http://schemas.openxmlformats.org/markup-compatibility/2006" xmlns:a14="http://schemas.microsoft.com/office/drawing/2010/main" val="3399FF" mc:Ignorable=""/>
                 </a:gs>
                 <a:gs pos="100000">
-                  <a:srgbClr val="3399FF">
+                  <a:srgbClr xmlns:mc="http://schemas.openxmlformats.org/markup-compatibility/2006" xmlns:a14="http://schemas.microsoft.com/office/drawing/2010/main" val="3399FF" mc:Ignorable="">
                     <a:gamma/>
                     <a:shade val="54118"/>
                     <a:invGamma/>
@@ -25029,14 +24914,14 @@
             <a:gradFill rotWithShape="1">
               <a:gsLst>
                 <a:gs pos="0">
-                  <a:srgbClr val="3399FF">
+                  <a:srgbClr xmlns:mc="http://schemas.openxmlformats.org/markup-compatibility/2006" xmlns:a14="http://schemas.microsoft.com/office/drawing/2010/main" val="3399FF" mc:Ignorable="">
                     <a:gamma/>
                     <a:shade val="63529"/>
                     <a:invGamma/>
                   </a:srgbClr>
                 </a:gs>
                 <a:gs pos="100000">
-                  <a:srgbClr val="3399FF">
+                  <a:srgbClr xmlns:mc="http://schemas.openxmlformats.org/markup-compatibility/2006" xmlns:a14="http://schemas.microsoft.com/office/drawing/2010/main" val="3399FF" mc:Ignorable="">
                     <a:alpha val="0"/>
                   </a:srgbClr>
                 </a:gs>
@@ -25078,7 +24963,7 @@
               <a:avLst/>
             </a:prstGeom>
             <a:solidFill>
-              <a:srgbClr val="000000"/>
+              <a:srgbClr xmlns:mc="http://schemas.openxmlformats.org/markup-compatibility/2006" xmlns:a14="http://schemas.microsoft.com/office/drawing/2010/main" val="000000" mc:Ignorable=""/>
             </a:solidFill>
             <a:ln w="38100" algn="ctr">
               <a:noFill/>
@@ -25251,7 +25136,7 @@
                   </a:pathLst>
                 </a:custGeom>
                 <a:solidFill>
-                  <a:srgbClr val="0066FF"/>
+                  <a:srgbClr xmlns:mc="http://schemas.openxmlformats.org/markup-compatibility/2006" xmlns:a14="http://schemas.microsoft.com/office/drawing/2010/main" val="0066FF" mc:Ignorable=""/>
                 </a:solidFill>
                 <a:ln w="0">
                   <a:noFill/>
@@ -25470,7 +25355,7 @@
                   </a:pathLst>
                 </a:custGeom>
                 <a:solidFill>
-                  <a:srgbClr val="FFFFFF">
+                  <a:srgbClr xmlns:mc="http://schemas.openxmlformats.org/markup-compatibility/2006" xmlns:a14="http://schemas.microsoft.com/office/drawing/2010/main" val="FFFFFF" mc:Ignorable="">
                     <a:alpha val="49001"/>
                   </a:srgbClr>
                 </a:solidFill>
@@ -25526,14 +25411,14 @@
                 <a:gradFill rotWithShape="1">
                   <a:gsLst>
                     <a:gs pos="0">
-                      <a:srgbClr val="D6E1E2">
+                      <a:srgbClr xmlns:mc="http://schemas.openxmlformats.org/markup-compatibility/2006" xmlns:a14="http://schemas.microsoft.com/office/drawing/2010/main" val="D6E1E2" mc:Ignorable="">
                         <a:gamma/>
                         <a:shade val="46275"/>
                         <a:invGamma/>
                       </a:srgbClr>
                     </a:gs>
                     <a:gs pos="100000">
-                      <a:srgbClr val="D6E1E2"/>
+                      <a:srgbClr xmlns:mc="http://schemas.openxmlformats.org/markup-compatibility/2006" xmlns:a14="http://schemas.microsoft.com/office/drawing/2010/main" val="D6E1E2" mc:Ignorable=""/>
                     </a:gs>
                   </a:gsLst>
                   <a:lin ang="5400000" scaled="1"/>
@@ -25573,12 +25458,12 @@
                 <a:gradFill rotWithShape="1">
                   <a:gsLst>
                     <a:gs pos="0">
-                      <a:srgbClr val="D6E1E2">
+                      <a:srgbClr xmlns:mc="http://schemas.openxmlformats.org/markup-compatibility/2006" xmlns:a14="http://schemas.microsoft.com/office/drawing/2010/main" val="D6E1E2" mc:Ignorable="">
                         <a:alpha val="0"/>
                       </a:srgbClr>
                     </a:gs>
                     <a:gs pos="100000">
-                      <a:srgbClr val="D6E1E2">
+                      <a:srgbClr xmlns:mc="http://schemas.openxmlformats.org/markup-compatibility/2006" xmlns:a14="http://schemas.microsoft.com/office/drawing/2010/main" val="D6E1E2" mc:Ignorable="">
                         <a:gamma/>
                         <a:tint val="34902"/>
                         <a:invGamma/>
@@ -25622,14 +25507,14 @@
                 <a:gradFill rotWithShape="1">
                   <a:gsLst>
                     <a:gs pos="0">
-                      <a:srgbClr val="D6E1E2">
+                      <a:srgbClr xmlns:mc="http://schemas.openxmlformats.org/markup-compatibility/2006" xmlns:a14="http://schemas.microsoft.com/office/drawing/2010/main" val="D6E1E2" mc:Ignorable="">
                         <a:gamma/>
                         <a:shade val="79216"/>
                         <a:invGamma/>
                       </a:srgbClr>
                     </a:gs>
                     <a:gs pos="100000">
-                      <a:srgbClr val="D6E1E2">
+                      <a:srgbClr xmlns:mc="http://schemas.openxmlformats.org/markup-compatibility/2006" xmlns:a14="http://schemas.microsoft.com/office/drawing/2010/main" val="D6E1E2" mc:Ignorable="">
                         <a:alpha val="48000"/>
                       </a:srgbClr>
                     </a:gs>
@@ -25671,14 +25556,14 @@
                 <a:gradFill rotWithShape="1">
                   <a:gsLst>
                     <a:gs pos="0">
-                      <a:srgbClr val="D6E1E2">
+                      <a:srgbClr xmlns:mc="http://schemas.openxmlformats.org/markup-compatibility/2006" xmlns:a14="http://schemas.microsoft.com/office/drawing/2010/main" val="D6E1E2" mc:Ignorable="">
                         <a:gamma/>
                         <a:tint val="0"/>
                         <a:invGamma/>
                       </a:srgbClr>
                     </a:gs>
                     <a:gs pos="100000">
-                      <a:srgbClr val="D6E1E2">
+                      <a:srgbClr xmlns:mc="http://schemas.openxmlformats.org/markup-compatibility/2006" xmlns:a14="http://schemas.microsoft.com/office/drawing/2010/main" val="D6E1E2" mc:Ignorable="">
                         <a:alpha val="38000"/>
                       </a:srgbClr>
                     </a:gs>
@@ -25764,7 +25649,7 @@
   <p:timing>
     <p:tnLst>
       <p:par>
-        <p:cTn id="1" dur="indefinite" restart="never" nodeType="tmRoot">
+        <p:cTn xmlns:p14="http://schemas.microsoft.com/office/powerpoint/2010/main" id="1" dur="indefinite" restart="never" nodeType="tmRoot">
           <p:childTnLst>
             <p:seq concurrent="1" nextAc="seek">
               <p:cTn id="2" dur="indefinite" nodeType="mainSeq">
@@ -26055,7 +25940,7 @@
             <a:r>
               <a:rPr lang="es-ES" sz="3000" dirty="0">
                 <a:solidFill>
-                  <a:srgbClr val="FF0000"/>
+                  <a:srgbClr xmlns:mc="http://schemas.openxmlformats.org/markup-compatibility/2006" xmlns:a14="http://schemas.microsoft.com/office/drawing/2010/main" val="FF0000" mc:Ignorable=""/>
                 </a:solidFill>
                 <a:latin typeface="+mj-lt"/>
               </a:rPr>
@@ -26064,7 +25949,7 @@
             <a:r>
               <a:rPr lang="es-ES" sz="3000" dirty="0" smtClean="0">
                 <a:solidFill>
-                  <a:srgbClr val="FF0000"/>
+                  <a:srgbClr xmlns:mc="http://schemas.openxmlformats.org/markup-compatibility/2006" xmlns:a14="http://schemas.microsoft.com/office/drawing/2010/main" val="FF0000" mc:Ignorable=""/>
                 </a:solidFill>
                 <a:latin typeface="+mj-lt"/>
               </a:rPr>
@@ -26100,7 +25985,7 @@
             <a:r>
               <a:rPr lang="es-ES" sz="3000" dirty="0">
                 <a:solidFill>
-                  <a:srgbClr val="FF0000"/>
+                  <a:srgbClr xmlns:mc="http://schemas.openxmlformats.org/markup-compatibility/2006" xmlns:a14="http://schemas.microsoft.com/office/drawing/2010/main" val="FF0000" mc:Ignorable=""/>
                 </a:solidFill>
                 <a:latin typeface="+mj-lt"/>
               </a:rPr>
@@ -26109,7 +25994,7 @@
             <a:r>
               <a:rPr lang="es-ES" sz="3000" dirty="0" smtClean="0">
                 <a:solidFill>
-                  <a:srgbClr val="FF0000"/>
+                  <a:srgbClr xmlns:mc="http://schemas.openxmlformats.org/markup-compatibility/2006" xmlns:a14="http://schemas.microsoft.com/office/drawing/2010/main" val="FF0000" mc:Ignorable=""/>
                 </a:solidFill>
                 <a:latin typeface="+mj-lt"/>
               </a:rPr>
@@ -26148,7 +26033,7 @@
             <a:r>
               <a:rPr lang="es-ES" sz="3000" dirty="0">
                 <a:solidFill>
-                  <a:srgbClr val="FF0000"/>
+                  <a:srgbClr xmlns:mc="http://schemas.openxmlformats.org/markup-compatibility/2006" xmlns:a14="http://schemas.microsoft.com/office/drawing/2010/main" val="FF0000" mc:Ignorable=""/>
                 </a:solidFill>
                 <a:latin typeface="+mj-lt"/>
               </a:rPr>
@@ -26157,7 +26042,7 @@
             <a:r>
               <a:rPr lang="es-ES" sz="3000" dirty="0" smtClean="0">
                 <a:solidFill>
-                  <a:srgbClr val="FF0000"/>
+                  <a:srgbClr xmlns:mc="http://schemas.openxmlformats.org/markup-compatibility/2006" xmlns:a14="http://schemas.microsoft.com/office/drawing/2010/main" val="FF0000" mc:Ignorable=""/>
                 </a:solidFill>
                 <a:latin typeface="+mj-lt"/>
               </a:rPr>
@@ -26174,7 +26059,7 @@
   <p:timing>
     <p:tnLst>
       <p:par>
-        <p:cTn id="1" dur="indefinite" restart="never" nodeType="tmRoot"/>
+        <p:cTn xmlns:p14="http://schemas.microsoft.com/office/powerpoint/2010/main" id="1" dur="indefinite" restart="never" nodeType="tmRoot"/>
       </p:par>
     </p:tnLst>
   </p:timing>
@@ -26234,7 +26119,7 @@
   <p:timing>
     <p:tnLst>
       <p:par>
-        <p:cTn id="1" dur="indefinite" restart="never" nodeType="tmRoot"/>
+        <p:cTn xmlns:p14="http://schemas.microsoft.com/office/powerpoint/2010/main" id="1" dur="indefinite" restart="never" nodeType="tmRoot"/>
       </p:par>
     </p:tnLst>
   </p:timing>
@@ -26262,7 +26147,13 @@
         <p:nvGraphicFramePr>
           <p:cNvPr id="4" name="3 Diagrama"/>
           <p:cNvGraphicFramePr/>
-          <p:nvPr/>
+          <p:nvPr>
+            <p:extLst>
+              <p:ext uri="{D42A27DB-BD31-4B8C-83A1-F6EECF244321}">
+                <p14:modId xmlns:p14="http://schemas.microsoft.com/office/powerpoint/2010/main" val="1502621170"/>
+              </p:ext>
+            </p:extLst>
+          </p:nvPr>
         </p:nvGraphicFramePr>
         <p:xfrm>
           <a:off x="357158" y="285728"/>
@@ -26282,7 +26173,7 @@
   <p:timing>
     <p:tnLst>
       <p:par>
-        <p:cTn id="1" dur="indefinite" restart="never" nodeType="tmRoot"/>
+        <p:cTn xmlns:p14="http://schemas.microsoft.com/office/powerpoint/2010/main" id="1" dur="indefinite" restart="never" nodeType="tmRoot"/>
       </p:par>
     </p:tnLst>
   </p:timing>
@@ -26414,7 +26305,7 @@
   <p:timing>
     <p:tnLst>
       <p:par>
-        <p:cTn id="1" dur="indefinite" restart="never" nodeType="tmRoot"/>
+        <p:cTn xmlns:p14="http://schemas.microsoft.com/office/powerpoint/2010/main" id="1" dur="indefinite" restart="never" nodeType="tmRoot"/>
       </p:par>
     </p:tnLst>
   </p:timing>
@@ -26668,7 +26559,7 @@
   <p:timing>
     <p:tnLst>
       <p:par>
-        <p:cTn id="1" dur="indefinite" restart="never" nodeType="tmRoot"/>
+        <p:cTn xmlns:p14="http://schemas.microsoft.com/office/powerpoint/2010/main" id="1" dur="indefinite" restart="never" nodeType="tmRoot"/>
       </p:par>
     </p:tnLst>
   </p:timing>
@@ -26686,34 +26577,34 @@
         <a:sysClr val="window" lastClr="FFFFFF"/>
       </a:lt1>
       <a:dk2>
-        <a:srgbClr val="1F497D"/>
+        <a:srgbClr xmlns:mc="http://schemas.openxmlformats.org/markup-compatibility/2006" xmlns:a14="http://schemas.microsoft.com/office/drawing/2010/main" val="1F497D" mc:Ignorable=""/>
       </a:dk2>
       <a:lt2>
-        <a:srgbClr val="EEECE1"/>
+        <a:srgbClr xmlns:mc="http://schemas.openxmlformats.org/markup-compatibility/2006" xmlns:a14="http://schemas.microsoft.com/office/drawing/2010/main" val="EEECE1" mc:Ignorable=""/>
       </a:lt2>
       <a:accent1>
-        <a:srgbClr val="4F81BD"/>
+        <a:srgbClr xmlns:mc="http://schemas.openxmlformats.org/markup-compatibility/2006" xmlns:a14="http://schemas.microsoft.com/office/drawing/2010/main" val="4F81BD" mc:Ignorable=""/>
       </a:accent1>
       <a:accent2>
-        <a:srgbClr val="C0504D"/>
+        <a:srgbClr xmlns:mc="http://schemas.openxmlformats.org/markup-compatibility/2006" xmlns:a14="http://schemas.microsoft.com/office/drawing/2010/main" val="C0504D" mc:Ignorable=""/>
       </a:accent2>
       <a:accent3>
-        <a:srgbClr val="9BBB59"/>
+        <a:srgbClr xmlns:mc="http://schemas.openxmlformats.org/markup-compatibility/2006" xmlns:a14="http://schemas.microsoft.com/office/drawing/2010/main" val="9BBB59" mc:Ignorable=""/>
       </a:accent3>
       <a:accent4>
-        <a:srgbClr val="8064A2"/>
+        <a:srgbClr xmlns:mc="http://schemas.openxmlformats.org/markup-compatibility/2006" xmlns:a14="http://schemas.microsoft.com/office/drawing/2010/main" val="8064A2" mc:Ignorable=""/>
       </a:accent4>
       <a:accent5>
-        <a:srgbClr val="4BACC6"/>
+        <a:srgbClr xmlns:mc="http://schemas.openxmlformats.org/markup-compatibility/2006" xmlns:a14="http://schemas.microsoft.com/office/drawing/2010/main" val="4BACC6" mc:Ignorable=""/>
       </a:accent5>
       <a:accent6>
-        <a:srgbClr val="F79646"/>
+        <a:srgbClr xmlns:mc="http://schemas.openxmlformats.org/markup-compatibility/2006" xmlns:a14="http://schemas.microsoft.com/office/drawing/2010/main" val="F79646" mc:Ignorable=""/>
       </a:accent6>
       <a:hlink>
-        <a:srgbClr val="0000FF"/>
+        <a:srgbClr xmlns:mc="http://schemas.openxmlformats.org/markup-compatibility/2006" xmlns:a14="http://schemas.microsoft.com/office/drawing/2010/main" val="0000FF" mc:Ignorable=""/>
       </a:hlink>
       <a:folHlink>
-        <a:srgbClr val="800080"/>
+        <a:srgbClr xmlns:mc="http://schemas.openxmlformats.org/markup-compatibility/2006" xmlns:a14="http://schemas.microsoft.com/office/drawing/2010/main" val="800080" mc:Ignorable=""/>
       </a:folHlink>
     </a:clrScheme>
     <a:fontScheme name="Office">
@@ -26865,7 +26756,7 @@
         <a:effectStyle>
           <a:effectLst>
             <a:outerShdw blurRad="40000" dist="20000" dir="5400000" rotWithShape="0">
-              <a:srgbClr val="000000">
+              <a:srgbClr xmlns:mc="http://schemas.openxmlformats.org/markup-compatibility/2006" xmlns:a14="http://schemas.microsoft.com/office/drawing/2010/main" val="000000" mc:Ignorable="">
                 <a:alpha val="38000"/>
               </a:srgbClr>
             </a:outerShdw>
@@ -26874,7 +26765,7 @@
         <a:effectStyle>
           <a:effectLst>
             <a:outerShdw blurRad="40000" dist="23000" dir="5400000" rotWithShape="0">
-              <a:srgbClr val="000000">
+              <a:srgbClr xmlns:mc="http://schemas.openxmlformats.org/markup-compatibility/2006" xmlns:a14="http://schemas.microsoft.com/office/drawing/2010/main" val="000000" mc:Ignorable="">
                 <a:alpha val="35000"/>
               </a:srgbClr>
             </a:outerShdw>
@@ -26883,7 +26774,7 @@
         <a:effectStyle>
           <a:effectLst>
             <a:outerShdw blurRad="40000" dist="23000" dir="5400000" rotWithShape="0">
-              <a:srgbClr val="000000">
+              <a:srgbClr xmlns:mc="http://schemas.openxmlformats.org/markup-compatibility/2006" xmlns:a14="http://schemas.microsoft.com/office/drawing/2010/main" val="000000" mc:Ignorable="">
                 <a:alpha val="35000"/>
               </a:srgbClr>
             </a:outerShdw>
@@ -26969,34 +26860,34 @@
         <a:sysClr val="window" lastClr="FFFFFF"/>
       </a:lt1>
       <a:dk2>
-        <a:srgbClr val="1F497D"/>
+        <a:srgbClr xmlns:mc="http://schemas.openxmlformats.org/markup-compatibility/2006" xmlns:a14="http://schemas.microsoft.com/office/drawing/2010/main" val="1F497D" mc:Ignorable=""/>
       </a:dk2>
       <a:lt2>
-        <a:srgbClr val="EEECE1"/>
+        <a:srgbClr xmlns:mc="http://schemas.openxmlformats.org/markup-compatibility/2006" xmlns:a14="http://schemas.microsoft.com/office/drawing/2010/main" val="EEECE1" mc:Ignorable=""/>
       </a:lt2>
       <a:accent1>
-        <a:srgbClr val="4F81BD"/>
+        <a:srgbClr xmlns:mc="http://schemas.openxmlformats.org/markup-compatibility/2006" xmlns:a14="http://schemas.microsoft.com/office/drawing/2010/main" val="4F81BD" mc:Ignorable=""/>
       </a:accent1>
       <a:accent2>
-        <a:srgbClr val="C0504D"/>
+        <a:srgbClr xmlns:mc="http://schemas.openxmlformats.org/markup-compatibility/2006" xmlns:a14="http://schemas.microsoft.com/office/drawing/2010/main" val="C0504D" mc:Ignorable=""/>
       </a:accent2>
       <a:accent3>
-        <a:srgbClr val="9BBB59"/>
+        <a:srgbClr xmlns:mc="http://schemas.openxmlformats.org/markup-compatibility/2006" xmlns:a14="http://schemas.microsoft.com/office/drawing/2010/main" val="9BBB59" mc:Ignorable=""/>
       </a:accent3>
       <a:accent4>
-        <a:srgbClr val="8064A2"/>
+        <a:srgbClr xmlns:mc="http://schemas.openxmlformats.org/markup-compatibility/2006" xmlns:a14="http://schemas.microsoft.com/office/drawing/2010/main" val="8064A2" mc:Ignorable=""/>
       </a:accent4>
       <a:accent5>
-        <a:srgbClr val="4BACC6"/>
+        <a:srgbClr xmlns:mc="http://schemas.openxmlformats.org/markup-compatibility/2006" xmlns:a14="http://schemas.microsoft.com/office/drawing/2010/main" val="4BACC6" mc:Ignorable=""/>
       </a:accent5>
       <a:accent6>
-        <a:srgbClr val="F79646"/>
+        <a:srgbClr xmlns:mc="http://schemas.openxmlformats.org/markup-compatibility/2006" xmlns:a14="http://schemas.microsoft.com/office/drawing/2010/main" val="F79646" mc:Ignorable=""/>
       </a:accent6>
       <a:hlink>
-        <a:srgbClr val="0000FF"/>
+        <a:srgbClr xmlns:mc="http://schemas.openxmlformats.org/markup-compatibility/2006" xmlns:a14="http://schemas.microsoft.com/office/drawing/2010/main" val="0000FF" mc:Ignorable=""/>
       </a:hlink>
       <a:folHlink>
-        <a:srgbClr val="800080"/>
+        <a:srgbClr xmlns:mc="http://schemas.openxmlformats.org/markup-compatibility/2006" xmlns:a14="http://schemas.microsoft.com/office/drawing/2010/main" val="800080" mc:Ignorable=""/>
       </a:folHlink>
     </a:clrScheme>
     <a:fontScheme name="Office">
@@ -27148,7 +27039,7 @@
         <a:effectStyle>
           <a:effectLst>
             <a:outerShdw blurRad="40000" dist="20000" dir="5400000" rotWithShape="0">
-              <a:srgbClr val="000000">
+              <a:srgbClr xmlns:mc="http://schemas.openxmlformats.org/markup-compatibility/2006" xmlns:a14="http://schemas.microsoft.com/office/drawing/2010/main" val="000000" mc:Ignorable="">
                 <a:alpha val="38000"/>
               </a:srgbClr>
             </a:outerShdw>
@@ -27157,7 +27048,7 @@
         <a:effectStyle>
           <a:effectLst>
             <a:outerShdw blurRad="40000" dist="23000" dir="5400000" rotWithShape="0">
-              <a:srgbClr val="000000">
+              <a:srgbClr xmlns:mc="http://schemas.openxmlformats.org/markup-compatibility/2006" xmlns:a14="http://schemas.microsoft.com/office/drawing/2010/main" val="000000" mc:Ignorable="">
                 <a:alpha val="35000"/>
               </a:srgbClr>
             </a:outerShdw>
@@ -27166,7 +27057,7 @@
         <a:effectStyle>
           <a:effectLst>
             <a:outerShdw blurRad="40000" dist="23000" dir="5400000" rotWithShape="0">
-              <a:srgbClr val="000000">
+              <a:srgbClr xmlns:mc="http://schemas.openxmlformats.org/markup-compatibility/2006" xmlns:a14="http://schemas.microsoft.com/office/drawing/2010/main" val="000000" mc:Ignorable="">
                 <a:alpha val="35000"/>
               </a:srgbClr>
             </a:outerShdw>
